--- a/Entrega Final/Informe Proyecto Casa de Sanitarios Francisco Agustin Filosi.pptx
+++ b/Entrega Final/Informe Proyecto Casa de Sanitarios Francisco Agustin Filosi.pptx
@@ -8,6 +8,9 @@
     <p:sldId id="257" r:id="rId2"/>
     <p:sldId id="258" r:id="rId3"/>
     <p:sldId id="259" r:id="rId4"/>
+    <p:sldId id="260" r:id="rId5"/>
+    <p:sldId id="261" r:id="rId6"/>
+    <p:sldId id="262" r:id="rId7"/>
   </p:sldIdLst>
   <p:sldSz cx="12192000" cy="6858000"/>
   <p:notesSz cx="6858000" cy="9144000"/>
@@ -106,6 +109,11 @@
       </a:defRPr>
     </a:lvl9pPr>
   </p:defaultTextStyle>
+  <p:extLst>
+    <p:ext uri="{EFAFB233-063F-42B5-8137-9DF3F51BA10A}">
+      <p15:sldGuideLst xmlns:p15="http://schemas.microsoft.com/office/powerpoint/2012/main"/>
+    </p:ext>
+  </p:extLst>
 </p:presentation>
 </file>
 
@@ -166,7 +174,7 @@
           <a:noFill/>
           <a:extLst>
             <a:ext uri="{909E8E84-426E-40dd-AFC4-6F175D3DCCD1}">
-              <a14:hiddenFill xmlns:a14="http://schemas.microsoft.com/office/drawing/2010/main" xmlns="">
+              <a14:hiddenFill xmlns="" xmlns:a14="http://schemas.microsoft.com/office/drawing/2010/main">
                 <a:solidFill>
                   <a:srgbClr val="FFFFFF"/>
                 </a:solidFill>
@@ -225,7 +233,7 @@
             </a:ln>
             <a:extLst>
               <a:ext uri="{91240B29-F687-4f45-9708-019B960494DF}">
-                <a14:hiddenLine xmlns:a14="http://schemas.microsoft.com/office/drawing/2010/main" xmlns="" w="9525">
+                <a14:hiddenLine xmlns="" xmlns:a14="http://schemas.microsoft.com/office/drawing/2010/main" w="9525">
                   <a:solidFill>
                     <a:srgbClr val="000000"/>
                   </a:solidFill>
@@ -315,7 +323,7 @@
             </a:ln>
             <a:extLst>
               <a:ext uri="{91240B29-F687-4f45-9708-019B960494DF}">
-                <a14:hiddenLine xmlns:a14="http://schemas.microsoft.com/office/drawing/2010/main" xmlns="" w="9525">
+                <a14:hiddenLine xmlns="" xmlns:a14="http://schemas.microsoft.com/office/drawing/2010/main" w="9525">
                   <a:solidFill>
                     <a:srgbClr val="000000"/>
                   </a:solidFill>
@@ -405,7 +413,7 @@
             </a:ln>
             <a:extLst>
               <a:ext uri="{91240B29-F687-4f45-9708-019B960494DF}">
-                <a14:hiddenLine xmlns:a14="http://schemas.microsoft.com/office/drawing/2010/main" xmlns="" w="9525">
+                <a14:hiddenLine xmlns="" xmlns:a14="http://schemas.microsoft.com/office/drawing/2010/main" w="9525">
                   <a:solidFill>
                     <a:srgbClr val="000000"/>
                   </a:solidFill>
@@ -439,7 +447,7 @@
             </a:ln>
             <a:extLst>
               <a:ext uri="{91240B29-F687-4f45-9708-019B960494DF}">
-                <a14:hiddenLine xmlns:a14="http://schemas.microsoft.com/office/drawing/2010/main" xmlns="" w="9525">
+                <a14:hiddenLine xmlns="" xmlns:a14="http://schemas.microsoft.com/office/drawing/2010/main" w="9525">
                   <a:solidFill>
                     <a:srgbClr val="000000"/>
                   </a:solidFill>
@@ -529,7 +537,7 @@
             </a:ln>
             <a:extLst>
               <a:ext uri="{91240B29-F687-4f45-9708-019B960494DF}">
-                <a14:hiddenLine xmlns:a14="http://schemas.microsoft.com/office/drawing/2010/main" xmlns="" w="9525">
+                <a14:hiddenLine xmlns="" xmlns:a14="http://schemas.microsoft.com/office/drawing/2010/main" w="9525">
                   <a:solidFill>
                     <a:srgbClr val="000000"/>
                   </a:solidFill>
@@ -591,7 +599,7 @@
             </a:ln>
             <a:extLst>
               <a:ext uri="{91240B29-F687-4f45-9708-019B960494DF}">
-                <a14:hiddenLine xmlns:a14="http://schemas.microsoft.com/office/drawing/2010/main" xmlns="" w="9525">
+                <a14:hiddenLine xmlns="" xmlns:a14="http://schemas.microsoft.com/office/drawing/2010/main" w="9525">
                   <a:solidFill>
                     <a:srgbClr val="000000"/>
                   </a:solidFill>
@@ -653,7 +661,7 @@
             </a:ln>
             <a:extLst>
               <a:ext uri="{91240B29-F687-4f45-9708-019B960494DF}">
-                <a14:hiddenLine xmlns:a14="http://schemas.microsoft.com/office/drawing/2010/main" xmlns="" w="9525">
+                <a14:hiddenLine xmlns="" xmlns:a14="http://schemas.microsoft.com/office/drawing/2010/main" w="9525">
                   <a:solidFill>
                     <a:srgbClr val="000000"/>
                   </a:solidFill>
@@ -743,7 +751,7 @@
             </a:ln>
             <a:extLst>
               <a:ext uri="{91240B29-F687-4f45-9708-019B960494DF}">
-                <a14:hiddenLine xmlns:a14="http://schemas.microsoft.com/office/drawing/2010/main" xmlns="" w="9525">
+                <a14:hiddenLine xmlns="" xmlns:a14="http://schemas.microsoft.com/office/drawing/2010/main" w="9525">
                   <a:solidFill>
                     <a:srgbClr val="000000"/>
                   </a:solidFill>
@@ -805,7 +813,7 @@
             </a:ln>
             <a:extLst>
               <a:ext uri="{91240B29-F687-4f45-9708-019B960494DF}">
-                <a14:hiddenLine xmlns:a14="http://schemas.microsoft.com/office/drawing/2010/main" xmlns="" w="9525">
+                <a14:hiddenLine xmlns="" xmlns:a14="http://schemas.microsoft.com/office/drawing/2010/main" w="9525">
                   <a:solidFill>
                     <a:srgbClr val="000000"/>
                   </a:solidFill>
@@ -867,7 +875,7 @@
             </a:ln>
             <a:extLst>
               <a:ext uri="{91240B29-F687-4f45-9708-019B960494DF}">
-                <a14:hiddenLine xmlns:a14="http://schemas.microsoft.com/office/drawing/2010/main" xmlns="" w="9525">
+                <a14:hiddenLine xmlns="" xmlns:a14="http://schemas.microsoft.com/office/drawing/2010/main" w="9525">
                   <a:solidFill>
                     <a:srgbClr val="000000"/>
                   </a:solidFill>
@@ -957,7 +965,7 @@
             </a:ln>
             <a:extLst>
               <a:ext uri="{91240B29-F687-4f45-9708-019B960494DF}">
-                <a14:hiddenLine xmlns:a14="http://schemas.microsoft.com/office/drawing/2010/main" xmlns="" w="9525">
+                <a14:hiddenLine xmlns="" xmlns:a14="http://schemas.microsoft.com/office/drawing/2010/main" w="9525">
                   <a:solidFill>
                     <a:srgbClr val="000000"/>
                   </a:solidFill>
@@ -1047,7 +1055,7 @@
             </a:ln>
             <a:extLst>
               <a:ext uri="{91240B29-F687-4f45-9708-019B960494DF}">
-                <a14:hiddenLine xmlns:a14="http://schemas.microsoft.com/office/drawing/2010/main" xmlns="" w="9525">
+                <a14:hiddenLine xmlns="" xmlns:a14="http://schemas.microsoft.com/office/drawing/2010/main" w="9525">
                   <a:solidFill>
                     <a:srgbClr val="000000"/>
                   </a:solidFill>
@@ -1109,7 +1117,7 @@
             </a:ln>
             <a:extLst>
               <a:ext uri="{91240B29-F687-4f45-9708-019B960494DF}">
-                <a14:hiddenLine xmlns:a14="http://schemas.microsoft.com/office/drawing/2010/main" xmlns="" w="9525">
+                <a14:hiddenLine xmlns="" xmlns:a14="http://schemas.microsoft.com/office/drawing/2010/main" w="9525">
                   <a:solidFill>
                     <a:srgbClr val="000000"/>
                   </a:solidFill>
@@ -1219,7 +1227,7 @@
             </a:ln>
             <a:extLst>
               <a:ext uri="{91240B29-F687-4f45-9708-019B960494DF}">
-                <a14:hiddenLine xmlns:a14="http://schemas.microsoft.com/office/drawing/2010/main" xmlns="" w="9525">
+                <a14:hiddenLine xmlns="" xmlns:a14="http://schemas.microsoft.com/office/drawing/2010/main" w="9525">
                   <a:solidFill>
                     <a:srgbClr val="000000"/>
                   </a:solidFill>
@@ -1281,7 +1289,7 @@
             </a:ln>
             <a:extLst>
               <a:ext uri="{91240B29-F687-4f45-9708-019B960494DF}">
-                <a14:hiddenLine xmlns:a14="http://schemas.microsoft.com/office/drawing/2010/main" xmlns="" w="9525">
+                <a14:hiddenLine xmlns="" xmlns:a14="http://schemas.microsoft.com/office/drawing/2010/main" w="9525">
                   <a:solidFill>
                     <a:srgbClr val="000000"/>
                   </a:solidFill>
@@ -1371,7 +1379,7 @@
             </a:ln>
             <a:extLst>
               <a:ext uri="{91240B29-F687-4f45-9708-019B960494DF}">
-                <a14:hiddenLine xmlns:a14="http://schemas.microsoft.com/office/drawing/2010/main" xmlns="" w="9525">
+                <a14:hiddenLine xmlns="" xmlns:a14="http://schemas.microsoft.com/office/drawing/2010/main" w="9525">
                   <a:solidFill>
                     <a:srgbClr val="000000"/>
                   </a:solidFill>
@@ -1461,7 +1469,7 @@
             </a:ln>
             <a:extLst>
               <a:ext uri="{91240B29-F687-4f45-9708-019B960494DF}">
-                <a14:hiddenLine xmlns:a14="http://schemas.microsoft.com/office/drawing/2010/main" xmlns="" w="9525">
+                <a14:hiddenLine xmlns="" xmlns:a14="http://schemas.microsoft.com/office/drawing/2010/main" w="9525">
                   <a:solidFill>
                     <a:srgbClr val="000000"/>
                   </a:solidFill>
@@ -1523,7 +1531,7 @@
             </a:ln>
             <a:extLst>
               <a:ext uri="{91240B29-F687-4f45-9708-019B960494DF}">
-                <a14:hiddenLine xmlns:a14="http://schemas.microsoft.com/office/drawing/2010/main" xmlns="" w="9525">
+                <a14:hiddenLine xmlns="" xmlns:a14="http://schemas.microsoft.com/office/drawing/2010/main" w="9525">
                   <a:solidFill>
                     <a:srgbClr val="000000"/>
                   </a:solidFill>
@@ -1613,7 +1621,7 @@
             </a:ln>
             <a:extLst>
               <a:ext uri="{91240B29-F687-4f45-9708-019B960494DF}">
-                <a14:hiddenLine xmlns:a14="http://schemas.microsoft.com/office/drawing/2010/main" xmlns="" w="9525">
+                <a14:hiddenLine xmlns="" xmlns:a14="http://schemas.microsoft.com/office/drawing/2010/main" w="9525">
                   <a:solidFill>
                     <a:srgbClr val="000000"/>
                   </a:solidFill>
@@ -1703,7 +1711,7 @@
             </a:ln>
             <a:extLst>
               <a:ext uri="{91240B29-F687-4f45-9708-019B960494DF}">
-                <a14:hiddenLine xmlns:a14="http://schemas.microsoft.com/office/drawing/2010/main" xmlns="" w="9525">
+                <a14:hiddenLine xmlns="" xmlns:a14="http://schemas.microsoft.com/office/drawing/2010/main" w="9525">
                   <a:solidFill>
                     <a:srgbClr val="000000"/>
                   </a:solidFill>
@@ -1759,7 +1767,7 @@
             </a:ln>
             <a:extLst>
               <a:ext uri="{91240B29-F687-4f45-9708-019B960494DF}">
-                <a14:hiddenLine xmlns:a14="http://schemas.microsoft.com/office/drawing/2010/main" xmlns="" w="9525">
+                <a14:hiddenLine xmlns="" xmlns:a14="http://schemas.microsoft.com/office/drawing/2010/main" w="9525">
                   <a:solidFill>
                     <a:srgbClr val="000000"/>
                   </a:solidFill>
@@ -1849,7 +1857,7 @@
             </a:ln>
             <a:extLst>
               <a:ext uri="{91240B29-F687-4f45-9708-019B960494DF}">
-                <a14:hiddenLine xmlns:a14="http://schemas.microsoft.com/office/drawing/2010/main" xmlns="" w="9525">
+                <a14:hiddenLine xmlns="" xmlns:a14="http://schemas.microsoft.com/office/drawing/2010/main" w="9525">
                   <a:solidFill>
                     <a:srgbClr val="000000"/>
                   </a:solidFill>
@@ -1905,7 +1913,7 @@
             </a:ln>
             <a:extLst>
               <a:ext uri="{91240B29-F687-4f45-9708-019B960494DF}">
-                <a14:hiddenLine xmlns:a14="http://schemas.microsoft.com/office/drawing/2010/main" xmlns="" w="9525">
+                <a14:hiddenLine xmlns="" xmlns:a14="http://schemas.microsoft.com/office/drawing/2010/main" w="9525">
                   <a:solidFill>
                     <a:srgbClr val="000000"/>
                   </a:solidFill>
@@ -1995,7 +2003,7 @@
             </a:ln>
             <a:extLst>
               <a:ext uri="{91240B29-F687-4f45-9708-019B960494DF}">
-                <a14:hiddenLine xmlns:a14="http://schemas.microsoft.com/office/drawing/2010/main" xmlns="" w="9525">
+                <a14:hiddenLine xmlns="" xmlns:a14="http://schemas.microsoft.com/office/drawing/2010/main" w="9525">
                   <a:solidFill>
                     <a:srgbClr val="000000"/>
                   </a:solidFill>
@@ -2063,7 +2071,7 @@
             </a:ln>
             <a:extLst>
               <a:ext uri="{91240B29-F687-4f45-9708-019B960494DF}">
-                <a14:hiddenLine xmlns:a14="http://schemas.microsoft.com/office/drawing/2010/main" xmlns="" w="9525">
+                <a14:hiddenLine xmlns="" xmlns:a14="http://schemas.microsoft.com/office/drawing/2010/main" w="9525">
                   <a:solidFill>
                     <a:srgbClr val="000000"/>
                   </a:solidFill>
@@ -2153,7 +2161,7 @@
             </a:ln>
             <a:extLst>
               <a:ext uri="{91240B29-F687-4f45-9708-019B960494DF}">
-                <a14:hiddenLine xmlns:a14="http://schemas.microsoft.com/office/drawing/2010/main" xmlns="" w="9525">
+                <a14:hiddenLine xmlns="" xmlns:a14="http://schemas.microsoft.com/office/drawing/2010/main" w="9525">
                   <a:solidFill>
                     <a:srgbClr val="000000"/>
                   </a:solidFill>
@@ -2221,7 +2229,7 @@
             </a:ln>
             <a:extLst>
               <a:ext uri="{91240B29-F687-4f45-9708-019B960494DF}">
-                <a14:hiddenLine xmlns:a14="http://schemas.microsoft.com/office/drawing/2010/main" xmlns="" w="9525">
+                <a14:hiddenLine xmlns="" xmlns:a14="http://schemas.microsoft.com/office/drawing/2010/main" w="9525">
                   <a:solidFill>
                     <a:srgbClr val="000000"/>
                   </a:solidFill>
@@ -2311,7 +2319,7 @@
             </a:ln>
             <a:extLst>
               <a:ext uri="{91240B29-F687-4f45-9708-019B960494DF}">
-                <a14:hiddenLine xmlns:a14="http://schemas.microsoft.com/office/drawing/2010/main" xmlns="" w="9525">
+                <a14:hiddenLine xmlns="" xmlns:a14="http://schemas.microsoft.com/office/drawing/2010/main" w="9525">
                   <a:solidFill>
                     <a:srgbClr val="000000"/>
                   </a:solidFill>
@@ -2345,7 +2353,7 @@
             </a:ln>
             <a:extLst>
               <a:ext uri="{91240B29-F687-4f45-9708-019B960494DF}">
-                <a14:hiddenLine xmlns:a14="http://schemas.microsoft.com/office/drawing/2010/main" xmlns="" w="9525">
+                <a14:hiddenLine xmlns="" xmlns:a14="http://schemas.microsoft.com/office/drawing/2010/main" w="9525">
                   <a:solidFill>
                     <a:srgbClr val="000000"/>
                   </a:solidFill>
@@ -2435,7 +2443,7 @@
             </a:ln>
             <a:extLst>
               <a:ext uri="{91240B29-F687-4f45-9708-019B960494DF}">
-                <a14:hiddenLine xmlns:a14="http://schemas.microsoft.com/office/drawing/2010/main" xmlns="" w="9525">
+                <a14:hiddenLine xmlns="" xmlns:a14="http://schemas.microsoft.com/office/drawing/2010/main" w="9525">
                   <a:solidFill>
                     <a:srgbClr val="000000"/>
                   </a:solidFill>
@@ -2497,7 +2505,7 @@
             </a:ln>
             <a:extLst>
               <a:ext uri="{91240B29-F687-4f45-9708-019B960494DF}">
-                <a14:hiddenLine xmlns:a14="http://schemas.microsoft.com/office/drawing/2010/main" xmlns="" w="9525">
+                <a14:hiddenLine xmlns="" xmlns:a14="http://schemas.microsoft.com/office/drawing/2010/main" w="9525">
                   <a:solidFill>
                     <a:srgbClr val="000000"/>
                   </a:solidFill>
@@ -2559,7 +2567,7 @@
             </a:ln>
             <a:extLst>
               <a:ext uri="{91240B29-F687-4f45-9708-019B960494DF}">
-                <a14:hiddenLine xmlns:a14="http://schemas.microsoft.com/office/drawing/2010/main" xmlns="" w="9525">
+                <a14:hiddenLine xmlns="" xmlns:a14="http://schemas.microsoft.com/office/drawing/2010/main" w="9525">
                   <a:solidFill>
                     <a:srgbClr val="000000"/>
                   </a:solidFill>
@@ -2649,7 +2657,7 @@
             </a:ln>
             <a:extLst>
               <a:ext uri="{91240B29-F687-4f45-9708-019B960494DF}">
-                <a14:hiddenLine xmlns:a14="http://schemas.microsoft.com/office/drawing/2010/main" xmlns="" w="9525">
+                <a14:hiddenLine xmlns="" xmlns:a14="http://schemas.microsoft.com/office/drawing/2010/main" w="9525">
                   <a:solidFill>
                     <a:srgbClr val="000000"/>
                   </a:solidFill>
@@ -2717,7 +2725,7 @@
             </a:ln>
             <a:extLst>
               <a:ext uri="{91240B29-F687-4f45-9708-019B960494DF}">
-                <a14:hiddenLine xmlns:a14="http://schemas.microsoft.com/office/drawing/2010/main" xmlns="" w="9525">
+                <a14:hiddenLine xmlns="" xmlns:a14="http://schemas.microsoft.com/office/drawing/2010/main" w="9525">
                   <a:solidFill>
                     <a:srgbClr val="000000"/>
                   </a:solidFill>
@@ -2779,7 +2787,7 @@
             </a:ln>
             <a:extLst>
               <a:ext uri="{91240B29-F687-4f45-9708-019B960494DF}">
-                <a14:hiddenLine xmlns:a14="http://schemas.microsoft.com/office/drawing/2010/main" xmlns="" w="9525">
+                <a14:hiddenLine xmlns="" xmlns:a14="http://schemas.microsoft.com/office/drawing/2010/main" w="9525">
                   <a:solidFill>
                     <a:srgbClr val="000000"/>
                   </a:solidFill>
@@ -2869,7 +2877,7 @@
             </a:ln>
             <a:extLst>
               <a:ext uri="{91240B29-F687-4f45-9708-019B960494DF}">
-                <a14:hiddenLine xmlns:a14="http://schemas.microsoft.com/office/drawing/2010/main" xmlns="" w="9525">
+                <a14:hiddenLine xmlns="" xmlns:a14="http://schemas.microsoft.com/office/drawing/2010/main" w="9525">
                   <a:solidFill>
                     <a:srgbClr val="000000"/>
                   </a:solidFill>
@@ -2931,7 +2939,7 @@
             </a:ln>
             <a:extLst>
               <a:ext uri="{91240B29-F687-4f45-9708-019B960494DF}">
-                <a14:hiddenLine xmlns:a14="http://schemas.microsoft.com/office/drawing/2010/main" xmlns="" w="9525">
+                <a14:hiddenLine xmlns="" xmlns:a14="http://schemas.microsoft.com/office/drawing/2010/main" w="9525">
                   <a:solidFill>
                     <a:srgbClr val="000000"/>
                   </a:solidFill>
@@ -3021,7 +3029,7 @@
             </a:ln>
             <a:extLst>
               <a:ext uri="{91240B29-F687-4f45-9708-019B960494DF}">
-                <a14:hiddenLine xmlns:a14="http://schemas.microsoft.com/office/drawing/2010/main" xmlns="" w="9525">
+                <a14:hiddenLine xmlns="" xmlns:a14="http://schemas.microsoft.com/office/drawing/2010/main" w="9525">
                   <a:solidFill>
                     <a:srgbClr val="000000"/>
                   </a:solidFill>
@@ -3083,7 +3091,7 @@
             </a:ln>
             <a:extLst>
               <a:ext uri="{91240B29-F687-4f45-9708-019B960494DF}">
-                <a14:hiddenLine xmlns:a14="http://schemas.microsoft.com/office/drawing/2010/main" xmlns="" w="9525">
+                <a14:hiddenLine xmlns="" xmlns:a14="http://schemas.microsoft.com/office/drawing/2010/main" w="9525">
                   <a:solidFill>
                     <a:srgbClr val="000000"/>
                   </a:solidFill>
@@ -3173,7 +3181,7 @@
             </a:ln>
             <a:extLst>
               <a:ext uri="{91240B29-F687-4f45-9708-019B960494DF}">
-                <a14:hiddenLine xmlns:a14="http://schemas.microsoft.com/office/drawing/2010/main" xmlns="" w="9525">
+                <a14:hiddenLine xmlns="" xmlns:a14="http://schemas.microsoft.com/office/drawing/2010/main" w="9525">
                   <a:solidFill>
                     <a:srgbClr val="000000"/>
                   </a:solidFill>
@@ -3207,7 +3215,7 @@
             </a:ln>
             <a:extLst>
               <a:ext uri="{91240B29-F687-4f45-9708-019B960494DF}">
-                <a14:hiddenLine xmlns:a14="http://schemas.microsoft.com/office/drawing/2010/main" xmlns="" w="9525">
+                <a14:hiddenLine xmlns="" xmlns:a14="http://schemas.microsoft.com/office/drawing/2010/main" w="9525">
                   <a:solidFill>
                     <a:srgbClr val="000000"/>
                   </a:solidFill>
@@ -3272,7 +3280,7 @@
             </a:ln>
             <a:extLst>
               <a:ext uri="{91240B29-F687-4f45-9708-019B960494DF}">
-                <a14:hiddenLine xmlns:a14="http://schemas.microsoft.com/office/drawing/2010/main" xmlns="" w="9525">
+                <a14:hiddenLine xmlns="" xmlns:a14="http://schemas.microsoft.com/office/drawing/2010/main" w="9525">
                   <a:solidFill>
                     <a:srgbClr val="000000"/>
                   </a:solidFill>
@@ -3362,7 +3370,7 @@
             </a:ln>
             <a:extLst>
               <a:ext uri="{91240B29-F687-4f45-9708-019B960494DF}">
-                <a14:hiddenLine xmlns:a14="http://schemas.microsoft.com/office/drawing/2010/main" xmlns="" w="9525">
+                <a14:hiddenLine xmlns="" xmlns:a14="http://schemas.microsoft.com/office/drawing/2010/main" w="9525">
                   <a:solidFill>
                     <a:srgbClr val="000000"/>
                   </a:solidFill>
@@ -3424,7 +3432,7 @@
             </a:ln>
             <a:extLst>
               <a:ext uri="{91240B29-F687-4f45-9708-019B960494DF}">
-                <a14:hiddenLine xmlns:a14="http://schemas.microsoft.com/office/drawing/2010/main" xmlns="" w="9525">
+                <a14:hiddenLine xmlns="" xmlns:a14="http://schemas.microsoft.com/office/drawing/2010/main" w="9525">
                   <a:solidFill>
                     <a:srgbClr val="000000"/>
                   </a:solidFill>
@@ -3514,7 +3522,7 @@
             </a:ln>
             <a:extLst>
               <a:ext uri="{91240B29-F687-4f45-9708-019B960494DF}">
-                <a14:hiddenLine xmlns:a14="http://schemas.microsoft.com/office/drawing/2010/main" xmlns="" w="9525">
+                <a14:hiddenLine xmlns="" xmlns:a14="http://schemas.microsoft.com/office/drawing/2010/main" w="9525">
                   <a:solidFill>
                     <a:srgbClr val="000000"/>
                   </a:solidFill>
@@ -3604,7 +3612,7 @@
             </a:ln>
             <a:extLst>
               <a:ext uri="{91240B29-F687-4f45-9708-019B960494DF}">
-                <a14:hiddenLine xmlns:a14="http://schemas.microsoft.com/office/drawing/2010/main" xmlns="" w="9525">
+                <a14:hiddenLine xmlns="" xmlns:a14="http://schemas.microsoft.com/office/drawing/2010/main" w="9525">
                   <a:solidFill>
                     <a:srgbClr val="000000"/>
                   </a:solidFill>
@@ -3669,7 +3677,7 @@
             </a:ln>
             <a:extLst>
               <a:ext uri="{91240B29-F687-4f45-9708-019B960494DF}">
-                <a14:hiddenLine xmlns:a14="http://schemas.microsoft.com/office/drawing/2010/main" xmlns="" w="9525">
+                <a14:hiddenLine xmlns="" xmlns:a14="http://schemas.microsoft.com/office/drawing/2010/main" w="9525">
                   <a:solidFill>
                     <a:srgbClr val="000000"/>
                   </a:solidFill>
@@ -3731,7 +3739,7 @@
             </a:ln>
             <a:extLst>
               <a:ext uri="{91240B29-F687-4f45-9708-019B960494DF}">
-                <a14:hiddenLine xmlns:a14="http://schemas.microsoft.com/office/drawing/2010/main" xmlns="" w="9525">
+                <a14:hiddenLine xmlns="" xmlns:a14="http://schemas.microsoft.com/office/drawing/2010/main" w="9525">
                   <a:solidFill>
                     <a:srgbClr val="000000"/>
                   </a:solidFill>
@@ -3821,7 +3829,7 @@
             </a:ln>
             <a:extLst>
               <a:ext uri="{91240B29-F687-4f45-9708-019B960494DF}">
-                <a14:hiddenLine xmlns:a14="http://schemas.microsoft.com/office/drawing/2010/main" xmlns="" w="9525">
+                <a14:hiddenLine xmlns="" xmlns:a14="http://schemas.microsoft.com/office/drawing/2010/main" w="9525">
                   <a:solidFill>
                     <a:srgbClr val="000000"/>
                   </a:solidFill>
@@ -3911,7 +3919,7 @@
             </a:ln>
             <a:extLst>
               <a:ext uri="{91240B29-F687-4f45-9708-019B960494DF}">
-                <a14:hiddenLine xmlns:a14="http://schemas.microsoft.com/office/drawing/2010/main" xmlns="" w="9525">
+                <a14:hiddenLine xmlns="" xmlns:a14="http://schemas.microsoft.com/office/drawing/2010/main" w="9525">
                   <a:solidFill>
                     <a:srgbClr val="000000"/>
                   </a:solidFill>
@@ -3973,7 +3981,7 @@
             </a:ln>
             <a:extLst>
               <a:ext uri="{91240B29-F687-4f45-9708-019B960494DF}">
-                <a14:hiddenLine xmlns:a14="http://schemas.microsoft.com/office/drawing/2010/main" xmlns="" w="9525">
+                <a14:hiddenLine xmlns="" xmlns:a14="http://schemas.microsoft.com/office/drawing/2010/main" w="9525">
                   <a:solidFill>
                     <a:srgbClr val="000000"/>
                   </a:solidFill>
@@ -4093,7 +4101,7 @@
             </a:ln>
             <a:extLst>
               <a:ext uri="{91240B29-F687-4f45-9708-019B960494DF}">
-                <a14:hiddenLine xmlns:a14="http://schemas.microsoft.com/office/drawing/2010/main" xmlns="" w="9525">
+                <a14:hiddenLine xmlns="" xmlns:a14="http://schemas.microsoft.com/office/drawing/2010/main" w="9525">
                   <a:solidFill>
                     <a:srgbClr val="000000"/>
                   </a:solidFill>
@@ -4161,7 +4169,7 @@
             </a:ln>
             <a:extLst>
               <a:ext uri="{91240B29-F687-4f45-9708-019B960494DF}">
-                <a14:hiddenLine xmlns:a14="http://schemas.microsoft.com/office/drawing/2010/main" xmlns="" w="9525">
+                <a14:hiddenLine xmlns="" xmlns:a14="http://schemas.microsoft.com/office/drawing/2010/main" w="9525">
                   <a:solidFill>
                     <a:srgbClr val="000000"/>
                   </a:solidFill>
@@ -4251,7 +4259,7 @@
             </a:ln>
             <a:extLst>
               <a:ext uri="{91240B29-F687-4f45-9708-019B960494DF}">
-                <a14:hiddenLine xmlns:a14="http://schemas.microsoft.com/office/drawing/2010/main" xmlns="" w="9525">
+                <a14:hiddenLine xmlns="" xmlns:a14="http://schemas.microsoft.com/office/drawing/2010/main" w="9525">
                   <a:solidFill>
                     <a:srgbClr val="000000"/>
                   </a:solidFill>
@@ -9065,7 +9073,7 @@
           <a:noFill/>
           <a:extLst>
             <a:ext uri="{909E8E84-426E-40dd-AFC4-6F175D3DCCD1}">
-              <a14:hiddenFill xmlns:a14="http://schemas.microsoft.com/office/drawing/2010/main" xmlns="">
+              <a14:hiddenFill xmlns="" xmlns:a14="http://schemas.microsoft.com/office/drawing/2010/main">
                 <a:solidFill>
                   <a:srgbClr val="FFFFFF"/>
                 </a:solidFill>
@@ -9139,7 +9147,7 @@
               </a:ln>
               <a:extLst>
                 <a:ext uri="{91240B29-F687-4f45-9708-019B960494DF}">
-                  <a14:hiddenLine xmlns:a14="http://schemas.microsoft.com/office/drawing/2010/main" xmlns="" w="9525">
+                  <a14:hiddenLine xmlns="" xmlns:a14="http://schemas.microsoft.com/office/drawing/2010/main" w="9525">
                     <a:solidFill>
                       <a:srgbClr val="000000"/>
                     </a:solidFill>
@@ -9229,7 +9237,7 @@
               </a:ln>
               <a:extLst>
                 <a:ext uri="{91240B29-F687-4f45-9708-019B960494DF}">
-                  <a14:hiddenLine xmlns:a14="http://schemas.microsoft.com/office/drawing/2010/main" xmlns="" w="9525">
+                  <a14:hiddenLine xmlns="" xmlns:a14="http://schemas.microsoft.com/office/drawing/2010/main" w="9525">
                     <a:solidFill>
                       <a:srgbClr val="000000"/>
                     </a:solidFill>
@@ -9319,7 +9327,7 @@
               </a:ln>
               <a:extLst>
                 <a:ext uri="{91240B29-F687-4f45-9708-019B960494DF}">
-                  <a14:hiddenLine xmlns:a14="http://schemas.microsoft.com/office/drawing/2010/main" xmlns="" w="9525">
+                  <a14:hiddenLine xmlns="" xmlns:a14="http://schemas.microsoft.com/office/drawing/2010/main" w="9525">
                     <a:solidFill>
                       <a:srgbClr val="000000"/>
                     </a:solidFill>
@@ -9381,7 +9389,7 @@
               </a:ln>
               <a:extLst>
                 <a:ext uri="{91240B29-F687-4f45-9708-019B960494DF}">
-                  <a14:hiddenLine xmlns:a14="http://schemas.microsoft.com/office/drawing/2010/main" xmlns="" w="9525">
+                  <a14:hiddenLine xmlns="" xmlns:a14="http://schemas.microsoft.com/office/drawing/2010/main" w="9525">
                     <a:solidFill>
                       <a:srgbClr val="000000"/>
                     </a:solidFill>
@@ -9471,7 +9479,7 @@
               </a:ln>
               <a:extLst>
                 <a:ext uri="{91240B29-F687-4f45-9708-019B960494DF}">
-                  <a14:hiddenLine xmlns:a14="http://schemas.microsoft.com/office/drawing/2010/main" xmlns="" w="9525">
+                  <a14:hiddenLine xmlns="" xmlns:a14="http://schemas.microsoft.com/office/drawing/2010/main" w="9525">
                     <a:solidFill>
                       <a:srgbClr val="000000"/>
                     </a:solidFill>
@@ -9533,7 +9541,7 @@
               </a:ln>
               <a:extLst>
                 <a:ext uri="{91240B29-F687-4f45-9708-019B960494DF}">
-                  <a14:hiddenLine xmlns:a14="http://schemas.microsoft.com/office/drawing/2010/main" xmlns="" w="9525">
+                  <a14:hiddenLine xmlns="" xmlns:a14="http://schemas.microsoft.com/office/drawing/2010/main" w="9525">
                     <a:solidFill>
                       <a:srgbClr val="000000"/>
                     </a:solidFill>
@@ -9595,7 +9603,7 @@
               </a:ln>
               <a:extLst>
                 <a:ext uri="{91240B29-F687-4f45-9708-019B960494DF}">
-                  <a14:hiddenLine xmlns:a14="http://schemas.microsoft.com/office/drawing/2010/main" xmlns="" w="9525">
+                  <a14:hiddenLine xmlns="" xmlns:a14="http://schemas.microsoft.com/office/drawing/2010/main" w="9525">
                     <a:solidFill>
                       <a:srgbClr val="000000"/>
                     </a:solidFill>
@@ -9685,7 +9693,7 @@
               </a:ln>
               <a:extLst>
                 <a:ext uri="{91240B29-F687-4f45-9708-019B960494DF}">
-                  <a14:hiddenLine xmlns:a14="http://schemas.microsoft.com/office/drawing/2010/main" xmlns="" w="9525">
+                  <a14:hiddenLine xmlns="" xmlns:a14="http://schemas.microsoft.com/office/drawing/2010/main" w="9525">
                     <a:solidFill>
                       <a:srgbClr val="000000"/>
                     </a:solidFill>
@@ -9775,7 +9783,7 @@
               </a:ln>
               <a:extLst>
                 <a:ext uri="{91240B29-F687-4f45-9708-019B960494DF}">
-                  <a14:hiddenLine xmlns:a14="http://schemas.microsoft.com/office/drawing/2010/main" xmlns="" w="9525">
+                  <a14:hiddenLine xmlns="" xmlns:a14="http://schemas.microsoft.com/office/drawing/2010/main" w="9525">
                     <a:solidFill>
                       <a:srgbClr val="000000"/>
                     </a:solidFill>
@@ -9837,7 +9845,7 @@
               </a:ln>
               <a:extLst>
                 <a:ext uri="{91240B29-F687-4f45-9708-019B960494DF}">
-                  <a14:hiddenLine xmlns:a14="http://schemas.microsoft.com/office/drawing/2010/main" xmlns="" w="9525">
+                  <a14:hiddenLine xmlns="" xmlns:a14="http://schemas.microsoft.com/office/drawing/2010/main" w="9525">
                     <a:solidFill>
                       <a:srgbClr val="000000"/>
                     </a:solidFill>
@@ -9947,7 +9955,7 @@
               </a:ln>
               <a:extLst>
                 <a:ext uri="{91240B29-F687-4f45-9708-019B960494DF}">
-                  <a14:hiddenLine xmlns:a14="http://schemas.microsoft.com/office/drawing/2010/main" xmlns="" w="9525">
+                  <a14:hiddenLine xmlns="" xmlns:a14="http://schemas.microsoft.com/office/drawing/2010/main" w="9525">
                     <a:solidFill>
                       <a:srgbClr val="000000"/>
                     </a:solidFill>
@@ -10031,7 +10039,7 @@
               </a:ln>
               <a:extLst>
                 <a:ext uri="{91240B29-F687-4f45-9708-019B960494DF}">
-                  <a14:hiddenLine xmlns:a14="http://schemas.microsoft.com/office/drawing/2010/main" xmlns="" w="9525">
+                  <a14:hiddenLine xmlns="" xmlns:a14="http://schemas.microsoft.com/office/drawing/2010/main" w="9525">
                     <a:solidFill>
                       <a:srgbClr val="000000"/>
                     </a:solidFill>
@@ -10093,7 +10101,7 @@
               </a:ln>
               <a:extLst>
                 <a:ext uri="{91240B29-F687-4f45-9708-019B960494DF}">
-                  <a14:hiddenLine xmlns:a14="http://schemas.microsoft.com/office/drawing/2010/main" xmlns="" w="9525">
+                  <a14:hiddenLine xmlns="" xmlns:a14="http://schemas.microsoft.com/office/drawing/2010/main" w="9525">
                     <a:solidFill>
                       <a:srgbClr val="000000"/>
                     </a:solidFill>
@@ -10155,7 +10163,7 @@
               </a:ln>
               <a:extLst>
                 <a:ext uri="{91240B29-F687-4f45-9708-019B960494DF}">
-                  <a14:hiddenLine xmlns:a14="http://schemas.microsoft.com/office/drawing/2010/main" xmlns="" w="9525">
+                  <a14:hiddenLine xmlns="" xmlns:a14="http://schemas.microsoft.com/office/drawing/2010/main" w="9525">
                     <a:solidFill>
                       <a:srgbClr val="000000"/>
                     </a:solidFill>
@@ -10245,7 +10253,7 @@
               </a:ln>
               <a:extLst>
                 <a:ext uri="{91240B29-F687-4f45-9708-019B960494DF}">
-                  <a14:hiddenLine xmlns:a14="http://schemas.microsoft.com/office/drawing/2010/main" xmlns="" w="9525">
+                  <a14:hiddenLine xmlns="" xmlns:a14="http://schemas.microsoft.com/office/drawing/2010/main" w="9525">
                     <a:solidFill>
                       <a:srgbClr val="000000"/>
                     </a:solidFill>
@@ -10279,7 +10287,7 @@
               </a:ln>
               <a:extLst>
                 <a:ext uri="{91240B29-F687-4f45-9708-019B960494DF}">
-                  <a14:hiddenLine xmlns:a14="http://schemas.microsoft.com/office/drawing/2010/main" xmlns="" w="9525">
+                  <a14:hiddenLine xmlns="" xmlns:a14="http://schemas.microsoft.com/office/drawing/2010/main" w="9525">
                     <a:solidFill>
                       <a:srgbClr val="000000"/>
                     </a:solidFill>
@@ -10344,7 +10352,7 @@
               </a:ln>
               <a:extLst>
                 <a:ext uri="{91240B29-F687-4f45-9708-019B960494DF}">
-                  <a14:hiddenLine xmlns:a14="http://schemas.microsoft.com/office/drawing/2010/main" xmlns="" w="9525">
+                  <a14:hiddenLine xmlns="" xmlns:a14="http://schemas.microsoft.com/office/drawing/2010/main" w="9525">
                     <a:solidFill>
                       <a:srgbClr val="000000"/>
                     </a:solidFill>
@@ -10434,7 +10442,7 @@
               </a:ln>
               <a:extLst>
                 <a:ext uri="{91240B29-F687-4f45-9708-019B960494DF}">
-                  <a14:hiddenLine xmlns:a14="http://schemas.microsoft.com/office/drawing/2010/main" xmlns="" w="9525">
+                  <a14:hiddenLine xmlns="" xmlns:a14="http://schemas.microsoft.com/office/drawing/2010/main" w="9525">
                     <a:solidFill>
                       <a:srgbClr val="000000"/>
                     </a:solidFill>
@@ -10496,7 +10504,7 @@
               </a:ln>
               <a:extLst>
                 <a:ext uri="{91240B29-F687-4f45-9708-019B960494DF}">
-                  <a14:hiddenLine xmlns:a14="http://schemas.microsoft.com/office/drawing/2010/main" xmlns="" w="9525">
+                  <a14:hiddenLine xmlns="" xmlns:a14="http://schemas.microsoft.com/office/drawing/2010/main" w="9525">
                     <a:solidFill>
                       <a:srgbClr val="000000"/>
                     </a:solidFill>
@@ -10586,7 +10594,7 @@
               </a:ln>
               <a:extLst>
                 <a:ext uri="{91240B29-F687-4f45-9708-019B960494DF}">
-                  <a14:hiddenLine xmlns:a14="http://schemas.microsoft.com/office/drawing/2010/main" xmlns="" w="9525">
+                  <a14:hiddenLine xmlns="" xmlns:a14="http://schemas.microsoft.com/office/drawing/2010/main" w="9525">
                     <a:solidFill>
                       <a:srgbClr val="000000"/>
                     </a:solidFill>
@@ -10651,7 +10659,7 @@
               </a:ln>
               <a:extLst>
                 <a:ext uri="{91240B29-F687-4f45-9708-019B960494DF}">
-                  <a14:hiddenLine xmlns:a14="http://schemas.microsoft.com/office/drawing/2010/main" xmlns="" w="9525">
+                  <a14:hiddenLine xmlns="" xmlns:a14="http://schemas.microsoft.com/office/drawing/2010/main" w="9525">
                     <a:solidFill>
                       <a:srgbClr val="000000"/>
                     </a:solidFill>
@@ -10713,7 +10721,7 @@
               </a:ln>
               <a:extLst>
                 <a:ext uri="{91240B29-F687-4f45-9708-019B960494DF}">
-                  <a14:hiddenLine xmlns:a14="http://schemas.microsoft.com/office/drawing/2010/main" xmlns="" w="9525">
+                  <a14:hiddenLine xmlns="" xmlns:a14="http://schemas.microsoft.com/office/drawing/2010/main" w="9525">
                     <a:solidFill>
                       <a:srgbClr val="000000"/>
                     </a:solidFill>
@@ -10803,7 +10811,7 @@
               </a:ln>
               <a:extLst>
                 <a:ext uri="{91240B29-F687-4f45-9708-019B960494DF}">
-                  <a14:hiddenLine xmlns:a14="http://schemas.microsoft.com/office/drawing/2010/main" xmlns="" w="9525">
+                  <a14:hiddenLine xmlns="" xmlns:a14="http://schemas.microsoft.com/office/drawing/2010/main" w="9525">
                     <a:solidFill>
                       <a:srgbClr val="000000"/>
                     </a:solidFill>
@@ -10893,7 +10901,7 @@
               </a:ln>
               <a:extLst>
                 <a:ext uri="{91240B29-F687-4f45-9708-019B960494DF}">
-                  <a14:hiddenLine xmlns:a14="http://schemas.microsoft.com/office/drawing/2010/main" xmlns="" w="9525">
+                  <a14:hiddenLine xmlns="" xmlns:a14="http://schemas.microsoft.com/office/drawing/2010/main" w="9525">
                     <a:solidFill>
                       <a:srgbClr val="000000"/>
                     </a:solidFill>
@@ -10958,7 +10966,7 @@
               </a:ln>
               <a:extLst>
                 <a:ext uri="{91240B29-F687-4f45-9708-019B960494DF}">
-                  <a14:hiddenLine xmlns:a14="http://schemas.microsoft.com/office/drawing/2010/main" xmlns="" w="9525">
+                  <a14:hiddenLine xmlns="" xmlns:a14="http://schemas.microsoft.com/office/drawing/2010/main" w="9525">
                     <a:solidFill>
                       <a:srgbClr val="000000"/>
                     </a:solidFill>
@@ -11078,7 +11086,7 @@
               </a:ln>
               <a:extLst>
                 <a:ext uri="{91240B29-F687-4f45-9708-019B960494DF}">
-                  <a14:hiddenLine xmlns:a14="http://schemas.microsoft.com/office/drawing/2010/main" xmlns="" w="9525">
+                  <a14:hiddenLine xmlns="" xmlns:a14="http://schemas.microsoft.com/office/drawing/2010/main" w="9525">
                     <a:solidFill>
                       <a:srgbClr val="000000"/>
                     </a:solidFill>
@@ -11159,7 +11167,7 @@
               </a:ln>
               <a:extLst>
                 <a:ext uri="{91240B29-F687-4f45-9708-019B960494DF}">
-                  <a14:hiddenLine xmlns:a14="http://schemas.microsoft.com/office/drawing/2010/main" xmlns="" w="9525">
+                  <a14:hiddenLine xmlns="" xmlns:a14="http://schemas.microsoft.com/office/drawing/2010/main" w="9525">
                     <a:solidFill>
                       <a:srgbClr val="000000"/>
                     </a:solidFill>
@@ -11274,7 +11282,7 @@
               </a:ln>
               <a:extLst>
                 <a:ext uri="{91240B29-F687-4f45-9708-019B960494DF}">
-                  <a14:hiddenLine xmlns:a14="http://schemas.microsoft.com/office/drawing/2010/main" xmlns="" w="9525">
+                  <a14:hiddenLine xmlns="" xmlns:a14="http://schemas.microsoft.com/office/drawing/2010/main" w="9525">
                     <a:solidFill>
                       <a:srgbClr val="000000"/>
                     </a:solidFill>
@@ -11364,7 +11372,7 @@
               </a:ln>
               <a:extLst>
                 <a:ext uri="{91240B29-F687-4f45-9708-019B960494DF}">
-                  <a14:hiddenLine xmlns:a14="http://schemas.microsoft.com/office/drawing/2010/main" xmlns="" w="9525">
+                  <a14:hiddenLine xmlns="" xmlns:a14="http://schemas.microsoft.com/office/drawing/2010/main" w="9525">
                     <a:solidFill>
                       <a:srgbClr val="000000"/>
                     </a:solidFill>
@@ -11429,7 +11437,7 @@
               </a:ln>
               <a:extLst>
                 <a:ext uri="{91240B29-F687-4f45-9708-019B960494DF}">
-                  <a14:hiddenLine xmlns:a14="http://schemas.microsoft.com/office/drawing/2010/main" xmlns="" w="9525">
+                  <a14:hiddenLine xmlns="" xmlns:a14="http://schemas.microsoft.com/office/drawing/2010/main" w="9525">
                     <a:solidFill>
                       <a:srgbClr val="000000"/>
                     </a:solidFill>
@@ -11519,7 +11527,7 @@
               </a:ln>
               <a:extLst>
                 <a:ext uri="{91240B29-F687-4f45-9708-019B960494DF}">
-                  <a14:hiddenLine xmlns:a14="http://schemas.microsoft.com/office/drawing/2010/main" xmlns="" w="9525">
+                  <a14:hiddenLine xmlns="" xmlns:a14="http://schemas.microsoft.com/office/drawing/2010/main" w="9525">
                     <a:solidFill>
                       <a:srgbClr val="000000"/>
                     </a:solidFill>
@@ -11587,7 +11595,7 @@
               </a:ln>
               <a:extLst>
                 <a:ext uri="{91240B29-F687-4f45-9708-019B960494DF}">
-                  <a14:hiddenLine xmlns:a14="http://schemas.microsoft.com/office/drawing/2010/main" xmlns="" w="9525">
+                  <a14:hiddenLine xmlns="" xmlns:a14="http://schemas.microsoft.com/office/drawing/2010/main" w="9525">
                     <a:solidFill>
                       <a:srgbClr val="000000"/>
                     </a:solidFill>
@@ -11677,7 +11685,7 @@
               </a:ln>
               <a:extLst>
                 <a:ext uri="{91240B29-F687-4f45-9708-019B960494DF}">
-                  <a14:hiddenLine xmlns:a14="http://schemas.microsoft.com/office/drawing/2010/main" xmlns="" w="9525">
+                  <a14:hiddenLine xmlns="" xmlns:a14="http://schemas.microsoft.com/office/drawing/2010/main" w="9525">
                     <a:solidFill>
                       <a:srgbClr val="000000"/>
                     </a:solidFill>
@@ -11745,7 +11753,7 @@
               </a:ln>
               <a:extLst>
                 <a:ext uri="{91240B29-F687-4f45-9708-019B960494DF}">
-                  <a14:hiddenLine xmlns:a14="http://schemas.microsoft.com/office/drawing/2010/main" xmlns="" w="9525">
+                  <a14:hiddenLine xmlns="" xmlns:a14="http://schemas.microsoft.com/office/drawing/2010/main" w="9525">
                     <a:solidFill>
                       <a:srgbClr val="000000"/>
                     </a:solidFill>
@@ -11835,7 +11843,7 @@
               </a:ln>
               <a:extLst>
                 <a:ext uri="{91240B29-F687-4f45-9708-019B960494DF}">
-                  <a14:hiddenLine xmlns:a14="http://schemas.microsoft.com/office/drawing/2010/main" xmlns="" w="9525">
+                  <a14:hiddenLine xmlns="" xmlns:a14="http://schemas.microsoft.com/office/drawing/2010/main" w="9525">
                     <a:solidFill>
                       <a:srgbClr val="000000"/>
                     </a:solidFill>
@@ -11869,7 +11877,7 @@
               </a:ln>
               <a:extLst>
                 <a:ext uri="{91240B29-F687-4f45-9708-019B960494DF}">
-                  <a14:hiddenLine xmlns:a14="http://schemas.microsoft.com/office/drawing/2010/main" xmlns="" w="9525">
+                  <a14:hiddenLine xmlns="" xmlns:a14="http://schemas.microsoft.com/office/drawing/2010/main" w="9525">
                     <a:solidFill>
                       <a:srgbClr val="000000"/>
                     </a:solidFill>
@@ -12905,6 +12913,501 @@
 </p:sld>
 </file>
 
+<file path=ppt/slides/slide4.xml><?xml version="1.0" encoding="utf-8"?>
+<p:sld xmlns:a="http://schemas.openxmlformats.org/drawingml/2006/main" xmlns:r="http://schemas.openxmlformats.org/officeDocument/2006/relationships" xmlns:p="http://schemas.openxmlformats.org/presentationml/2006/main">
+  <p:cSld>
+    <p:spTree>
+      <p:nvGrpSpPr>
+        <p:cNvPr id="1" name=""/>
+        <p:cNvGrpSpPr/>
+        <p:nvPr/>
+      </p:nvGrpSpPr>
+      <p:grpSpPr>
+        <a:xfrm>
+          <a:off x="0" y="0"/>
+          <a:ext cx="0" cy="0"/>
+          <a:chOff x="0" y="0"/>
+          <a:chExt cx="0" cy="0"/>
+        </a:xfrm>
+      </p:grpSpPr>
+      <p:sp>
+        <p:nvSpPr>
+          <p:cNvPr id="2" name="Título 1">
+            <a:extLst>
+              <a:ext uri="{FF2B5EF4-FFF2-40B4-BE49-F238E27FC236}">
+                <a16:creationId xmlns:a16="http://schemas.microsoft.com/office/drawing/2014/main" id="{1D6B2FE9-BB1F-370D-CDEC-3BC1CC3E63D2}"/>
+              </a:ext>
+            </a:extLst>
+          </p:cNvPr>
+          <p:cNvSpPr>
+            <a:spLocks noGrp="1"/>
+          </p:cNvSpPr>
+          <p:nvPr>
+            <p:ph type="title"/>
+          </p:nvPr>
+        </p:nvSpPr>
+        <p:spPr>
+          <a:xfrm>
+            <a:off x="1141413" y="0"/>
+            <a:ext cx="9905998" cy="1066798"/>
+          </a:xfrm>
+        </p:spPr>
+        <p:txBody>
+          <a:bodyPr>
+            <a:normAutofit/>
+          </a:bodyPr>
+          <a:lstStyle/>
+          <a:p>
+            <a:r>
+              <a:rPr lang="es-AR" dirty="0"/>
+              <a:t>Diagrama Entidad </a:t>
+            </a:r>
+            <a:r>
+              <a:rPr lang="es-AR" dirty="0" err="1"/>
+              <a:t>Relacion</a:t>
+            </a:r>
+            <a:endParaRPr lang="es-AR" dirty="0"/>
+          </a:p>
+        </p:txBody>
+      </p:sp>
+      <p:sp>
+        <p:nvSpPr>
+          <p:cNvPr id="7" name="Marcador de contenido 6">
+            <a:extLst>
+              <a:ext uri="{FF2B5EF4-FFF2-40B4-BE49-F238E27FC236}">
+                <a16:creationId xmlns:a16="http://schemas.microsoft.com/office/drawing/2014/main" id="{9EF53AEB-CBD6-AFD9-CB48-07EDEE50AFF0}"/>
+              </a:ext>
+            </a:extLst>
+          </p:cNvPr>
+          <p:cNvSpPr>
+            <a:spLocks noGrp="1"/>
+          </p:cNvSpPr>
+          <p:nvPr>
+            <p:ph idx="1"/>
+          </p:nvPr>
+        </p:nvSpPr>
+        <p:spPr/>
+        <p:txBody>
+          <a:bodyPr/>
+          <a:lstStyle/>
+          <a:p>
+            <a:endParaRPr lang="es-AR"/>
+          </a:p>
+        </p:txBody>
+      </p:sp>
+      <p:pic>
+        <p:nvPicPr>
+          <p:cNvPr id="9" name="Imagen 8">
+            <a:extLst>
+              <a:ext uri="{FF2B5EF4-FFF2-40B4-BE49-F238E27FC236}">
+                <a16:creationId xmlns:a16="http://schemas.microsoft.com/office/drawing/2014/main" id="{BDAB8824-4E77-2E7C-C3FE-7C5E57214581}"/>
+              </a:ext>
+            </a:extLst>
+          </p:cNvPr>
+          <p:cNvPicPr>
+            <a:picLocks noChangeAspect="1"/>
+          </p:cNvPicPr>
+          <p:nvPr/>
+        </p:nvPicPr>
+        <p:blipFill>
+          <a:blip r:embed="rId2"/>
+          <a:stretch>
+            <a:fillRect/>
+          </a:stretch>
+        </p:blipFill>
+        <p:spPr>
+          <a:xfrm>
+            <a:off x="0" y="1066798"/>
+            <a:ext cx="12192000" cy="5791201"/>
+          </a:xfrm>
+          <a:prstGeom prst="rect">
+            <a:avLst/>
+          </a:prstGeom>
+        </p:spPr>
+      </p:pic>
+    </p:spTree>
+    <p:extLst>
+      <p:ext uri="{BB962C8B-B14F-4D97-AF65-F5344CB8AC3E}">
+        <p14:creationId xmlns:p14="http://schemas.microsoft.com/office/powerpoint/2010/main" val="1418871806"/>
+      </p:ext>
+    </p:extLst>
+  </p:cSld>
+  <p:clrMapOvr>
+    <a:masterClrMapping/>
+  </p:clrMapOvr>
+</p:sld>
+</file>
+
+<file path=ppt/slides/slide5.xml><?xml version="1.0" encoding="utf-8"?>
+<p:sld xmlns:a="http://schemas.openxmlformats.org/drawingml/2006/main" xmlns:r="http://schemas.openxmlformats.org/officeDocument/2006/relationships" xmlns:p="http://schemas.openxmlformats.org/presentationml/2006/main">
+  <p:cSld>
+    <p:spTree>
+      <p:nvGrpSpPr>
+        <p:cNvPr id="1" name=""/>
+        <p:cNvGrpSpPr/>
+        <p:nvPr/>
+      </p:nvGrpSpPr>
+      <p:grpSpPr>
+        <a:xfrm>
+          <a:off x="0" y="0"/>
+          <a:ext cx="0" cy="0"/>
+          <a:chOff x="0" y="0"/>
+          <a:chExt cx="0" cy="0"/>
+        </a:xfrm>
+      </p:grpSpPr>
+      <p:sp>
+        <p:nvSpPr>
+          <p:cNvPr id="2" name="Título 1">
+            <a:extLst>
+              <a:ext uri="{FF2B5EF4-FFF2-40B4-BE49-F238E27FC236}">
+                <a16:creationId xmlns:a16="http://schemas.microsoft.com/office/drawing/2014/main" id="{84CEFFB9-E2D8-9B57-5CC8-72CCBFFB8A0D}"/>
+              </a:ext>
+            </a:extLst>
+          </p:cNvPr>
+          <p:cNvSpPr>
+            <a:spLocks noGrp="1"/>
+          </p:cNvSpPr>
+          <p:nvPr>
+            <p:ph type="title"/>
+          </p:nvPr>
+        </p:nvSpPr>
+        <p:spPr/>
+        <p:txBody>
+          <a:bodyPr/>
+          <a:lstStyle/>
+          <a:p>
+            <a:r>
+              <a:rPr lang="es-AR" dirty="0"/>
+              <a:t>Creación de Vistas.</a:t>
+            </a:r>
+          </a:p>
+        </p:txBody>
+      </p:sp>
+      <p:pic>
+        <p:nvPicPr>
+          <p:cNvPr id="8" name="Marcador de contenido 7" descr="Interfaz de usuario gráfica, Texto, Aplicación">
+            <a:extLst>
+              <a:ext uri="{FF2B5EF4-FFF2-40B4-BE49-F238E27FC236}">
+                <a16:creationId xmlns:a16="http://schemas.microsoft.com/office/drawing/2014/main" id="{A454E994-6072-BE6E-CFEA-328868C8B42B}"/>
+              </a:ext>
+            </a:extLst>
+          </p:cNvPr>
+          <p:cNvPicPr>
+            <a:picLocks noGrp="1" noChangeAspect="1"/>
+          </p:cNvPicPr>
+          <p:nvPr>
+            <p:ph idx="1"/>
+          </p:nvPr>
+        </p:nvPicPr>
+        <p:blipFill>
+          <a:blip r:embed="rId2">
+            <a:extLst>
+              <a:ext uri="{28A0092B-C50C-407E-A947-70E740481C1C}">
+                <a14:useLocalDpi xmlns:a14="http://schemas.microsoft.com/office/drawing/2010/main" val="0"/>
+              </a:ext>
+            </a:extLst>
+          </a:blip>
+          <a:stretch>
+            <a:fillRect/>
+          </a:stretch>
+        </p:blipFill>
+        <p:spPr>
+          <a:xfrm>
+            <a:off x="5612273" y="2324854"/>
+            <a:ext cx="5759845" cy="3637796"/>
+          </a:xfrm>
+        </p:spPr>
+      </p:pic>
+      <p:sp>
+        <p:nvSpPr>
+          <p:cNvPr id="4" name="Marcador de texto 3">
+            <a:extLst>
+              <a:ext uri="{FF2B5EF4-FFF2-40B4-BE49-F238E27FC236}">
+                <a16:creationId xmlns:a16="http://schemas.microsoft.com/office/drawing/2014/main" id="{B7522CA2-B26C-18A0-1BA6-055728C661C1}"/>
+              </a:ext>
+            </a:extLst>
+          </p:cNvPr>
+          <p:cNvSpPr>
+            <a:spLocks noGrp="1"/>
+          </p:cNvSpPr>
+          <p:nvPr>
+            <p:ph type="body" sz="half" idx="2"/>
+          </p:nvPr>
+        </p:nvSpPr>
+        <p:spPr/>
+        <p:txBody>
+          <a:bodyPr>
+            <a:normAutofit/>
+          </a:bodyPr>
+          <a:lstStyle/>
+          <a:p>
+            <a:r>
+              <a:rPr lang="es-ES" dirty="0"/>
+              <a:t>Se crearon cinco vistas con el objetivo de unir algunos campos de tablas específicas para mostrar resultados que brinden una información más detallada.</a:t>
+            </a:r>
+          </a:p>
+          <a:p>
+            <a:pPr marL="285750" indent="-285750">
+              <a:buFont typeface="Arial" panose="020B0604020202020204" pitchFamily="34" charset="0"/>
+              <a:buChar char="•"/>
+            </a:pPr>
+            <a:r>
+              <a:rPr lang="es-AR" dirty="0" err="1"/>
+              <a:t>localidades_de_provincia</a:t>
+            </a:r>
+            <a:endParaRPr lang="es-AR" dirty="0"/>
+          </a:p>
+          <a:p>
+            <a:pPr marL="285750" indent="-285750">
+              <a:buFont typeface="Arial" panose="020B0604020202020204" pitchFamily="34" charset="0"/>
+              <a:buChar char="•"/>
+            </a:pPr>
+            <a:r>
+              <a:rPr lang="es-AR" dirty="0" err="1"/>
+              <a:t>lista_de_empleados</a:t>
+            </a:r>
+            <a:endParaRPr lang="es-AR" dirty="0"/>
+          </a:p>
+          <a:p>
+            <a:pPr marL="285750" indent="-285750">
+              <a:buFont typeface="Arial" panose="020B0604020202020204" pitchFamily="34" charset="0"/>
+              <a:buChar char="•"/>
+            </a:pPr>
+            <a:r>
+              <a:rPr lang="es-AR" dirty="0" err="1"/>
+              <a:t>productos_por_rubro</a:t>
+            </a:r>
+            <a:endParaRPr lang="es-AR" dirty="0"/>
+          </a:p>
+          <a:p>
+            <a:pPr marL="285750" indent="-285750">
+              <a:buFont typeface="Arial" panose="020B0604020202020204" pitchFamily="34" charset="0"/>
+              <a:buChar char="•"/>
+            </a:pPr>
+            <a:r>
+              <a:rPr lang="es-AR" dirty="0" err="1"/>
+              <a:t>lista_de_locales</a:t>
+            </a:r>
+            <a:endParaRPr lang="es-AR" dirty="0"/>
+          </a:p>
+          <a:p>
+            <a:pPr marL="285750" indent="-285750">
+              <a:buFont typeface="Arial" panose="020B0604020202020204" pitchFamily="34" charset="0"/>
+              <a:buChar char="•"/>
+            </a:pPr>
+            <a:r>
+              <a:rPr lang="es-AR" dirty="0" err="1"/>
+              <a:t>lista_de_clientes</a:t>
+            </a:r>
+            <a:endParaRPr lang="es-AR" dirty="0"/>
+          </a:p>
+        </p:txBody>
+      </p:sp>
+    </p:spTree>
+    <p:extLst>
+      <p:ext uri="{BB962C8B-B14F-4D97-AF65-F5344CB8AC3E}">
+        <p14:creationId xmlns:p14="http://schemas.microsoft.com/office/powerpoint/2010/main" val="1628810498"/>
+      </p:ext>
+    </p:extLst>
+  </p:cSld>
+  <p:clrMapOvr>
+    <a:masterClrMapping/>
+  </p:clrMapOvr>
+</p:sld>
+</file>
+
+<file path=ppt/slides/slide6.xml><?xml version="1.0" encoding="utf-8"?>
+<p:sld xmlns:a="http://schemas.openxmlformats.org/drawingml/2006/main" xmlns:r="http://schemas.openxmlformats.org/officeDocument/2006/relationships" xmlns:p="http://schemas.openxmlformats.org/presentationml/2006/main">
+  <p:cSld>
+    <p:spTree>
+      <p:nvGrpSpPr>
+        <p:cNvPr id="1" name=""/>
+        <p:cNvGrpSpPr/>
+        <p:nvPr/>
+      </p:nvGrpSpPr>
+      <p:grpSpPr>
+        <a:xfrm>
+          <a:off x="0" y="0"/>
+          <a:ext cx="0" cy="0"/>
+          <a:chOff x="0" y="0"/>
+          <a:chExt cx="0" cy="0"/>
+        </a:xfrm>
+      </p:grpSpPr>
+      <p:sp>
+        <p:nvSpPr>
+          <p:cNvPr id="2" name="Título 1">
+            <a:extLst>
+              <a:ext uri="{FF2B5EF4-FFF2-40B4-BE49-F238E27FC236}">
+                <a16:creationId xmlns:a16="http://schemas.microsoft.com/office/drawing/2014/main" id="{84CEFFB9-E2D8-9B57-5CC8-72CCBFFB8A0D}"/>
+              </a:ext>
+            </a:extLst>
+          </p:cNvPr>
+          <p:cNvSpPr>
+            <a:spLocks noGrp="1"/>
+          </p:cNvSpPr>
+          <p:nvPr>
+            <p:ph type="title"/>
+          </p:nvPr>
+        </p:nvSpPr>
+        <p:spPr/>
+        <p:txBody>
+          <a:bodyPr/>
+          <a:lstStyle/>
+          <a:p>
+            <a:r>
+              <a:rPr lang="es-AR" dirty="0"/>
+              <a:t>Creación de Funciones.</a:t>
+            </a:r>
+          </a:p>
+        </p:txBody>
+      </p:sp>
+      <p:sp>
+        <p:nvSpPr>
+          <p:cNvPr id="4" name="Marcador de texto 3">
+            <a:extLst>
+              <a:ext uri="{FF2B5EF4-FFF2-40B4-BE49-F238E27FC236}">
+                <a16:creationId xmlns:a16="http://schemas.microsoft.com/office/drawing/2014/main" id="{B7522CA2-B26C-18A0-1BA6-055728C661C1}"/>
+              </a:ext>
+            </a:extLst>
+          </p:cNvPr>
+          <p:cNvSpPr>
+            <a:spLocks noGrp="1"/>
+          </p:cNvSpPr>
+          <p:nvPr>
+            <p:ph type="body" sz="half" idx="2"/>
+          </p:nvPr>
+        </p:nvSpPr>
+        <p:spPr>
+          <a:xfrm>
+            <a:off x="1146705" y="2249486"/>
+            <a:ext cx="5400145" cy="3541714"/>
+          </a:xfrm>
+        </p:spPr>
+        <p:txBody>
+          <a:bodyPr>
+            <a:normAutofit/>
+          </a:bodyPr>
+          <a:lstStyle/>
+          <a:p>
+            <a:r>
+              <a:rPr lang="es-ES" dirty="0"/>
+              <a:t>Se crearon 4 funciones con el objetivo de generar información para la inserción y obtener información de los locales.</a:t>
+            </a:r>
+          </a:p>
+          <a:p>
+            <a:pPr marL="285750" indent="-285750">
+              <a:buFont typeface="Arial" panose="020B0604020202020204" pitchFamily="34" charset="0"/>
+              <a:buChar char="•"/>
+            </a:pPr>
+            <a:r>
+              <a:rPr lang="es-AR" dirty="0" err="1"/>
+              <a:t>locales_con_mas_ventas</a:t>
+            </a:r>
+            <a:r>
+              <a:rPr lang="es-AR" dirty="0"/>
+              <a:t>: Obtiene cuantos locales vendieron mas de x en un día determinado.</a:t>
+            </a:r>
+          </a:p>
+          <a:p>
+            <a:pPr marL="285750" indent="-285750">
+              <a:buFont typeface="Arial" panose="020B0604020202020204" pitchFamily="34" charset="0"/>
+              <a:buChar char="•"/>
+            </a:pPr>
+            <a:r>
+              <a:rPr lang="es-AR" dirty="0" err="1"/>
+              <a:t>random_date</a:t>
+            </a:r>
+            <a:r>
+              <a:rPr lang="es-AR" dirty="0"/>
+              <a:t>: Genera una fecha aleatoria acotada entre dos días.</a:t>
+            </a:r>
+          </a:p>
+          <a:p>
+            <a:pPr marL="285750" indent="-285750">
+              <a:buFont typeface="Arial" panose="020B0604020202020204" pitchFamily="34" charset="0"/>
+              <a:buChar char="•"/>
+            </a:pPr>
+            <a:r>
+              <a:rPr lang="es-AR" dirty="0" err="1"/>
+              <a:t>random_decimal</a:t>
+            </a:r>
+            <a:r>
+              <a:rPr lang="es-AR" dirty="0"/>
+              <a:t>: Genera un </a:t>
+            </a:r>
+            <a:r>
+              <a:rPr lang="es-AR" dirty="0" err="1"/>
+              <a:t>numerodecimal</a:t>
+            </a:r>
+            <a:r>
+              <a:rPr lang="es-AR" dirty="0"/>
+              <a:t> entre 2 números de 2 decimales.</a:t>
+            </a:r>
+          </a:p>
+          <a:p>
+            <a:pPr marL="285750" indent="-285750">
+              <a:buFont typeface="Arial" panose="020B0604020202020204" pitchFamily="34" charset="0"/>
+              <a:buChar char="•"/>
+            </a:pPr>
+            <a:r>
+              <a:rPr lang="es-AR" dirty="0" err="1"/>
+              <a:t>ventas_por_día</a:t>
+            </a:r>
+            <a:r>
+              <a:rPr lang="es-AR" dirty="0"/>
+              <a:t>: Obtiene cuantas ventas realizo un local en un </a:t>
+            </a:r>
+            <a:r>
+              <a:rPr lang="es-AR"/>
+              <a:t>día determinado.</a:t>
+            </a:r>
+            <a:endParaRPr lang="es-AR" dirty="0"/>
+          </a:p>
+        </p:txBody>
+      </p:sp>
+      <p:pic>
+        <p:nvPicPr>
+          <p:cNvPr id="5" name="Imagen 4">
+            <a:extLst>
+              <a:ext uri="{FF2B5EF4-FFF2-40B4-BE49-F238E27FC236}">
+                <a16:creationId xmlns:a16="http://schemas.microsoft.com/office/drawing/2014/main" id="{B3510A4A-0E4B-8BA0-ABF6-0846A24384EA}"/>
+              </a:ext>
+            </a:extLst>
+          </p:cNvPr>
+          <p:cNvPicPr>
+            <a:picLocks noChangeAspect="1"/>
+          </p:cNvPicPr>
+          <p:nvPr/>
+        </p:nvPicPr>
+        <p:blipFill>
+          <a:blip r:embed="rId2"/>
+          <a:stretch>
+            <a:fillRect/>
+          </a:stretch>
+        </p:blipFill>
+        <p:spPr>
+          <a:xfrm>
+            <a:off x="6546850" y="2299492"/>
+            <a:ext cx="4598754" cy="2570958"/>
+          </a:xfrm>
+          <a:prstGeom prst="rect">
+            <a:avLst/>
+          </a:prstGeom>
+        </p:spPr>
+      </p:pic>
+    </p:spTree>
+    <p:extLst>
+      <p:ext uri="{BB962C8B-B14F-4D97-AF65-F5344CB8AC3E}">
+        <p14:creationId xmlns:p14="http://schemas.microsoft.com/office/powerpoint/2010/main" val="3241170454"/>
+      </p:ext>
+    </p:extLst>
+  </p:cSld>
+  <p:clrMapOvr>
+    <a:masterClrMapping/>
+  </p:clrMapOvr>
+</p:sld>
+</file>
+
 <file path=ppt/theme/theme1.xml><?xml version="1.0" encoding="utf-8"?>
 <a:theme xmlns:a="http://schemas.openxmlformats.org/drawingml/2006/main" name="Circuito">
   <a:themeElements>

--- a/Entrega Final/Informe Proyecto Casa de Sanitarios Francisco Agustin Filosi.pptx
+++ b/Entrega Final/Informe Proyecto Casa de Sanitarios Francisco Agustin Filosi.pptx
@@ -4,13 +4,29 @@
   <p:sldMasterIdLst>
     <p:sldMasterId id="2147483791" r:id="rId1"/>
   </p:sldMasterIdLst>
+  <p:notesMasterIdLst>
+    <p:notesMasterId r:id="rId21"/>
+  </p:notesMasterIdLst>
   <p:sldIdLst>
     <p:sldId id="257" r:id="rId2"/>
-    <p:sldId id="258" r:id="rId3"/>
-    <p:sldId id="259" r:id="rId4"/>
+    <p:sldId id="259" r:id="rId3"/>
+    <p:sldId id="276" r:id="rId4"/>
     <p:sldId id="260" r:id="rId5"/>
-    <p:sldId id="261" r:id="rId6"/>
-    <p:sldId id="262" r:id="rId7"/>
+    <p:sldId id="275" r:id="rId6"/>
+    <p:sldId id="263" r:id="rId7"/>
+    <p:sldId id="264" r:id="rId8"/>
+    <p:sldId id="265" r:id="rId9"/>
+    <p:sldId id="266" r:id="rId10"/>
+    <p:sldId id="267" r:id="rId11"/>
+    <p:sldId id="268" r:id="rId12"/>
+    <p:sldId id="269" r:id="rId13"/>
+    <p:sldId id="270" r:id="rId14"/>
+    <p:sldId id="261" r:id="rId15"/>
+    <p:sldId id="262" r:id="rId16"/>
+    <p:sldId id="271" r:id="rId17"/>
+    <p:sldId id="272" r:id="rId18"/>
+    <p:sldId id="273" r:id="rId19"/>
+    <p:sldId id="274" r:id="rId20"/>
   </p:sldIdLst>
   <p:sldSz cx="12192000" cy="6858000"/>
   <p:notesSz cx="6858000" cy="9144000"/>
@@ -115,6 +131,440 @@
     </p:ext>
   </p:extLst>
 </p:presentation>
+</file>
+
+<file path=ppt/notesMasters/notesMaster1.xml><?xml version="1.0" encoding="utf-8"?>
+<p:notesMaster xmlns:a="http://schemas.openxmlformats.org/drawingml/2006/main" xmlns:r="http://schemas.openxmlformats.org/officeDocument/2006/relationships" xmlns:p="http://schemas.openxmlformats.org/presentationml/2006/main">
+  <p:cSld>
+    <p:bg>
+      <p:bgRef idx="1001">
+        <a:schemeClr val="bg1"/>
+      </p:bgRef>
+    </p:bg>
+    <p:spTree>
+      <p:nvGrpSpPr>
+        <p:cNvPr id="1" name=""/>
+        <p:cNvGrpSpPr/>
+        <p:nvPr/>
+      </p:nvGrpSpPr>
+      <p:grpSpPr>
+        <a:xfrm>
+          <a:off x="0" y="0"/>
+          <a:ext cx="0" cy="0"/>
+          <a:chOff x="0" y="0"/>
+          <a:chExt cx="0" cy="0"/>
+        </a:xfrm>
+      </p:grpSpPr>
+      <p:sp>
+        <p:nvSpPr>
+          <p:cNvPr id="2" name="Marcador de encabezado 1"/>
+          <p:cNvSpPr>
+            <a:spLocks noGrp="1"/>
+          </p:cNvSpPr>
+          <p:nvPr>
+            <p:ph type="hdr" sz="quarter"/>
+          </p:nvPr>
+        </p:nvSpPr>
+        <p:spPr>
+          <a:xfrm>
+            <a:off x="0" y="0"/>
+            <a:ext cx="2971800" cy="458788"/>
+          </a:xfrm>
+          <a:prstGeom prst="rect">
+            <a:avLst/>
+          </a:prstGeom>
+        </p:spPr>
+        <p:txBody>
+          <a:bodyPr vert="horz" lIns="91440" tIns="45720" rIns="91440" bIns="45720" rtlCol="0"/>
+          <a:lstStyle>
+            <a:lvl1pPr algn="l">
+              <a:defRPr sz="1200"/>
+            </a:lvl1pPr>
+          </a:lstStyle>
+          <a:p>
+            <a:endParaRPr lang="es-AR"/>
+          </a:p>
+        </p:txBody>
+      </p:sp>
+      <p:sp>
+        <p:nvSpPr>
+          <p:cNvPr id="3" name="Marcador de fecha 2"/>
+          <p:cNvSpPr>
+            <a:spLocks noGrp="1"/>
+          </p:cNvSpPr>
+          <p:nvPr>
+            <p:ph type="dt" idx="1"/>
+          </p:nvPr>
+        </p:nvSpPr>
+        <p:spPr>
+          <a:xfrm>
+            <a:off x="3884613" y="0"/>
+            <a:ext cx="2971800" cy="458788"/>
+          </a:xfrm>
+          <a:prstGeom prst="rect">
+            <a:avLst/>
+          </a:prstGeom>
+        </p:spPr>
+        <p:txBody>
+          <a:bodyPr vert="horz" lIns="91440" tIns="45720" rIns="91440" bIns="45720" rtlCol="0"/>
+          <a:lstStyle>
+            <a:lvl1pPr algn="r">
+              <a:defRPr sz="1200"/>
+            </a:lvl1pPr>
+          </a:lstStyle>
+          <a:p>
+            <a:fld id="{D4840517-2F6C-4EFF-A377-5972374F0DBA}" type="datetimeFigureOut">
+              <a:rPr lang="es-AR" smtClean="0"/>
+              <a:t>3/4/2023</a:t>
+            </a:fld>
+            <a:endParaRPr lang="es-AR"/>
+          </a:p>
+        </p:txBody>
+      </p:sp>
+      <p:sp>
+        <p:nvSpPr>
+          <p:cNvPr id="4" name="Marcador de imagen de diapositiva 3"/>
+          <p:cNvSpPr>
+            <a:spLocks noGrp="1" noRot="1" noChangeAspect="1"/>
+          </p:cNvSpPr>
+          <p:nvPr>
+            <p:ph type="sldImg" idx="2"/>
+          </p:nvPr>
+        </p:nvSpPr>
+        <p:spPr>
+          <a:xfrm>
+            <a:off x="685800" y="1143000"/>
+            <a:ext cx="5486400" cy="3086100"/>
+          </a:xfrm>
+          <a:prstGeom prst="rect">
+            <a:avLst/>
+          </a:prstGeom>
+          <a:noFill/>
+          <a:ln w="12700">
+            <a:solidFill>
+              <a:prstClr val="black"/>
+            </a:solidFill>
+          </a:ln>
+        </p:spPr>
+        <p:txBody>
+          <a:bodyPr vert="horz" lIns="91440" tIns="45720" rIns="91440" bIns="45720" rtlCol="0" anchor="ctr"/>
+          <a:lstStyle/>
+          <a:p>
+            <a:endParaRPr lang="es-AR"/>
+          </a:p>
+        </p:txBody>
+      </p:sp>
+      <p:sp>
+        <p:nvSpPr>
+          <p:cNvPr id="5" name="Marcador de notas 4"/>
+          <p:cNvSpPr>
+            <a:spLocks noGrp="1"/>
+          </p:cNvSpPr>
+          <p:nvPr>
+            <p:ph type="body" sz="quarter" idx="3"/>
+          </p:nvPr>
+        </p:nvSpPr>
+        <p:spPr>
+          <a:xfrm>
+            <a:off x="685800" y="4400550"/>
+            <a:ext cx="5486400" cy="3600450"/>
+          </a:xfrm>
+          <a:prstGeom prst="rect">
+            <a:avLst/>
+          </a:prstGeom>
+        </p:spPr>
+        <p:txBody>
+          <a:bodyPr vert="horz" lIns="91440" tIns="45720" rIns="91440" bIns="45720" rtlCol="0"/>
+          <a:lstStyle/>
+          <a:p>
+            <a:pPr lvl="0"/>
+            <a:r>
+              <a:rPr lang="es-ES"/>
+              <a:t>Haga clic para modificar los estilos de texto del patrón</a:t>
+            </a:r>
+          </a:p>
+          <a:p>
+            <a:pPr lvl="1"/>
+            <a:r>
+              <a:rPr lang="es-ES"/>
+              <a:t>Segundo nivel</a:t>
+            </a:r>
+          </a:p>
+          <a:p>
+            <a:pPr lvl="2"/>
+            <a:r>
+              <a:rPr lang="es-ES"/>
+              <a:t>Tercer nivel</a:t>
+            </a:r>
+          </a:p>
+          <a:p>
+            <a:pPr lvl="3"/>
+            <a:r>
+              <a:rPr lang="es-ES"/>
+              <a:t>Cuarto nivel</a:t>
+            </a:r>
+          </a:p>
+          <a:p>
+            <a:pPr lvl="4"/>
+            <a:r>
+              <a:rPr lang="es-ES"/>
+              <a:t>Quinto nivel</a:t>
+            </a:r>
+            <a:endParaRPr lang="es-AR"/>
+          </a:p>
+        </p:txBody>
+      </p:sp>
+      <p:sp>
+        <p:nvSpPr>
+          <p:cNvPr id="6" name="Marcador de pie de página 5"/>
+          <p:cNvSpPr>
+            <a:spLocks noGrp="1"/>
+          </p:cNvSpPr>
+          <p:nvPr>
+            <p:ph type="ftr" sz="quarter" idx="4"/>
+          </p:nvPr>
+        </p:nvSpPr>
+        <p:spPr>
+          <a:xfrm>
+            <a:off x="0" y="8685213"/>
+            <a:ext cx="2971800" cy="458787"/>
+          </a:xfrm>
+          <a:prstGeom prst="rect">
+            <a:avLst/>
+          </a:prstGeom>
+        </p:spPr>
+        <p:txBody>
+          <a:bodyPr vert="horz" lIns="91440" tIns="45720" rIns="91440" bIns="45720" rtlCol="0" anchor="b"/>
+          <a:lstStyle>
+            <a:lvl1pPr algn="l">
+              <a:defRPr sz="1200"/>
+            </a:lvl1pPr>
+          </a:lstStyle>
+          <a:p>
+            <a:endParaRPr lang="es-AR"/>
+          </a:p>
+        </p:txBody>
+      </p:sp>
+      <p:sp>
+        <p:nvSpPr>
+          <p:cNvPr id="7" name="Marcador de número de diapositiva 6"/>
+          <p:cNvSpPr>
+            <a:spLocks noGrp="1"/>
+          </p:cNvSpPr>
+          <p:nvPr>
+            <p:ph type="sldNum" sz="quarter" idx="5"/>
+          </p:nvPr>
+        </p:nvSpPr>
+        <p:spPr>
+          <a:xfrm>
+            <a:off x="3884613" y="8685213"/>
+            <a:ext cx="2971800" cy="458787"/>
+          </a:xfrm>
+          <a:prstGeom prst="rect">
+            <a:avLst/>
+          </a:prstGeom>
+        </p:spPr>
+        <p:txBody>
+          <a:bodyPr vert="horz" lIns="91440" tIns="45720" rIns="91440" bIns="45720" rtlCol="0" anchor="b"/>
+          <a:lstStyle>
+            <a:lvl1pPr algn="r">
+              <a:defRPr sz="1200"/>
+            </a:lvl1pPr>
+          </a:lstStyle>
+          <a:p>
+            <a:fld id="{9E0B52BC-4F66-417B-9B78-FFE6C0CBDB2A}" type="slidenum">
+              <a:rPr lang="es-AR" smtClean="0"/>
+              <a:t>‹Nº›</a:t>
+            </a:fld>
+            <a:endParaRPr lang="es-AR"/>
+          </a:p>
+        </p:txBody>
+      </p:sp>
+    </p:spTree>
+    <p:extLst>
+      <p:ext uri="{BB962C8B-B14F-4D97-AF65-F5344CB8AC3E}">
+        <p14:creationId xmlns:p14="http://schemas.microsoft.com/office/powerpoint/2010/main" val="2517067235"/>
+      </p:ext>
+    </p:extLst>
+  </p:cSld>
+  <p:clrMap bg1="lt1" tx1="dk1" bg2="lt2" tx2="dk2" accent1="accent1" accent2="accent2" accent3="accent3" accent4="accent4" accent5="accent5" accent6="accent6" hlink="hlink" folHlink="folHlink"/>
+  <p:notesStyle>
+    <a:lvl1pPr marL="0" algn="l" defTabSz="914400" rtl="0" eaLnBrk="1" latinLnBrk="0" hangingPunct="1">
+      <a:defRPr sz="1200" kern="1200">
+        <a:solidFill>
+          <a:schemeClr val="tx1"/>
+        </a:solidFill>
+        <a:latin typeface="+mn-lt"/>
+        <a:ea typeface="+mn-ea"/>
+        <a:cs typeface="+mn-cs"/>
+      </a:defRPr>
+    </a:lvl1pPr>
+    <a:lvl2pPr marL="457200" algn="l" defTabSz="914400" rtl="0" eaLnBrk="1" latinLnBrk="0" hangingPunct="1">
+      <a:defRPr sz="1200" kern="1200">
+        <a:solidFill>
+          <a:schemeClr val="tx1"/>
+        </a:solidFill>
+        <a:latin typeface="+mn-lt"/>
+        <a:ea typeface="+mn-ea"/>
+        <a:cs typeface="+mn-cs"/>
+      </a:defRPr>
+    </a:lvl2pPr>
+    <a:lvl3pPr marL="914400" algn="l" defTabSz="914400" rtl="0" eaLnBrk="1" latinLnBrk="0" hangingPunct="1">
+      <a:defRPr sz="1200" kern="1200">
+        <a:solidFill>
+          <a:schemeClr val="tx1"/>
+        </a:solidFill>
+        <a:latin typeface="+mn-lt"/>
+        <a:ea typeface="+mn-ea"/>
+        <a:cs typeface="+mn-cs"/>
+      </a:defRPr>
+    </a:lvl3pPr>
+    <a:lvl4pPr marL="1371600" algn="l" defTabSz="914400" rtl="0" eaLnBrk="1" latinLnBrk="0" hangingPunct="1">
+      <a:defRPr sz="1200" kern="1200">
+        <a:solidFill>
+          <a:schemeClr val="tx1"/>
+        </a:solidFill>
+        <a:latin typeface="+mn-lt"/>
+        <a:ea typeface="+mn-ea"/>
+        <a:cs typeface="+mn-cs"/>
+      </a:defRPr>
+    </a:lvl4pPr>
+    <a:lvl5pPr marL="1828800" algn="l" defTabSz="914400" rtl="0" eaLnBrk="1" latinLnBrk="0" hangingPunct="1">
+      <a:defRPr sz="1200" kern="1200">
+        <a:solidFill>
+          <a:schemeClr val="tx1"/>
+        </a:solidFill>
+        <a:latin typeface="+mn-lt"/>
+        <a:ea typeface="+mn-ea"/>
+        <a:cs typeface="+mn-cs"/>
+      </a:defRPr>
+    </a:lvl5pPr>
+    <a:lvl6pPr marL="2286000" algn="l" defTabSz="914400" rtl="0" eaLnBrk="1" latinLnBrk="0" hangingPunct="1">
+      <a:defRPr sz="1200" kern="1200">
+        <a:solidFill>
+          <a:schemeClr val="tx1"/>
+        </a:solidFill>
+        <a:latin typeface="+mn-lt"/>
+        <a:ea typeface="+mn-ea"/>
+        <a:cs typeface="+mn-cs"/>
+      </a:defRPr>
+    </a:lvl6pPr>
+    <a:lvl7pPr marL="2743200" algn="l" defTabSz="914400" rtl="0" eaLnBrk="1" latinLnBrk="0" hangingPunct="1">
+      <a:defRPr sz="1200" kern="1200">
+        <a:solidFill>
+          <a:schemeClr val="tx1"/>
+        </a:solidFill>
+        <a:latin typeface="+mn-lt"/>
+        <a:ea typeface="+mn-ea"/>
+        <a:cs typeface="+mn-cs"/>
+      </a:defRPr>
+    </a:lvl7pPr>
+    <a:lvl8pPr marL="3200400" algn="l" defTabSz="914400" rtl="0" eaLnBrk="1" latinLnBrk="0" hangingPunct="1">
+      <a:defRPr sz="1200" kern="1200">
+        <a:solidFill>
+          <a:schemeClr val="tx1"/>
+        </a:solidFill>
+        <a:latin typeface="+mn-lt"/>
+        <a:ea typeface="+mn-ea"/>
+        <a:cs typeface="+mn-cs"/>
+      </a:defRPr>
+    </a:lvl8pPr>
+    <a:lvl9pPr marL="3657600" algn="l" defTabSz="914400" rtl="0" eaLnBrk="1" latinLnBrk="0" hangingPunct="1">
+      <a:defRPr sz="1200" kern="1200">
+        <a:solidFill>
+          <a:schemeClr val="tx1"/>
+        </a:solidFill>
+        <a:latin typeface="+mn-lt"/>
+        <a:ea typeface="+mn-ea"/>
+        <a:cs typeface="+mn-cs"/>
+      </a:defRPr>
+    </a:lvl9pPr>
+  </p:notesStyle>
+</p:notesMaster>
+</file>
+
+<file path=ppt/notesSlides/notesSlide1.xml><?xml version="1.0" encoding="utf-8"?>
+<p:notes xmlns:a="http://schemas.openxmlformats.org/drawingml/2006/main" xmlns:r="http://schemas.openxmlformats.org/officeDocument/2006/relationships" xmlns:p="http://schemas.openxmlformats.org/presentationml/2006/main">
+  <p:cSld>
+    <p:spTree>
+      <p:nvGrpSpPr>
+        <p:cNvPr id="1" name=""/>
+        <p:cNvGrpSpPr/>
+        <p:nvPr/>
+      </p:nvGrpSpPr>
+      <p:grpSpPr>
+        <a:xfrm>
+          <a:off x="0" y="0"/>
+          <a:ext cx="0" cy="0"/>
+          <a:chOff x="0" y="0"/>
+          <a:chExt cx="0" cy="0"/>
+        </a:xfrm>
+      </p:grpSpPr>
+      <p:sp>
+        <p:nvSpPr>
+          <p:cNvPr id="2" name="Marcador de imagen de diapositiva 1"/>
+          <p:cNvSpPr>
+            <a:spLocks noGrp="1" noRot="1" noChangeAspect="1"/>
+          </p:cNvSpPr>
+          <p:nvPr>
+            <p:ph type="sldImg"/>
+          </p:nvPr>
+        </p:nvSpPr>
+        <p:spPr/>
+      </p:sp>
+      <p:sp>
+        <p:nvSpPr>
+          <p:cNvPr id="3" name="Marcador de notas 2"/>
+          <p:cNvSpPr>
+            <a:spLocks noGrp="1"/>
+          </p:cNvSpPr>
+          <p:nvPr>
+            <p:ph type="body" idx="1"/>
+          </p:nvPr>
+        </p:nvSpPr>
+        <p:spPr/>
+        <p:txBody>
+          <a:bodyPr/>
+          <a:lstStyle/>
+          <a:p>
+            <a:endParaRPr lang="es-AR" dirty="0"/>
+          </a:p>
+        </p:txBody>
+      </p:sp>
+      <p:sp>
+        <p:nvSpPr>
+          <p:cNvPr id="4" name="Marcador de número de diapositiva 3"/>
+          <p:cNvSpPr>
+            <a:spLocks noGrp="1"/>
+          </p:cNvSpPr>
+          <p:nvPr>
+            <p:ph type="sldNum" sz="quarter" idx="5"/>
+          </p:nvPr>
+        </p:nvSpPr>
+        <p:spPr/>
+        <p:txBody>
+          <a:bodyPr/>
+          <a:lstStyle/>
+          <a:p>
+            <a:fld id="{9E0B52BC-4F66-417B-9B78-FFE6C0CBDB2A}" type="slidenum">
+              <a:rPr lang="es-AR" smtClean="0"/>
+              <a:t>18</a:t>
+            </a:fld>
+            <a:endParaRPr lang="es-AR"/>
+          </a:p>
+        </p:txBody>
+      </p:sp>
+    </p:spTree>
+    <p:extLst>
+      <p:ext uri="{BB962C8B-B14F-4D97-AF65-F5344CB8AC3E}">
+        <p14:creationId xmlns:p14="http://schemas.microsoft.com/office/powerpoint/2010/main" val="920952722"/>
+      </p:ext>
+    </p:extLst>
+  </p:cSld>
+  <p:clrMapOvr>
+    <a:masterClrMapping/>
+  </p:clrMapOvr>
+</p:notes>
 </file>
 
 <file path=ppt/slideLayouts/slideLayout1.xml><?xml version="1.0" encoding="utf-8"?>
@@ -4399,7 +4849,7 @@
           <a:p>
             <a:fld id="{4B573E23-D4CB-4946-BBD6-76E0809BB64E}" type="datetimeFigureOut">
               <a:rPr lang="en-GB" smtClean="0"/>
-              <a:t>02/04/2023</a:t>
+              <a:t>03/04/2023</a:t>
             </a:fld>
             <a:endParaRPr lang="en-GB"/>
           </a:p>
@@ -4666,7 +5116,7 @@
           <a:p>
             <a:fld id="{4B573E23-D4CB-4946-BBD6-76E0809BB64E}" type="datetimeFigureOut">
               <a:rPr lang="en-GB" smtClean="0"/>
-              <a:t>02/04/2023</a:t>
+              <a:t>03/04/2023</a:t>
             </a:fld>
             <a:endParaRPr lang="en-GB"/>
           </a:p>
@@ -4862,7 +5312,7 @@
           <a:p>
             <a:fld id="{4B573E23-D4CB-4946-BBD6-76E0809BB64E}" type="datetimeFigureOut">
               <a:rPr lang="en-GB" smtClean="0"/>
-              <a:t>02/04/2023</a:t>
+              <a:t>03/04/2023</a:t>
             </a:fld>
             <a:endParaRPr lang="en-GB"/>
           </a:p>
@@ -5125,7 +5575,7 @@
           <a:p>
             <a:fld id="{4B573E23-D4CB-4946-BBD6-76E0809BB64E}" type="datetimeFigureOut">
               <a:rPr lang="en-GB" smtClean="0"/>
-              <a:t>02/04/2023</a:t>
+              <a:t>03/04/2023</a:t>
             </a:fld>
             <a:endParaRPr lang="en-GB"/>
           </a:p>
@@ -5559,7 +6009,7 @@
           <a:p>
             <a:fld id="{4B573E23-D4CB-4946-BBD6-76E0809BB64E}" type="datetimeFigureOut">
               <a:rPr lang="en-GB" smtClean="0"/>
-              <a:t>02/04/2023</a:t>
+              <a:t>03/04/2023</a:t>
             </a:fld>
             <a:endParaRPr lang="en-GB"/>
           </a:p>
@@ -6105,7 +6555,7 @@
           <a:p>
             <a:fld id="{4B573E23-D4CB-4946-BBD6-76E0809BB64E}" type="datetimeFigureOut">
               <a:rPr lang="en-GB" smtClean="0"/>
-              <a:t>02/04/2023</a:t>
+              <a:t>03/04/2023</a:t>
             </a:fld>
             <a:endParaRPr lang="en-GB"/>
           </a:p>
@@ -6825,7 +7275,7 @@
           <a:p>
             <a:fld id="{4B573E23-D4CB-4946-BBD6-76E0809BB64E}" type="datetimeFigureOut">
               <a:rPr lang="en-GB" smtClean="0"/>
-              <a:t>02/04/2023</a:t>
+              <a:t>03/04/2023</a:t>
             </a:fld>
             <a:endParaRPr lang="en-GB"/>
           </a:p>
@@ -6995,7 +7445,7 @@
           <a:p>
             <a:fld id="{4B573E23-D4CB-4946-BBD6-76E0809BB64E}" type="datetimeFigureOut">
               <a:rPr lang="en-GB" smtClean="0"/>
-              <a:t>02/04/2023</a:t>
+              <a:t>03/04/2023</a:t>
             </a:fld>
             <a:endParaRPr lang="en-GB"/>
           </a:p>
@@ -7175,7 +7625,7 @@
           <a:p>
             <a:fld id="{4B573E23-D4CB-4946-BBD6-76E0809BB64E}" type="datetimeFigureOut">
               <a:rPr lang="en-GB" smtClean="0"/>
-              <a:t>02/04/2023</a:t>
+              <a:t>03/04/2023</a:t>
             </a:fld>
             <a:endParaRPr lang="en-GB"/>
           </a:p>
@@ -7345,7 +7795,7 @@
           <a:p>
             <a:fld id="{4B573E23-D4CB-4946-BBD6-76E0809BB64E}" type="datetimeFigureOut">
               <a:rPr lang="en-GB" smtClean="0"/>
-              <a:t>02/04/2023</a:t>
+              <a:t>03/04/2023</a:t>
             </a:fld>
             <a:endParaRPr lang="en-GB"/>
           </a:p>
@@ -7595,7 +8045,7 @@
           <a:p>
             <a:fld id="{4B573E23-D4CB-4946-BBD6-76E0809BB64E}" type="datetimeFigureOut">
               <a:rPr lang="en-GB" smtClean="0"/>
-              <a:t>02/04/2023</a:t>
+              <a:t>03/04/2023</a:t>
             </a:fld>
             <a:endParaRPr lang="en-GB"/>
           </a:p>
@@ -7827,7 +8277,7 @@
           <a:p>
             <a:fld id="{4B573E23-D4CB-4946-BBD6-76E0809BB64E}" type="datetimeFigureOut">
               <a:rPr lang="en-GB" smtClean="0"/>
-              <a:t>02/04/2023</a:t>
+              <a:t>03/04/2023</a:t>
             </a:fld>
             <a:endParaRPr lang="en-GB"/>
           </a:p>
@@ -8208,7 +8658,7 @@
           <a:p>
             <a:fld id="{4B573E23-D4CB-4946-BBD6-76E0809BB64E}" type="datetimeFigureOut">
               <a:rPr lang="en-GB" smtClean="0"/>
-              <a:t>02/04/2023</a:t>
+              <a:t>03/04/2023</a:t>
             </a:fld>
             <a:endParaRPr lang="en-GB"/>
           </a:p>
@@ -8326,7 +8776,7 @@
           <a:p>
             <a:fld id="{4B573E23-D4CB-4946-BBD6-76E0809BB64E}" type="datetimeFigureOut">
               <a:rPr lang="en-GB" smtClean="0"/>
-              <a:t>02/04/2023</a:t>
+              <a:t>03/04/2023</a:t>
             </a:fld>
             <a:endParaRPr lang="en-GB"/>
           </a:p>
@@ -8421,7 +8871,7 @@
           <a:p>
             <a:fld id="{4B573E23-D4CB-4946-BBD6-76E0809BB64E}" type="datetimeFigureOut">
               <a:rPr lang="en-GB" smtClean="0"/>
-              <a:t>02/04/2023</a:t>
+              <a:t>03/04/2023</a:t>
             </a:fld>
             <a:endParaRPr lang="en-GB"/>
           </a:p>
@@ -8670,7 +9120,7 @@
           <a:p>
             <a:fld id="{4B573E23-D4CB-4946-BBD6-76E0809BB64E}" type="datetimeFigureOut">
               <a:rPr lang="en-GB" smtClean="0"/>
-              <a:t>02/04/2023</a:t>
+              <a:t>03/04/2023</a:t>
             </a:fld>
             <a:endParaRPr lang="en-GB"/>
           </a:p>
@@ -8950,7 +9400,7 @@
           <a:p>
             <a:fld id="{4B573E23-D4CB-4946-BBD6-76E0809BB64E}" type="datetimeFigureOut">
               <a:rPr lang="en-GB" smtClean="0"/>
-              <a:t>02/04/2023</a:t>
+              <a:t>03/04/2023</a:t>
             </a:fld>
             <a:endParaRPr lang="en-GB"/>
           </a:p>
@@ -12017,7 +12467,7 @@
           <a:p>
             <a:fld id="{4B573E23-D4CB-4946-BBD6-76E0809BB64E}" type="datetimeFigureOut">
               <a:rPr lang="en-GB" smtClean="0"/>
-              <a:t>02/04/2023</a:t>
+              <a:t>03/04/2023</a:t>
             </a:fld>
             <a:endParaRPr lang="en-GB"/>
           </a:p>
@@ -12699,6 +13149,1807 @@
 </p:sld>
 </file>
 
+<file path=ppt/slides/slide10.xml><?xml version="1.0" encoding="utf-8"?>
+<p:sld xmlns:a="http://schemas.openxmlformats.org/drawingml/2006/main" xmlns:r="http://schemas.openxmlformats.org/officeDocument/2006/relationships" xmlns:p="http://schemas.openxmlformats.org/presentationml/2006/main">
+  <p:cSld>
+    <p:spTree>
+      <p:nvGrpSpPr>
+        <p:cNvPr id="1" name=""/>
+        <p:cNvGrpSpPr/>
+        <p:nvPr/>
+      </p:nvGrpSpPr>
+      <p:grpSpPr>
+        <a:xfrm>
+          <a:off x="0" y="0"/>
+          <a:ext cx="0" cy="0"/>
+          <a:chOff x="0" y="0"/>
+          <a:chExt cx="0" cy="0"/>
+        </a:xfrm>
+      </p:grpSpPr>
+      <p:sp>
+        <p:nvSpPr>
+          <p:cNvPr id="2" name="Título 1">
+            <a:extLst>
+              <a:ext uri="{FF2B5EF4-FFF2-40B4-BE49-F238E27FC236}">
+                <a16:creationId xmlns:a16="http://schemas.microsoft.com/office/drawing/2014/main" id="{1D6B2FE9-BB1F-370D-CDEC-3BC1CC3E63D2}"/>
+              </a:ext>
+            </a:extLst>
+          </p:cNvPr>
+          <p:cNvSpPr>
+            <a:spLocks noGrp="1"/>
+          </p:cNvSpPr>
+          <p:nvPr>
+            <p:ph type="title"/>
+          </p:nvPr>
+        </p:nvSpPr>
+        <p:spPr>
+          <a:xfrm>
+            <a:off x="1141413" y="0"/>
+            <a:ext cx="9905998" cy="1066798"/>
+          </a:xfrm>
+        </p:spPr>
+        <p:txBody>
+          <a:bodyPr>
+            <a:normAutofit/>
+          </a:bodyPr>
+          <a:lstStyle/>
+          <a:p>
+            <a:r>
+              <a:rPr lang="es-AR" dirty="0"/>
+              <a:t>descripción de tablas</a:t>
+            </a:r>
+          </a:p>
+        </p:txBody>
+      </p:sp>
+      <p:pic>
+        <p:nvPicPr>
+          <p:cNvPr id="5" name="Imagen 4">
+            <a:extLst>
+              <a:ext uri="{FF2B5EF4-FFF2-40B4-BE49-F238E27FC236}">
+                <a16:creationId xmlns:a16="http://schemas.microsoft.com/office/drawing/2014/main" id="{19E5506C-F567-4306-6826-EA3C8291E1D0}"/>
+              </a:ext>
+            </a:extLst>
+          </p:cNvPr>
+          <p:cNvPicPr>
+            <a:picLocks noChangeAspect="1"/>
+          </p:cNvPicPr>
+          <p:nvPr/>
+        </p:nvPicPr>
+        <p:blipFill>
+          <a:blip r:embed="rId2"/>
+          <a:stretch>
+            <a:fillRect/>
+          </a:stretch>
+        </p:blipFill>
+        <p:spPr>
+          <a:xfrm>
+            <a:off x="1141413" y="1066797"/>
+            <a:ext cx="9913511" cy="2891885"/>
+          </a:xfrm>
+          <a:prstGeom prst="rect">
+            <a:avLst/>
+          </a:prstGeom>
+        </p:spPr>
+      </p:pic>
+      <p:pic>
+        <p:nvPicPr>
+          <p:cNvPr id="8" name="Imagen 7">
+            <a:extLst>
+              <a:ext uri="{FF2B5EF4-FFF2-40B4-BE49-F238E27FC236}">
+                <a16:creationId xmlns:a16="http://schemas.microsoft.com/office/drawing/2014/main" id="{0278CBC5-3EBE-6E57-3B18-E70F71B17B4F}"/>
+              </a:ext>
+            </a:extLst>
+          </p:cNvPr>
+          <p:cNvPicPr>
+            <a:picLocks noChangeAspect="1"/>
+          </p:cNvPicPr>
+          <p:nvPr/>
+        </p:nvPicPr>
+        <p:blipFill>
+          <a:blip r:embed="rId3"/>
+          <a:stretch>
+            <a:fillRect/>
+          </a:stretch>
+        </p:blipFill>
+        <p:spPr>
+          <a:xfrm>
+            <a:off x="1141413" y="4162493"/>
+            <a:ext cx="9910754" cy="1792257"/>
+          </a:xfrm>
+          <a:prstGeom prst="rect">
+            <a:avLst/>
+          </a:prstGeom>
+        </p:spPr>
+      </p:pic>
+    </p:spTree>
+    <p:extLst>
+      <p:ext uri="{BB962C8B-B14F-4D97-AF65-F5344CB8AC3E}">
+        <p14:creationId xmlns:p14="http://schemas.microsoft.com/office/powerpoint/2010/main" val="1709482014"/>
+      </p:ext>
+    </p:extLst>
+  </p:cSld>
+  <p:clrMapOvr>
+    <a:masterClrMapping/>
+  </p:clrMapOvr>
+</p:sld>
+</file>
+
+<file path=ppt/slides/slide11.xml><?xml version="1.0" encoding="utf-8"?>
+<p:sld xmlns:a="http://schemas.openxmlformats.org/drawingml/2006/main" xmlns:r="http://schemas.openxmlformats.org/officeDocument/2006/relationships" xmlns:p="http://schemas.openxmlformats.org/presentationml/2006/main">
+  <p:cSld>
+    <p:spTree>
+      <p:nvGrpSpPr>
+        <p:cNvPr id="1" name=""/>
+        <p:cNvGrpSpPr/>
+        <p:nvPr/>
+      </p:nvGrpSpPr>
+      <p:grpSpPr>
+        <a:xfrm>
+          <a:off x="0" y="0"/>
+          <a:ext cx="0" cy="0"/>
+          <a:chOff x="0" y="0"/>
+          <a:chExt cx="0" cy="0"/>
+        </a:xfrm>
+      </p:grpSpPr>
+      <p:sp>
+        <p:nvSpPr>
+          <p:cNvPr id="2" name="Título 1">
+            <a:extLst>
+              <a:ext uri="{FF2B5EF4-FFF2-40B4-BE49-F238E27FC236}">
+                <a16:creationId xmlns:a16="http://schemas.microsoft.com/office/drawing/2014/main" id="{1D6B2FE9-BB1F-370D-CDEC-3BC1CC3E63D2}"/>
+              </a:ext>
+            </a:extLst>
+          </p:cNvPr>
+          <p:cNvSpPr>
+            <a:spLocks noGrp="1"/>
+          </p:cNvSpPr>
+          <p:nvPr>
+            <p:ph type="title"/>
+          </p:nvPr>
+        </p:nvSpPr>
+        <p:spPr>
+          <a:xfrm>
+            <a:off x="1141413" y="0"/>
+            <a:ext cx="9905998" cy="1066798"/>
+          </a:xfrm>
+        </p:spPr>
+        <p:txBody>
+          <a:bodyPr>
+            <a:normAutofit/>
+          </a:bodyPr>
+          <a:lstStyle/>
+          <a:p>
+            <a:r>
+              <a:rPr lang="es-AR" dirty="0"/>
+              <a:t>descripción de tablas</a:t>
+            </a:r>
+          </a:p>
+        </p:txBody>
+      </p:sp>
+      <p:pic>
+        <p:nvPicPr>
+          <p:cNvPr id="4" name="Imagen 3">
+            <a:extLst>
+              <a:ext uri="{FF2B5EF4-FFF2-40B4-BE49-F238E27FC236}">
+                <a16:creationId xmlns:a16="http://schemas.microsoft.com/office/drawing/2014/main" id="{1ABE4EC0-DFF9-BEE6-31BD-7C3CE1A6B58F}"/>
+              </a:ext>
+            </a:extLst>
+          </p:cNvPr>
+          <p:cNvPicPr>
+            <a:picLocks noChangeAspect="1"/>
+          </p:cNvPicPr>
+          <p:nvPr/>
+        </p:nvPicPr>
+        <p:blipFill>
+          <a:blip r:embed="rId2"/>
+          <a:stretch>
+            <a:fillRect/>
+          </a:stretch>
+        </p:blipFill>
+        <p:spPr>
+          <a:xfrm>
+            <a:off x="1141413" y="1066798"/>
+            <a:ext cx="10134895" cy="1341865"/>
+          </a:xfrm>
+          <a:prstGeom prst="rect">
+            <a:avLst/>
+          </a:prstGeom>
+        </p:spPr>
+      </p:pic>
+      <p:pic>
+        <p:nvPicPr>
+          <p:cNvPr id="7" name="Imagen 6">
+            <a:extLst>
+              <a:ext uri="{FF2B5EF4-FFF2-40B4-BE49-F238E27FC236}">
+                <a16:creationId xmlns:a16="http://schemas.microsoft.com/office/drawing/2014/main" id="{0CFDC146-511F-B164-A056-C5C92630F465}"/>
+              </a:ext>
+            </a:extLst>
+          </p:cNvPr>
+          <p:cNvPicPr>
+            <a:picLocks noChangeAspect="1"/>
+          </p:cNvPicPr>
+          <p:nvPr/>
+        </p:nvPicPr>
+        <p:blipFill>
+          <a:blip r:embed="rId3"/>
+          <a:stretch>
+            <a:fillRect/>
+          </a:stretch>
+        </p:blipFill>
+        <p:spPr>
+          <a:xfrm>
+            <a:off x="1141413" y="2685478"/>
+            <a:ext cx="10121526" cy="2287966"/>
+          </a:xfrm>
+          <a:prstGeom prst="rect">
+            <a:avLst/>
+          </a:prstGeom>
+        </p:spPr>
+      </p:pic>
+    </p:spTree>
+    <p:extLst>
+      <p:ext uri="{BB962C8B-B14F-4D97-AF65-F5344CB8AC3E}">
+        <p14:creationId xmlns:p14="http://schemas.microsoft.com/office/powerpoint/2010/main" val="2432030287"/>
+      </p:ext>
+    </p:extLst>
+  </p:cSld>
+  <p:clrMapOvr>
+    <a:masterClrMapping/>
+  </p:clrMapOvr>
+</p:sld>
+</file>
+
+<file path=ppt/slides/slide12.xml><?xml version="1.0" encoding="utf-8"?>
+<p:sld xmlns:a="http://schemas.openxmlformats.org/drawingml/2006/main" xmlns:r="http://schemas.openxmlformats.org/officeDocument/2006/relationships" xmlns:p="http://schemas.openxmlformats.org/presentationml/2006/main">
+  <p:cSld>
+    <p:spTree>
+      <p:nvGrpSpPr>
+        <p:cNvPr id="1" name=""/>
+        <p:cNvGrpSpPr/>
+        <p:nvPr/>
+      </p:nvGrpSpPr>
+      <p:grpSpPr>
+        <a:xfrm>
+          <a:off x="0" y="0"/>
+          <a:ext cx="0" cy="0"/>
+          <a:chOff x="0" y="0"/>
+          <a:chExt cx="0" cy="0"/>
+        </a:xfrm>
+      </p:grpSpPr>
+      <p:sp>
+        <p:nvSpPr>
+          <p:cNvPr id="2" name="Título 1">
+            <a:extLst>
+              <a:ext uri="{FF2B5EF4-FFF2-40B4-BE49-F238E27FC236}">
+                <a16:creationId xmlns:a16="http://schemas.microsoft.com/office/drawing/2014/main" id="{1D6B2FE9-BB1F-370D-CDEC-3BC1CC3E63D2}"/>
+              </a:ext>
+            </a:extLst>
+          </p:cNvPr>
+          <p:cNvSpPr>
+            <a:spLocks noGrp="1"/>
+          </p:cNvSpPr>
+          <p:nvPr>
+            <p:ph type="title"/>
+          </p:nvPr>
+        </p:nvSpPr>
+        <p:spPr>
+          <a:xfrm>
+            <a:off x="1141413" y="0"/>
+            <a:ext cx="9905998" cy="1066798"/>
+          </a:xfrm>
+        </p:spPr>
+        <p:txBody>
+          <a:bodyPr>
+            <a:normAutofit/>
+          </a:bodyPr>
+          <a:lstStyle/>
+          <a:p>
+            <a:r>
+              <a:rPr lang="es-AR" dirty="0"/>
+              <a:t>descripción de tablas</a:t>
+            </a:r>
+          </a:p>
+        </p:txBody>
+      </p:sp>
+      <p:pic>
+        <p:nvPicPr>
+          <p:cNvPr id="2050" name="Picture 2">
+            <a:extLst>
+              <a:ext uri="{FF2B5EF4-FFF2-40B4-BE49-F238E27FC236}">
+                <a16:creationId xmlns:a16="http://schemas.microsoft.com/office/drawing/2014/main" id="{AA20E6BD-1992-F743-ABBB-B726AEB67B4C}"/>
+              </a:ext>
+            </a:extLst>
+          </p:cNvPr>
+          <p:cNvPicPr>
+            <a:picLocks noChangeAspect="1" noChangeArrowheads="1"/>
+          </p:cNvPicPr>
+          <p:nvPr/>
+        </p:nvPicPr>
+        <p:blipFill>
+          <a:blip r:embed="rId2">
+            <a:extLst>
+              <a:ext uri="{28A0092B-C50C-407E-A947-70E740481C1C}">
+                <a14:useLocalDpi xmlns:a14="http://schemas.microsoft.com/office/drawing/2010/main" val="0"/>
+              </a:ext>
+            </a:extLst>
+          </a:blip>
+          <a:srcRect/>
+          <a:stretch>
+            <a:fillRect/>
+          </a:stretch>
+        </p:blipFill>
+        <p:spPr bwMode="auto">
+          <a:xfrm>
+            <a:off x="1141413" y="936237"/>
+            <a:ext cx="10121526" cy="1361884"/>
+          </a:xfrm>
+          <a:prstGeom prst="rect">
+            <a:avLst/>
+          </a:prstGeom>
+          <a:noFill/>
+          <a:extLst>
+            <a:ext uri="{909E8E84-426E-40DD-AFC4-6F175D3DCCD1}">
+              <a14:hiddenFill xmlns:a14="http://schemas.microsoft.com/office/drawing/2010/main">
+                <a:solidFill>
+                  <a:srgbClr val="FFFFFF"/>
+                </a:solidFill>
+              </a14:hiddenFill>
+            </a:ext>
+          </a:extLst>
+        </p:spPr>
+      </p:pic>
+      <p:pic>
+        <p:nvPicPr>
+          <p:cNvPr id="8" name="Imagen 7">
+            <a:extLst>
+              <a:ext uri="{FF2B5EF4-FFF2-40B4-BE49-F238E27FC236}">
+                <a16:creationId xmlns:a16="http://schemas.microsoft.com/office/drawing/2014/main" id="{10DBD2C7-315E-344C-387D-729A0C3E66AD}"/>
+              </a:ext>
+            </a:extLst>
+          </p:cNvPr>
+          <p:cNvPicPr>
+            <a:picLocks noChangeAspect="1"/>
+          </p:cNvPicPr>
+          <p:nvPr/>
+        </p:nvPicPr>
+        <p:blipFill>
+          <a:blip r:embed="rId3"/>
+          <a:stretch>
+            <a:fillRect/>
+          </a:stretch>
+        </p:blipFill>
+        <p:spPr>
+          <a:xfrm>
+            <a:off x="1141413" y="2559879"/>
+            <a:ext cx="10121526" cy="2283051"/>
+          </a:xfrm>
+          <a:prstGeom prst="rect">
+            <a:avLst/>
+          </a:prstGeom>
+        </p:spPr>
+      </p:pic>
+    </p:spTree>
+    <p:extLst>
+      <p:ext uri="{BB962C8B-B14F-4D97-AF65-F5344CB8AC3E}">
+        <p14:creationId xmlns:p14="http://schemas.microsoft.com/office/powerpoint/2010/main" val="2160246916"/>
+      </p:ext>
+    </p:extLst>
+  </p:cSld>
+  <p:clrMapOvr>
+    <a:masterClrMapping/>
+  </p:clrMapOvr>
+</p:sld>
+</file>
+
+<file path=ppt/slides/slide13.xml><?xml version="1.0" encoding="utf-8"?>
+<p:sld xmlns:a="http://schemas.openxmlformats.org/drawingml/2006/main" xmlns:r="http://schemas.openxmlformats.org/officeDocument/2006/relationships" xmlns:p="http://schemas.openxmlformats.org/presentationml/2006/main">
+  <p:cSld>
+    <p:spTree>
+      <p:nvGrpSpPr>
+        <p:cNvPr id="1" name=""/>
+        <p:cNvGrpSpPr/>
+        <p:nvPr/>
+      </p:nvGrpSpPr>
+      <p:grpSpPr>
+        <a:xfrm>
+          <a:off x="0" y="0"/>
+          <a:ext cx="0" cy="0"/>
+          <a:chOff x="0" y="0"/>
+          <a:chExt cx="0" cy="0"/>
+        </a:xfrm>
+      </p:grpSpPr>
+      <p:sp>
+        <p:nvSpPr>
+          <p:cNvPr id="2" name="Título 1">
+            <a:extLst>
+              <a:ext uri="{FF2B5EF4-FFF2-40B4-BE49-F238E27FC236}">
+                <a16:creationId xmlns:a16="http://schemas.microsoft.com/office/drawing/2014/main" id="{1D6B2FE9-BB1F-370D-CDEC-3BC1CC3E63D2}"/>
+              </a:ext>
+            </a:extLst>
+          </p:cNvPr>
+          <p:cNvSpPr>
+            <a:spLocks noGrp="1"/>
+          </p:cNvSpPr>
+          <p:nvPr>
+            <p:ph type="title"/>
+          </p:nvPr>
+        </p:nvSpPr>
+        <p:spPr>
+          <a:xfrm>
+            <a:off x="1141413" y="0"/>
+            <a:ext cx="9905998" cy="1066798"/>
+          </a:xfrm>
+        </p:spPr>
+        <p:txBody>
+          <a:bodyPr>
+            <a:normAutofit/>
+          </a:bodyPr>
+          <a:lstStyle/>
+          <a:p>
+            <a:r>
+              <a:rPr lang="es-AR" dirty="0"/>
+              <a:t>descripción de tablas</a:t>
+            </a:r>
+          </a:p>
+        </p:txBody>
+      </p:sp>
+      <p:pic>
+        <p:nvPicPr>
+          <p:cNvPr id="8194" name="Picture 2">
+            <a:extLst>
+              <a:ext uri="{FF2B5EF4-FFF2-40B4-BE49-F238E27FC236}">
+                <a16:creationId xmlns:a16="http://schemas.microsoft.com/office/drawing/2014/main" id="{0611EB5A-F3F5-08ED-A179-F7BAA4E60DE6}"/>
+              </a:ext>
+            </a:extLst>
+          </p:cNvPr>
+          <p:cNvPicPr>
+            <a:picLocks noChangeAspect="1" noChangeArrowheads="1"/>
+          </p:cNvPicPr>
+          <p:nvPr/>
+        </p:nvPicPr>
+        <p:blipFill>
+          <a:blip r:embed="rId2">
+            <a:extLst>
+              <a:ext uri="{28A0092B-C50C-407E-A947-70E740481C1C}">
+                <a14:useLocalDpi xmlns:a14="http://schemas.microsoft.com/office/drawing/2010/main" val="0"/>
+              </a:ext>
+            </a:extLst>
+          </a:blip>
+          <a:srcRect/>
+          <a:stretch>
+            <a:fillRect/>
+          </a:stretch>
+        </p:blipFill>
+        <p:spPr bwMode="auto">
+          <a:xfrm>
+            <a:off x="1370013" y="817641"/>
+            <a:ext cx="9184615" cy="1670829"/>
+          </a:xfrm>
+          <a:prstGeom prst="rect">
+            <a:avLst/>
+          </a:prstGeom>
+          <a:noFill/>
+          <a:extLst>
+            <a:ext uri="{909E8E84-426E-40DD-AFC4-6F175D3DCCD1}">
+              <a14:hiddenFill xmlns:a14="http://schemas.microsoft.com/office/drawing/2010/main">
+                <a:solidFill>
+                  <a:srgbClr val="FFFFFF"/>
+                </a:solidFill>
+              </a14:hiddenFill>
+            </a:ext>
+          </a:extLst>
+        </p:spPr>
+      </p:pic>
+      <p:pic>
+        <p:nvPicPr>
+          <p:cNvPr id="4" name="Imagen 3">
+            <a:extLst>
+              <a:ext uri="{FF2B5EF4-FFF2-40B4-BE49-F238E27FC236}">
+                <a16:creationId xmlns:a16="http://schemas.microsoft.com/office/drawing/2014/main" id="{7929F737-0C99-3392-8F99-E58665CF74F5}"/>
+              </a:ext>
+            </a:extLst>
+          </p:cNvPr>
+          <p:cNvPicPr>
+            <a:picLocks noChangeAspect="1"/>
+          </p:cNvPicPr>
+          <p:nvPr/>
+        </p:nvPicPr>
+        <p:blipFill>
+          <a:blip r:embed="rId3"/>
+          <a:stretch>
+            <a:fillRect/>
+          </a:stretch>
+        </p:blipFill>
+        <p:spPr>
+          <a:xfrm>
+            <a:off x="1370013" y="2669785"/>
+            <a:ext cx="9184615" cy="1868560"/>
+          </a:xfrm>
+          <a:prstGeom prst="rect">
+            <a:avLst/>
+          </a:prstGeom>
+        </p:spPr>
+      </p:pic>
+      <p:pic>
+        <p:nvPicPr>
+          <p:cNvPr id="6" name="Imagen 5">
+            <a:extLst>
+              <a:ext uri="{FF2B5EF4-FFF2-40B4-BE49-F238E27FC236}">
+                <a16:creationId xmlns:a16="http://schemas.microsoft.com/office/drawing/2014/main" id="{4BB4EFE9-2656-3EFA-6345-D053DA8972DB}"/>
+              </a:ext>
+            </a:extLst>
+          </p:cNvPr>
+          <p:cNvPicPr>
+            <a:picLocks noChangeAspect="1"/>
+          </p:cNvPicPr>
+          <p:nvPr/>
+        </p:nvPicPr>
+        <p:blipFill>
+          <a:blip r:embed="rId4"/>
+          <a:stretch>
+            <a:fillRect/>
+          </a:stretch>
+        </p:blipFill>
+        <p:spPr>
+          <a:xfrm>
+            <a:off x="1370013" y="4726663"/>
+            <a:ext cx="9184615" cy="1868560"/>
+          </a:xfrm>
+          <a:prstGeom prst="rect">
+            <a:avLst/>
+          </a:prstGeom>
+        </p:spPr>
+      </p:pic>
+    </p:spTree>
+    <p:extLst>
+      <p:ext uri="{BB962C8B-B14F-4D97-AF65-F5344CB8AC3E}">
+        <p14:creationId xmlns:p14="http://schemas.microsoft.com/office/powerpoint/2010/main" val="2615837971"/>
+      </p:ext>
+    </p:extLst>
+  </p:cSld>
+  <p:clrMapOvr>
+    <a:masterClrMapping/>
+  </p:clrMapOvr>
+</p:sld>
+</file>
+
+<file path=ppt/slides/slide14.xml><?xml version="1.0" encoding="utf-8"?>
+<p:sld xmlns:a="http://schemas.openxmlformats.org/drawingml/2006/main" xmlns:r="http://schemas.openxmlformats.org/officeDocument/2006/relationships" xmlns:p="http://schemas.openxmlformats.org/presentationml/2006/main">
+  <p:cSld>
+    <p:spTree>
+      <p:nvGrpSpPr>
+        <p:cNvPr id="1" name=""/>
+        <p:cNvGrpSpPr/>
+        <p:nvPr/>
+      </p:nvGrpSpPr>
+      <p:grpSpPr>
+        <a:xfrm>
+          <a:off x="0" y="0"/>
+          <a:ext cx="0" cy="0"/>
+          <a:chOff x="0" y="0"/>
+          <a:chExt cx="0" cy="0"/>
+        </a:xfrm>
+      </p:grpSpPr>
+      <p:sp>
+        <p:nvSpPr>
+          <p:cNvPr id="2" name="Título 1">
+            <a:extLst>
+              <a:ext uri="{FF2B5EF4-FFF2-40B4-BE49-F238E27FC236}">
+                <a16:creationId xmlns:a16="http://schemas.microsoft.com/office/drawing/2014/main" id="{84CEFFB9-E2D8-9B57-5CC8-72CCBFFB8A0D}"/>
+              </a:ext>
+            </a:extLst>
+          </p:cNvPr>
+          <p:cNvSpPr>
+            <a:spLocks noGrp="1"/>
+          </p:cNvSpPr>
+          <p:nvPr>
+            <p:ph type="title"/>
+          </p:nvPr>
+        </p:nvSpPr>
+        <p:spPr/>
+        <p:txBody>
+          <a:bodyPr/>
+          <a:lstStyle/>
+          <a:p>
+            <a:r>
+              <a:rPr lang="es-AR" dirty="0"/>
+              <a:t>Creación de Vistas.</a:t>
+            </a:r>
+          </a:p>
+        </p:txBody>
+      </p:sp>
+      <p:pic>
+        <p:nvPicPr>
+          <p:cNvPr id="8" name="Marcador de contenido 7" descr="Interfaz de usuario gráfica, Texto, Aplicación">
+            <a:extLst>
+              <a:ext uri="{FF2B5EF4-FFF2-40B4-BE49-F238E27FC236}">
+                <a16:creationId xmlns:a16="http://schemas.microsoft.com/office/drawing/2014/main" id="{A454E994-6072-BE6E-CFEA-328868C8B42B}"/>
+              </a:ext>
+            </a:extLst>
+          </p:cNvPr>
+          <p:cNvPicPr>
+            <a:picLocks noGrp="1" noChangeAspect="1"/>
+          </p:cNvPicPr>
+          <p:nvPr>
+            <p:ph idx="1"/>
+          </p:nvPr>
+        </p:nvPicPr>
+        <p:blipFill>
+          <a:blip r:embed="rId2">
+            <a:extLst>
+              <a:ext uri="{28A0092B-C50C-407E-A947-70E740481C1C}">
+                <a14:useLocalDpi xmlns:a14="http://schemas.microsoft.com/office/drawing/2010/main" val="0"/>
+              </a:ext>
+            </a:extLst>
+          </a:blip>
+          <a:stretch>
+            <a:fillRect/>
+          </a:stretch>
+        </p:blipFill>
+        <p:spPr>
+          <a:xfrm>
+            <a:off x="5612273" y="2324854"/>
+            <a:ext cx="5759845" cy="3637796"/>
+          </a:xfrm>
+        </p:spPr>
+      </p:pic>
+      <p:sp>
+        <p:nvSpPr>
+          <p:cNvPr id="4" name="Marcador de texto 3">
+            <a:extLst>
+              <a:ext uri="{FF2B5EF4-FFF2-40B4-BE49-F238E27FC236}">
+                <a16:creationId xmlns:a16="http://schemas.microsoft.com/office/drawing/2014/main" id="{B7522CA2-B26C-18A0-1BA6-055728C661C1}"/>
+              </a:ext>
+            </a:extLst>
+          </p:cNvPr>
+          <p:cNvSpPr>
+            <a:spLocks noGrp="1"/>
+          </p:cNvSpPr>
+          <p:nvPr>
+            <p:ph type="body" sz="half" idx="2"/>
+          </p:nvPr>
+        </p:nvSpPr>
+        <p:spPr/>
+        <p:txBody>
+          <a:bodyPr>
+            <a:normAutofit/>
+          </a:bodyPr>
+          <a:lstStyle/>
+          <a:p>
+            <a:r>
+              <a:rPr lang="es-ES" dirty="0"/>
+              <a:t>Se crearon cinco vistas con el objetivo de unir algunos campos de tablas específicas para mostrar resultados que brinden una información más detallada.</a:t>
+            </a:r>
+          </a:p>
+          <a:p>
+            <a:pPr marL="285750" indent="-285750">
+              <a:buFont typeface="Arial" panose="020B0604020202020204" pitchFamily="34" charset="0"/>
+              <a:buChar char="•"/>
+            </a:pPr>
+            <a:r>
+              <a:rPr lang="es-AR" dirty="0" err="1"/>
+              <a:t>localidades_de_provincia</a:t>
+            </a:r>
+            <a:endParaRPr lang="es-AR" dirty="0"/>
+          </a:p>
+          <a:p>
+            <a:pPr marL="285750" indent="-285750">
+              <a:buFont typeface="Arial" panose="020B0604020202020204" pitchFamily="34" charset="0"/>
+              <a:buChar char="•"/>
+            </a:pPr>
+            <a:r>
+              <a:rPr lang="es-AR" dirty="0" err="1"/>
+              <a:t>lista_de_empleados</a:t>
+            </a:r>
+            <a:endParaRPr lang="es-AR" dirty="0"/>
+          </a:p>
+          <a:p>
+            <a:pPr marL="285750" indent="-285750">
+              <a:buFont typeface="Arial" panose="020B0604020202020204" pitchFamily="34" charset="0"/>
+              <a:buChar char="•"/>
+            </a:pPr>
+            <a:r>
+              <a:rPr lang="es-AR" dirty="0" err="1"/>
+              <a:t>productos_por_rubro</a:t>
+            </a:r>
+            <a:endParaRPr lang="es-AR" dirty="0"/>
+          </a:p>
+          <a:p>
+            <a:pPr marL="285750" indent="-285750">
+              <a:buFont typeface="Arial" panose="020B0604020202020204" pitchFamily="34" charset="0"/>
+              <a:buChar char="•"/>
+            </a:pPr>
+            <a:r>
+              <a:rPr lang="es-AR" dirty="0" err="1"/>
+              <a:t>lista_de_locales</a:t>
+            </a:r>
+            <a:endParaRPr lang="es-AR" dirty="0"/>
+          </a:p>
+          <a:p>
+            <a:pPr marL="285750" indent="-285750">
+              <a:buFont typeface="Arial" panose="020B0604020202020204" pitchFamily="34" charset="0"/>
+              <a:buChar char="•"/>
+            </a:pPr>
+            <a:r>
+              <a:rPr lang="es-AR" dirty="0" err="1"/>
+              <a:t>lista_de_clientes</a:t>
+            </a:r>
+            <a:endParaRPr lang="es-AR" dirty="0"/>
+          </a:p>
+        </p:txBody>
+      </p:sp>
+    </p:spTree>
+    <p:extLst>
+      <p:ext uri="{BB962C8B-B14F-4D97-AF65-F5344CB8AC3E}">
+        <p14:creationId xmlns:p14="http://schemas.microsoft.com/office/powerpoint/2010/main" val="1628810498"/>
+      </p:ext>
+    </p:extLst>
+  </p:cSld>
+  <p:clrMapOvr>
+    <a:masterClrMapping/>
+  </p:clrMapOvr>
+</p:sld>
+</file>
+
+<file path=ppt/slides/slide15.xml><?xml version="1.0" encoding="utf-8"?>
+<p:sld xmlns:a="http://schemas.openxmlformats.org/drawingml/2006/main" xmlns:r="http://schemas.openxmlformats.org/officeDocument/2006/relationships" xmlns:p="http://schemas.openxmlformats.org/presentationml/2006/main">
+  <p:cSld>
+    <p:spTree>
+      <p:nvGrpSpPr>
+        <p:cNvPr id="1" name=""/>
+        <p:cNvGrpSpPr/>
+        <p:nvPr/>
+      </p:nvGrpSpPr>
+      <p:grpSpPr>
+        <a:xfrm>
+          <a:off x="0" y="0"/>
+          <a:ext cx="0" cy="0"/>
+          <a:chOff x="0" y="0"/>
+          <a:chExt cx="0" cy="0"/>
+        </a:xfrm>
+      </p:grpSpPr>
+      <p:sp>
+        <p:nvSpPr>
+          <p:cNvPr id="2" name="Título 1">
+            <a:extLst>
+              <a:ext uri="{FF2B5EF4-FFF2-40B4-BE49-F238E27FC236}">
+                <a16:creationId xmlns:a16="http://schemas.microsoft.com/office/drawing/2014/main" id="{84CEFFB9-E2D8-9B57-5CC8-72CCBFFB8A0D}"/>
+              </a:ext>
+            </a:extLst>
+          </p:cNvPr>
+          <p:cNvSpPr>
+            <a:spLocks noGrp="1"/>
+          </p:cNvSpPr>
+          <p:nvPr>
+            <p:ph type="title"/>
+          </p:nvPr>
+        </p:nvSpPr>
+        <p:spPr/>
+        <p:txBody>
+          <a:bodyPr/>
+          <a:lstStyle/>
+          <a:p>
+            <a:r>
+              <a:rPr lang="es-AR" dirty="0"/>
+              <a:t>Creación de Funciones.</a:t>
+            </a:r>
+          </a:p>
+        </p:txBody>
+      </p:sp>
+      <p:sp>
+        <p:nvSpPr>
+          <p:cNvPr id="4" name="Marcador de texto 3">
+            <a:extLst>
+              <a:ext uri="{FF2B5EF4-FFF2-40B4-BE49-F238E27FC236}">
+                <a16:creationId xmlns:a16="http://schemas.microsoft.com/office/drawing/2014/main" id="{B7522CA2-B26C-18A0-1BA6-055728C661C1}"/>
+              </a:ext>
+            </a:extLst>
+          </p:cNvPr>
+          <p:cNvSpPr>
+            <a:spLocks noGrp="1"/>
+          </p:cNvSpPr>
+          <p:nvPr>
+            <p:ph type="body" sz="half" idx="2"/>
+          </p:nvPr>
+        </p:nvSpPr>
+        <p:spPr>
+          <a:xfrm>
+            <a:off x="1146705" y="2249486"/>
+            <a:ext cx="5400145" cy="3541714"/>
+          </a:xfrm>
+        </p:spPr>
+        <p:txBody>
+          <a:bodyPr>
+            <a:normAutofit/>
+          </a:bodyPr>
+          <a:lstStyle/>
+          <a:p>
+            <a:r>
+              <a:rPr lang="es-ES" dirty="0"/>
+              <a:t>Se crearon 4 funciones con el objetivo de generar información para la inserción y obtener información de los locales.</a:t>
+            </a:r>
+          </a:p>
+          <a:p>
+            <a:pPr marL="285750" indent="-285750">
+              <a:buFont typeface="Arial" panose="020B0604020202020204" pitchFamily="34" charset="0"/>
+              <a:buChar char="•"/>
+            </a:pPr>
+            <a:r>
+              <a:rPr lang="es-AR" dirty="0" err="1"/>
+              <a:t>locales_con_mas_ventas</a:t>
+            </a:r>
+            <a:r>
+              <a:rPr lang="es-AR" dirty="0"/>
+              <a:t>: Obtiene cuantos locales vendieron mas de x en un día determinado.</a:t>
+            </a:r>
+          </a:p>
+          <a:p>
+            <a:pPr marL="285750" indent="-285750">
+              <a:buFont typeface="Arial" panose="020B0604020202020204" pitchFamily="34" charset="0"/>
+              <a:buChar char="•"/>
+            </a:pPr>
+            <a:r>
+              <a:rPr lang="es-AR" dirty="0" err="1"/>
+              <a:t>random_date</a:t>
+            </a:r>
+            <a:r>
+              <a:rPr lang="es-AR" dirty="0"/>
+              <a:t>: Genera una fecha aleatoria acotada entre dos días.</a:t>
+            </a:r>
+          </a:p>
+          <a:p>
+            <a:pPr marL="285750" indent="-285750">
+              <a:buFont typeface="Arial" panose="020B0604020202020204" pitchFamily="34" charset="0"/>
+              <a:buChar char="•"/>
+            </a:pPr>
+            <a:r>
+              <a:rPr lang="es-AR" dirty="0" err="1"/>
+              <a:t>random_decimal</a:t>
+            </a:r>
+            <a:r>
+              <a:rPr lang="es-AR" dirty="0"/>
+              <a:t>: Genera un </a:t>
+            </a:r>
+            <a:r>
+              <a:rPr lang="es-AR" dirty="0" err="1"/>
+              <a:t>numerodecimal</a:t>
+            </a:r>
+            <a:r>
+              <a:rPr lang="es-AR" dirty="0"/>
+              <a:t> entre 2 números de 2 decimales.</a:t>
+            </a:r>
+          </a:p>
+          <a:p>
+            <a:pPr marL="285750" indent="-285750">
+              <a:buFont typeface="Arial" panose="020B0604020202020204" pitchFamily="34" charset="0"/>
+              <a:buChar char="•"/>
+            </a:pPr>
+            <a:r>
+              <a:rPr lang="es-AR" dirty="0" err="1"/>
+              <a:t>ventas_por_día</a:t>
+            </a:r>
+            <a:r>
+              <a:rPr lang="es-AR" dirty="0"/>
+              <a:t>: Obtiene cuantas ventas realizo un local en un día determinado.</a:t>
+            </a:r>
+          </a:p>
+        </p:txBody>
+      </p:sp>
+      <p:pic>
+        <p:nvPicPr>
+          <p:cNvPr id="5" name="Imagen 4">
+            <a:extLst>
+              <a:ext uri="{FF2B5EF4-FFF2-40B4-BE49-F238E27FC236}">
+                <a16:creationId xmlns:a16="http://schemas.microsoft.com/office/drawing/2014/main" id="{B3510A4A-0E4B-8BA0-ABF6-0846A24384EA}"/>
+              </a:ext>
+            </a:extLst>
+          </p:cNvPr>
+          <p:cNvPicPr>
+            <a:picLocks noChangeAspect="1"/>
+          </p:cNvPicPr>
+          <p:nvPr/>
+        </p:nvPicPr>
+        <p:blipFill>
+          <a:blip r:embed="rId2"/>
+          <a:stretch>
+            <a:fillRect/>
+          </a:stretch>
+        </p:blipFill>
+        <p:spPr>
+          <a:xfrm>
+            <a:off x="6546850" y="2299492"/>
+            <a:ext cx="4598754" cy="2570958"/>
+          </a:xfrm>
+          <a:prstGeom prst="rect">
+            <a:avLst/>
+          </a:prstGeom>
+        </p:spPr>
+      </p:pic>
+    </p:spTree>
+    <p:extLst>
+      <p:ext uri="{BB962C8B-B14F-4D97-AF65-F5344CB8AC3E}">
+        <p14:creationId xmlns:p14="http://schemas.microsoft.com/office/powerpoint/2010/main" val="3241170454"/>
+      </p:ext>
+    </p:extLst>
+  </p:cSld>
+  <p:clrMapOvr>
+    <a:masterClrMapping/>
+  </p:clrMapOvr>
+</p:sld>
+</file>
+
+<file path=ppt/slides/slide16.xml><?xml version="1.0" encoding="utf-8"?>
+<p:sld xmlns:a="http://schemas.openxmlformats.org/drawingml/2006/main" xmlns:r="http://schemas.openxmlformats.org/officeDocument/2006/relationships" xmlns:p="http://schemas.openxmlformats.org/presentationml/2006/main">
+  <p:cSld>
+    <p:spTree>
+      <p:nvGrpSpPr>
+        <p:cNvPr id="1" name=""/>
+        <p:cNvGrpSpPr/>
+        <p:nvPr/>
+      </p:nvGrpSpPr>
+      <p:grpSpPr>
+        <a:xfrm>
+          <a:off x="0" y="0"/>
+          <a:ext cx="0" cy="0"/>
+          <a:chOff x="0" y="0"/>
+          <a:chExt cx="0" cy="0"/>
+        </a:xfrm>
+      </p:grpSpPr>
+      <p:sp>
+        <p:nvSpPr>
+          <p:cNvPr id="2" name="Título 1">
+            <a:extLst>
+              <a:ext uri="{FF2B5EF4-FFF2-40B4-BE49-F238E27FC236}">
+                <a16:creationId xmlns:a16="http://schemas.microsoft.com/office/drawing/2014/main" id="{84CEFFB9-E2D8-9B57-5CC8-72CCBFFB8A0D}"/>
+              </a:ext>
+            </a:extLst>
+          </p:cNvPr>
+          <p:cNvSpPr>
+            <a:spLocks noGrp="1"/>
+          </p:cNvSpPr>
+          <p:nvPr>
+            <p:ph type="title"/>
+          </p:nvPr>
+        </p:nvSpPr>
+        <p:spPr/>
+        <p:txBody>
+          <a:bodyPr/>
+          <a:lstStyle/>
+          <a:p>
+            <a:r>
+              <a:rPr lang="es-AR" dirty="0"/>
+              <a:t>Creación de </a:t>
+            </a:r>
+            <a:r>
+              <a:rPr lang="es-AR" dirty="0" err="1"/>
+              <a:t>Stored</a:t>
+            </a:r>
+            <a:r>
+              <a:rPr lang="es-AR" dirty="0"/>
+              <a:t> </a:t>
+            </a:r>
+            <a:r>
+              <a:rPr lang="es-AR" dirty="0" err="1"/>
+              <a:t>Procedures</a:t>
+            </a:r>
+            <a:r>
+              <a:rPr lang="es-AR" dirty="0"/>
+              <a:t>.</a:t>
+            </a:r>
+          </a:p>
+        </p:txBody>
+      </p:sp>
+      <p:sp>
+        <p:nvSpPr>
+          <p:cNvPr id="4" name="Marcador de texto 3">
+            <a:extLst>
+              <a:ext uri="{FF2B5EF4-FFF2-40B4-BE49-F238E27FC236}">
+                <a16:creationId xmlns:a16="http://schemas.microsoft.com/office/drawing/2014/main" id="{B7522CA2-B26C-18A0-1BA6-055728C661C1}"/>
+              </a:ext>
+            </a:extLst>
+          </p:cNvPr>
+          <p:cNvSpPr>
+            <a:spLocks noGrp="1"/>
+          </p:cNvSpPr>
+          <p:nvPr>
+            <p:ph type="body" sz="half" idx="2"/>
+          </p:nvPr>
+        </p:nvSpPr>
+        <p:spPr>
+          <a:xfrm>
+            <a:off x="1146705" y="2249486"/>
+            <a:ext cx="5400145" cy="3541714"/>
+          </a:xfrm>
+        </p:spPr>
+        <p:txBody>
+          <a:bodyPr>
+            <a:normAutofit fontScale="92500"/>
+          </a:bodyPr>
+          <a:lstStyle/>
+          <a:p>
+            <a:r>
+              <a:rPr lang="es-ES" dirty="0"/>
+              <a:t>Se crearon 2 funciones con el objetivo de facilitar la inserción de un empleado y obtener los empleados.</a:t>
+            </a:r>
+          </a:p>
+          <a:p>
+            <a:pPr marL="285750" indent="-285750">
+              <a:buFont typeface="Arial" panose="020B0604020202020204" pitchFamily="34" charset="0"/>
+              <a:buChar char="•"/>
+            </a:pPr>
+            <a:r>
+              <a:rPr lang="es-AR" dirty="0" err="1"/>
+              <a:t>insertar_empleado</a:t>
+            </a:r>
+            <a:r>
+              <a:rPr lang="es-AR" dirty="0"/>
+              <a:t>: Procedimiento para facilitar la inserción de un empleado en la tabla empleados. Los parámetros son: </a:t>
+            </a:r>
+            <a:r>
+              <a:rPr lang="es-AR" dirty="0" err="1"/>
+              <a:t>Id_posicion_empleado</a:t>
+            </a:r>
+            <a:r>
+              <a:rPr lang="es-AR" dirty="0"/>
+              <a:t> INT, </a:t>
+            </a:r>
+            <a:r>
+              <a:rPr lang="es-AR" dirty="0" err="1"/>
+              <a:t>Id_localidad</a:t>
+            </a:r>
+            <a:r>
+              <a:rPr lang="es-AR" dirty="0"/>
+              <a:t> INT, Nombre VARCHAR(50), Apellido VARCHAR(50), Edad INT, DNI VARCHAR(20),  </a:t>
+            </a:r>
+            <a:r>
+              <a:rPr lang="es-AR" dirty="0" err="1"/>
+              <a:t>Fecha_nacimiento</a:t>
+            </a:r>
+            <a:r>
+              <a:rPr lang="es-AR" dirty="0"/>
+              <a:t> DATE, </a:t>
+            </a:r>
+            <a:r>
+              <a:rPr lang="es-AR" dirty="0" err="1"/>
+              <a:t>Direccion</a:t>
+            </a:r>
+            <a:r>
+              <a:rPr lang="es-AR" dirty="0"/>
+              <a:t> VARCHAR(100), </a:t>
+            </a:r>
+            <a:r>
+              <a:rPr lang="es-AR" dirty="0" err="1"/>
+              <a:t>Telefono</a:t>
+            </a:r>
+            <a:r>
+              <a:rPr lang="es-AR" dirty="0"/>
+              <a:t> VARCHAR(20)</a:t>
+            </a:r>
+          </a:p>
+          <a:p>
+            <a:pPr marL="285750" indent="-285750">
+              <a:buFont typeface="Arial" panose="020B0604020202020204" pitchFamily="34" charset="0"/>
+              <a:buChar char="•"/>
+            </a:pPr>
+            <a:r>
+              <a:rPr lang="es-AR" dirty="0" err="1"/>
+              <a:t>obtener_empleados</a:t>
+            </a:r>
+            <a:r>
+              <a:rPr lang="es-AR" dirty="0"/>
+              <a:t>: Procedimiento para obtener los empleados ordenadas por un parámetro y en un orden a elección. Los parámetros son: </a:t>
+            </a:r>
+            <a:r>
+              <a:rPr lang="it-IT" dirty="0"/>
+              <a:t>ordenamiento CHAR(100), sentido CHAR(5)</a:t>
+            </a:r>
+          </a:p>
+        </p:txBody>
+      </p:sp>
+      <p:pic>
+        <p:nvPicPr>
+          <p:cNvPr id="6" name="Imagen 5">
+            <a:extLst>
+              <a:ext uri="{FF2B5EF4-FFF2-40B4-BE49-F238E27FC236}">
+                <a16:creationId xmlns:a16="http://schemas.microsoft.com/office/drawing/2014/main" id="{F2C796B9-4DAC-3979-D538-3748D7BCA8C7}"/>
+              </a:ext>
+            </a:extLst>
+          </p:cNvPr>
+          <p:cNvPicPr>
+            <a:picLocks noChangeAspect="1"/>
+          </p:cNvPicPr>
+          <p:nvPr/>
+        </p:nvPicPr>
+        <p:blipFill>
+          <a:blip r:embed="rId2"/>
+          <a:stretch>
+            <a:fillRect/>
+          </a:stretch>
+        </p:blipFill>
+        <p:spPr>
+          <a:xfrm>
+            <a:off x="6798881" y="2249485"/>
+            <a:ext cx="4623877" cy="2222154"/>
+          </a:xfrm>
+          <a:prstGeom prst="rect">
+            <a:avLst/>
+          </a:prstGeom>
+        </p:spPr>
+      </p:pic>
+    </p:spTree>
+    <p:extLst>
+      <p:ext uri="{BB962C8B-B14F-4D97-AF65-F5344CB8AC3E}">
+        <p14:creationId xmlns:p14="http://schemas.microsoft.com/office/powerpoint/2010/main" val="832327465"/>
+      </p:ext>
+    </p:extLst>
+  </p:cSld>
+  <p:clrMapOvr>
+    <a:masterClrMapping/>
+  </p:clrMapOvr>
+</p:sld>
+</file>
+
+<file path=ppt/slides/slide17.xml><?xml version="1.0" encoding="utf-8"?>
+<p:sld xmlns:a="http://schemas.openxmlformats.org/drawingml/2006/main" xmlns:r="http://schemas.openxmlformats.org/officeDocument/2006/relationships" xmlns:p="http://schemas.openxmlformats.org/presentationml/2006/main">
+  <p:cSld>
+    <p:spTree>
+      <p:nvGrpSpPr>
+        <p:cNvPr id="1" name=""/>
+        <p:cNvGrpSpPr/>
+        <p:nvPr/>
+      </p:nvGrpSpPr>
+      <p:grpSpPr>
+        <a:xfrm>
+          <a:off x="0" y="0"/>
+          <a:ext cx="0" cy="0"/>
+          <a:chOff x="0" y="0"/>
+          <a:chExt cx="0" cy="0"/>
+        </a:xfrm>
+      </p:grpSpPr>
+      <p:sp>
+        <p:nvSpPr>
+          <p:cNvPr id="2" name="Título 1">
+            <a:extLst>
+              <a:ext uri="{FF2B5EF4-FFF2-40B4-BE49-F238E27FC236}">
+                <a16:creationId xmlns:a16="http://schemas.microsoft.com/office/drawing/2014/main" id="{84CEFFB9-E2D8-9B57-5CC8-72CCBFFB8A0D}"/>
+              </a:ext>
+            </a:extLst>
+          </p:cNvPr>
+          <p:cNvSpPr>
+            <a:spLocks noGrp="1"/>
+          </p:cNvSpPr>
+          <p:nvPr>
+            <p:ph type="title"/>
+          </p:nvPr>
+        </p:nvSpPr>
+        <p:spPr/>
+        <p:txBody>
+          <a:bodyPr/>
+          <a:lstStyle/>
+          <a:p>
+            <a:r>
+              <a:rPr lang="es-AR" dirty="0"/>
+              <a:t>Creación de </a:t>
+            </a:r>
+            <a:r>
+              <a:rPr lang="es-AR" dirty="0" err="1"/>
+              <a:t>Triggers</a:t>
+            </a:r>
+            <a:r>
+              <a:rPr lang="es-AR" dirty="0"/>
+              <a:t>.</a:t>
+            </a:r>
+          </a:p>
+        </p:txBody>
+      </p:sp>
+      <p:sp>
+        <p:nvSpPr>
+          <p:cNvPr id="4" name="Marcador de texto 3">
+            <a:extLst>
+              <a:ext uri="{FF2B5EF4-FFF2-40B4-BE49-F238E27FC236}">
+                <a16:creationId xmlns:a16="http://schemas.microsoft.com/office/drawing/2014/main" id="{B7522CA2-B26C-18A0-1BA6-055728C661C1}"/>
+              </a:ext>
+            </a:extLst>
+          </p:cNvPr>
+          <p:cNvSpPr>
+            <a:spLocks noGrp="1"/>
+          </p:cNvSpPr>
+          <p:nvPr>
+            <p:ph type="body" sz="half" idx="2"/>
+          </p:nvPr>
+        </p:nvSpPr>
+        <p:spPr>
+          <a:xfrm>
+            <a:off x="1146705" y="2249486"/>
+            <a:ext cx="5400145" cy="3541714"/>
+          </a:xfrm>
+        </p:spPr>
+        <p:txBody>
+          <a:bodyPr>
+            <a:normAutofit/>
+          </a:bodyPr>
+          <a:lstStyle/>
+          <a:p>
+            <a:r>
+              <a:rPr lang="es-ES" dirty="0"/>
+              <a:t>Se crearon 6 </a:t>
+            </a:r>
+            <a:r>
+              <a:rPr lang="es-ES" dirty="0" err="1"/>
+              <a:t>triggers</a:t>
+            </a:r>
+            <a:r>
+              <a:rPr lang="es-ES" dirty="0"/>
+              <a:t> en total con el propósito de controlar quien y cuando Inserta, Elimina o Actualiza datos:</a:t>
+            </a:r>
+          </a:p>
+          <a:p>
+            <a:pPr marL="285750" indent="-285750">
+              <a:buFont typeface="Arial" panose="020B0604020202020204" pitchFamily="34" charset="0"/>
+              <a:buChar char="•"/>
+            </a:pPr>
+            <a:r>
+              <a:rPr lang="es-AR" dirty="0" err="1"/>
+              <a:t>before_ventas_insert</a:t>
+            </a:r>
+            <a:endParaRPr lang="es-AR" dirty="0"/>
+          </a:p>
+          <a:p>
+            <a:pPr marL="285750" indent="-285750">
+              <a:buFont typeface="Arial" panose="020B0604020202020204" pitchFamily="34" charset="0"/>
+              <a:buChar char="•"/>
+            </a:pPr>
+            <a:r>
+              <a:rPr lang="es-AR" dirty="0" err="1"/>
+              <a:t>before_ventas_update</a:t>
+            </a:r>
+            <a:endParaRPr lang="es-AR" dirty="0"/>
+          </a:p>
+          <a:p>
+            <a:pPr marL="285750" indent="-285750">
+              <a:buFont typeface="Arial" panose="020B0604020202020204" pitchFamily="34" charset="0"/>
+              <a:buChar char="•"/>
+            </a:pPr>
+            <a:r>
+              <a:rPr lang="es-AR" dirty="0" err="1"/>
+              <a:t>before_ventas_delete</a:t>
+            </a:r>
+            <a:endParaRPr lang="es-AR" dirty="0"/>
+          </a:p>
+          <a:p>
+            <a:pPr marL="285750" indent="-285750">
+              <a:buFont typeface="Arial" panose="020B0604020202020204" pitchFamily="34" charset="0"/>
+              <a:buChar char="•"/>
+            </a:pPr>
+            <a:r>
+              <a:rPr lang="es-AR" dirty="0" err="1"/>
+              <a:t>after_ventas_insert</a:t>
+            </a:r>
+            <a:endParaRPr lang="es-AR" dirty="0"/>
+          </a:p>
+          <a:p>
+            <a:pPr marL="285750" indent="-285750">
+              <a:buFont typeface="Arial" panose="020B0604020202020204" pitchFamily="34" charset="0"/>
+              <a:buChar char="•"/>
+            </a:pPr>
+            <a:r>
+              <a:rPr lang="es-AR" dirty="0" err="1"/>
+              <a:t>after_ventas_update</a:t>
+            </a:r>
+            <a:endParaRPr lang="es-AR" dirty="0"/>
+          </a:p>
+          <a:p>
+            <a:pPr marL="285750" indent="-285750">
+              <a:buFont typeface="Arial" panose="020B0604020202020204" pitchFamily="34" charset="0"/>
+              <a:buChar char="•"/>
+            </a:pPr>
+            <a:r>
+              <a:rPr lang="es-AR" dirty="0" err="1"/>
+              <a:t>after_ventas_delete</a:t>
+            </a:r>
+            <a:endParaRPr lang="es-AR" dirty="0"/>
+          </a:p>
+          <a:p>
+            <a:endParaRPr lang="es-ES" dirty="0"/>
+          </a:p>
+        </p:txBody>
+      </p:sp>
+      <p:pic>
+        <p:nvPicPr>
+          <p:cNvPr id="8" name="Imagen 7">
+            <a:extLst>
+              <a:ext uri="{FF2B5EF4-FFF2-40B4-BE49-F238E27FC236}">
+                <a16:creationId xmlns:a16="http://schemas.microsoft.com/office/drawing/2014/main" id="{6C0EDC2E-03D2-E82E-EB49-A65E31C95E51}"/>
+              </a:ext>
+            </a:extLst>
+          </p:cNvPr>
+          <p:cNvPicPr>
+            <a:picLocks noChangeAspect="1"/>
+          </p:cNvPicPr>
+          <p:nvPr/>
+        </p:nvPicPr>
+        <p:blipFill>
+          <a:blip r:embed="rId2"/>
+          <a:stretch>
+            <a:fillRect/>
+          </a:stretch>
+        </p:blipFill>
+        <p:spPr>
+          <a:xfrm>
+            <a:off x="6546850" y="2249484"/>
+            <a:ext cx="4916604" cy="3420245"/>
+          </a:xfrm>
+          <a:prstGeom prst="rect">
+            <a:avLst/>
+          </a:prstGeom>
+        </p:spPr>
+      </p:pic>
+    </p:spTree>
+    <p:extLst>
+      <p:ext uri="{BB962C8B-B14F-4D97-AF65-F5344CB8AC3E}">
+        <p14:creationId xmlns:p14="http://schemas.microsoft.com/office/powerpoint/2010/main" val="4186442762"/>
+      </p:ext>
+    </p:extLst>
+  </p:cSld>
+  <p:clrMapOvr>
+    <a:masterClrMapping/>
+  </p:clrMapOvr>
+</p:sld>
+</file>
+
+<file path=ppt/slides/slide18.xml><?xml version="1.0" encoding="utf-8"?>
+<p:sld xmlns:a="http://schemas.openxmlformats.org/drawingml/2006/main" xmlns:r="http://schemas.openxmlformats.org/officeDocument/2006/relationships" xmlns:p="http://schemas.openxmlformats.org/presentationml/2006/main">
+  <p:cSld>
+    <p:spTree>
+      <p:nvGrpSpPr>
+        <p:cNvPr id="1" name=""/>
+        <p:cNvGrpSpPr/>
+        <p:nvPr/>
+      </p:nvGrpSpPr>
+      <p:grpSpPr>
+        <a:xfrm>
+          <a:off x="0" y="0"/>
+          <a:ext cx="0" cy="0"/>
+          <a:chOff x="0" y="0"/>
+          <a:chExt cx="0" cy="0"/>
+        </a:xfrm>
+      </p:grpSpPr>
+      <p:sp>
+        <p:nvSpPr>
+          <p:cNvPr id="2" name="Título 1">
+            <a:extLst>
+              <a:ext uri="{FF2B5EF4-FFF2-40B4-BE49-F238E27FC236}">
+                <a16:creationId xmlns:a16="http://schemas.microsoft.com/office/drawing/2014/main" id="{84CEFFB9-E2D8-9B57-5CC8-72CCBFFB8A0D}"/>
+              </a:ext>
+            </a:extLst>
+          </p:cNvPr>
+          <p:cNvSpPr>
+            <a:spLocks noGrp="1"/>
+          </p:cNvSpPr>
+          <p:nvPr>
+            <p:ph type="title"/>
+          </p:nvPr>
+        </p:nvSpPr>
+        <p:spPr/>
+        <p:txBody>
+          <a:bodyPr/>
+          <a:lstStyle/>
+          <a:p>
+            <a:r>
+              <a:rPr lang="es-419" dirty="0"/>
+              <a:t>H</a:t>
+            </a:r>
+            <a:r>
+              <a:rPr lang="es-AR" dirty="0" err="1"/>
+              <a:t>erramientas</a:t>
+            </a:r>
+            <a:endParaRPr lang="es-AR" dirty="0"/>
+          </a:p>
+        </p:txBody>
+      </p:sp>
+      <p:sp>
+        <p:nvSpPr>
+          <p:cNvPr id="4" name="Marcador de texto 3">
+            <a:extLst>
+              <a:ext uri="{FF2B5EF4-FFF2-40B4-BE49-F238E27FC236}">
+                <a16:creationId xmlns:a16="http://schemas.microsoft.com/office/drawing/2014/main" id="{B7522CA2-B26C-18A0-1BA6-055728C661C1}"/>
+              </a:ext>
+            </a:extLst>
+          </p:cNvPr>
+          <p:cNvSpPr>
+            <a:spLocks noGrp="1"/>
+          </p:cNvSpPr>
+          <p:nvPr>
+            <p:ph type="body" sz="half" idx="2"/>
+          </p:nvPr>
+        </p:nvSpPr>
+        <p:spPr>
+          <a:xfrm>
+            <a:off x="1146705" y="2249486"/>
+            <a:ext cx="5400145" cy="3541714"/>
+          </a:xfrm>
+        </p:spPr>
+        <p:txBody>
+          <a:bodyPr>
+            <a:normAutofit/>
+          </a:bodyPr>
+          <a:lstStyle/>
+          <a:p>
+            <a:r>
+              <a:rPr lang="es-419" dirty="0"/>
+              <a:t>Las Herramientas utilizadas en este proyecto fueron:</a:t>
+            </a:r>
+          </a:p>
+          <a:p>
+            <a:r>
+              <a:rPr lang="es-419" dirty="0"/>
+              <a:t>Herramienta visual de diseño de bases de datos.</a:t>
+            </a:r>
+          </a:p>
+          <a:p>
+            <a:r>
+              <a:rPr lang="es-419" dirty="0"/>
+              <a:t>	MySQL </a:t>
+            </a:r>
+            <a:r>
+              <a:rPr lang="es-419" dirty="0" err="1"/>
+              <a:t>Workbench</a:t>
+            </a:r>
+            <a:endParaRPr lang="es-419" dirty="0"/>
+          </a:p>
+          <a:p>
+            <a:r>
+              <a:rPr lang="es-419" dirty="0"/>
+              <a:t>Reuniones</a:t>
+            </a:r>
+          </a:p>
+          <a:p>
+            <a:r>
+              <a:rPr lang="es-419" dirty="0"/>
+              <a:t>	Google </a:t>
+            </a:r>
+            <a:r>
+              <a:rPr lang="es-419" dirty="0" err="1"/>
+              <a:t>Meet</a:t>
+            </a:r>
+            <a:r>
+              <a:rPr lang="es-419" dirty="0"/>
+              <a:t>, Zoom</a:t>
+            </a:r>
+          </a:p>
+          <a:p>
+            <a:r>
+              <a:rPr lang="es-419" dirty="0"/>
+              <a:t>También se utilizaron en diferentes situaciones.</a:t>
+            </a:r>
+          </a:p>
+          <a:p>
+            <a:r>
+              <a:rPr lang="es-419" dirty="0"/>
+              <a:t>	Excel, Editor de Texto, Diagram.io</a:t>
+            </a:r>
+          </a:p>
+          <a:p>
+            <a:endParaRPr lang="es-AR" dirty="0"/>
+          </a:p>
+          <a:p>
+            <a:endParaRPr lang="es-ES" dirty="0"/>
+          </a:p>
+        </p:txBody>
+      </p:sp>
+      <p:pic>
+        <p:nvPicPr>
+          <p:cNvPr id="9222" name="Picture 6" descr="Oracle MySQL Workbench / macOS High Sierra Bug Officially Fixed! - Deep in  the Code">
+            <a:extLst>
+              <a:ext uri="{FF2B5EF4-FFF2-40B4-BE49-F238E27FC236}">
+                <a16:creationId xmlns:a16="http://schemas.microsoft.com/office/drawing/2014/main" id="{992547DD-A677-3081-AAAC-D442074BCAD7}"/>
+              </a:ext>
+            </a:extLst>
+          </p:cNvPr>
+          <p:cNvPicPr>
+            <a:picLocks noChangeAspect="1" noChangeArrowheads="1"/>
+          </p:cNvPicPr>
+          <p:nvPr/>
+        </p:nvPicPr>
+        <p:blipFill>
+          <a:blip r:embed="rId3">
+            <a:extLst>
+              <a:ext uri="{28A0092B-C50C-407E-A947-70E740481C1C}">
+                <a14:useLocalDpi xmlns:a14="http://schemas.microsoft.com/office/drawing/2010/main" val="0"/>
+              </a:ext>
+            </a:extLst>
+          </a:blip>
+          <a:srcRect/>
+          <a:stretch>
+            <a:fillRect/>
+          </a:stretch>
+        </p:blipFill>
+        <p:spPr bwMode="auto">
+          <a:xfrm>
+            <a:off x="5591175" y="609601"/>
+            <a:ext cx="3117927" cy="1807125"/>
+          </a:xfrm>
+          <a:prstGeom prst="rect">
+            <a:avLst/>
+          </a:prstGeom>
+          <a:noFill/>
+          <a:extLst>
+            <a:ext uri="{909E8E84-426E-40DD-AFC4-6F175D3DCCD1}">
+              <a14:hiddenFill xmlns:a14="http://schemas.microsoft.com/office/drawing/2010/main">
+                <a:solidFill>
+                  <a:srgbClr val="FFFFFF"/>
+                </a:solidFill>
+              </a14:hiddenFill>
+            </a:ext>
+          </a:extLst>
+        </p:spPr>
+      </p:pic>
+      <p:pic>
+        <p:nvPicPr>
+          <p:cNvPr id="9224" name="Picture 8" descr="Google Meet Logo - PNG y Vector">
+            <a:extLst>
+              <a:ext uri="{FF2B5EF4-FFF2-40B4-BE49-F238E27FC236}">
+                <a16:creationId xmlns:a16="http://schemas.microsoft.com/office/drawing/2014/main" id="{B225CDC5-59F6-843B-F0C5-B4322C7A4BDE}"/>
+              </a:ext>
+            </a:extLst>
+          </p:cNvPr>
+          <p:cNvPicPr>
+            <a:picLocks noChangeAspect="1" noChangeArrowheads="1"/>
+          </p:cNvPicPr>
+          <p:nvPr/>
+        </p:nvPicPr>
+        <p:blipFill>
+          <a:blip r:embed="rId4">
+            <a:extLst>
+              <a:ext uri="{28A0092B-C50C-407E-A947-70E740481C1C}">
+                <a14:useLocalDpi xmlns:a14="http://schemas.microsoft.com/office/drawing/2010/main" val="0"/>
+              </a:ext>
+            </a:extLst>
+          </a:blip>
+          <a:srcRect/>
+          <a:stretch>
+            <a:fillRect/>
+          </a:stretch>
+        </p:blipFill>
+        <p:spPr bwMode="auto">
+          <a:xfrm>
+            <a:off x="9297535" y="1688365"/>
+            <a:ext cx="2143125" cy="2143125"/>
+          </a:xfrm>
+          <a:prstGeom prst="rect">
+            <a:avLst/>
+          </a:prstGeom>
+          <a:noFill/>
+          <a:extLst>
+            <a:ext uri="{909E8E84-426E-40DD-AFC4-6F175D3DCCD1}">
+              <a14:hiddenFill xmlns:a14="http://schemas.microsoft.com/office/drawing/2010/main">
+                <a:solidFill>
+                  <a:srgbClr val="FFFFFF"/>
+                </a:solidFill>
+              </a14:hiddenFill>
+            </a:ext>
+          </a:extLst>
+        </p:spPr>
+      </p:pic>
+      <p:pic>
+        <p:nvPicPr>
+          <p:cNvPr id="9228" name="Picture 12" descr="Zoom Controles de seguridad de videoconferencia - Asuntos de Internet">
+            <a:extLst>
+              <a:ext uri="{FF2B5EF4-FFF2-40B4-BE49-F238E27FC236}">
+                <a16:creationId xmlns:a16="http://schemas.microsoft.com/office/drawing/2014/main" id="{EDDFA680-419D-A118-339C-CBDB82A53312}"/>
+              </a:ext>
+            </a:extLst>
+          </p:cNvPr>
+          <p:cNvPicPr>
+            <a:picLocks noChangeAspect="1" noChangeArrowheads="1"/>
+          </p:cNvPicPr>
+          <p:nvPr/>
+        </p:nvPicPr>
+        <p:blipFill rotWithShape="1">
+          <a:blip r:embed="rId5">
+            <a:extLst>
+              <a:ext uri="{28A0092B-C50C-407E-A947-70E740481C1C}">
+                <a14:useLocalDpi xmlns:a14="http://schemas.microsoft.com/office/drawing/2010/main" val="0"/>
+              </a:ext>
+            </a:extLst>
+          </a:blip>
+          <a:srcRect l="31989" r="30160"/>
+          <a:stretch/>
+        </p:blipFill>
+        <p:spPr bwMode="auto">
+          <a:xfrm>
+            <a:off x="6271668" y="2651656"/>
+            <a:ext cx="2119977" cy="2938705"/>
+          </a:xfrm>
+          <a:prstGeom prst="rect">
+            <a:avLst/>
+          </a:prstGeom>
+          <a:noFill/>
+          <a:extLst>
+            <a:ext uri="{909E8E84-426E-40DD-AFC4-6F175D3DCCD1}">
+              <a14:hiddenFill xmlns:a14="http://schemas.microsoft.com/office/drawing/2010/main">
+                <a:solidFill>
+                  <a:srgbClr val="FFFFFF"/>
+                </a:solidFill>
+              </a14:hiddenFill>
+            </a:ext>
+          </a:extLst>
+        </p:spPr>
+      </p:pic>
+      <p:pic>
+        <p:nvPicPr>
+          <p:cNvPr id="9230" name="Picture 14" descr="Excel Logo PNG Images, Free Transparent Excel Logo Download - KindPNG">
+            <a:extLst>
+              <a:ext uri="{FF2B5EF4-FFF2-40B4-BE49-F238E27FC236}">
+                <a16:creationId xmlns:a16="http://schemas.microsoft.com/office/drawing/2014/main" id="{04432A2A-DC19-B44A-393B-023703D5E7A9}"/>
+              </a:ext>
+            </a:extLst>
+          </p:cNvPr>
+          <p:cNvPicPr>
+            <a:picLocks noChangeAspect="1" noChangeArrowheads="1"/>
+          </p:cNvPicPr>
+          <p:nvPr/>
+        </p:nvPicPr>
+        <p:blipFill>
+          <a:blip r:embed="rId6">
+            <a:extLst>
+              <a:ext uri="{28A0092B-C50C-407E-A947-70E740481C1C}">
+                <a14:useLocalDpi xmlns:a14="http://schemas.microsoft.com/office/drawing/2010/main" val="0"/>
+              </a:ext>
+            </a:extLst>
+          </a:blip>
+          <a:srcRect/>
+          <a:stretch>
+            <a:fillRect/>
+          </a:stretch>
+        </p:blipFill>
+        <p:spPr bwMode="auto">
+          <a:xfrm>
+            <a:off x="8709102" y="4195928"/>
+            <a:ext cx="2381250" cy="1333500"/>
+          </a:xfrm>
+          <a:prstGeom prst="rect">
+            <a:avLst/>
+          </a:prstGeom>
+          <a:noFill/>
+          <a:extLst>
+            <a:ext uri="{909E8E84-426E-40DD-AFC4-6F175D3DCCD1}">
+              <a14:hiddenFill xmlns:a14="http://schemas.microsoft.com/office/drawing/2010/main">
+                <a:solidFill>
+                  <a:srgbClr val="FFFFFF"/>
+                </a:solidFill>
+              </a14:hiddenFill>
+            </a:ext>
+          </a:extLst>
+        </p:spPr>
+      </p:pic>
+      <p:pic>
+        <p:nvPicPr>
+          <p:cNvPr id="9232" name="Picture 16" descr="draw.io | Flow chart, Org chart, Open house real estate">
+            <a:extLst>
+              <a:ext uri="{FF2B5EF4-FFF2-40B4-BE49-F238E27FC236}">
+                <a16:creationId xmlns:a16="http://schemas.microsoft.com/office/drawing/2014/main" id="{0FC9DAD4-9D89-F137-698B-FA373FD5849E}"/>
+              </a:ext>
+            </a:extLst>
+          </p:cNvPr>
+          <p:cNvPicPr>
+            <a:picLocks noChangeAspect="1" noChangeArrowheads="1"/>
+          </p:cNvPicPr>
+          <p:nvPr/>
+        </p:nvPicPr>
+        <p:blipFill>
+          <a:blip r:embed="rId7">
+            <a:extLst>
+              <a:ext uri="{28A0092B-C50C-407E-A947-70E740481C1C}">
+                <a14:useLocalDpi xmlns:a14="http://schemas.microsoft.com/office/drawing/2010/main" val="0"/>
+              </a:ext>
+            </a:extLst>
+          </a:blip>
+          <a:srcRect/>
+          <a:stretch>
+            <a:fillRect/>
+          </a:stretch>
+        </p:blipFill>
+        <p:spPr bwMode="auto">
+          <a:xfrm>
+            <a:off x="1349298" y="5349365"/>
+            <a:ext cx="4746702" cy="1198785"/>
+          </a:xfrm>
+          <a:prstGeom prst="rect">
+            <a:avLst/>
+          </a:prstGeom>
+          <a:noFill/>
+          <a:extLst>
+            <a:ext uri="{909E8E84-426E-40DD-AFC4-6F175D3DCCD1}">
+              <a14:hiddenFill xmlns:a14="http://schemas.microsoft.com/office/drawing/2010/main">
+                <a:solidFill>
+                  <a:srgbClr val="FFFFFF"/>
+                </a:solidFill>
+              </a14:hiddenFill>
+            </a:ext>
+          </a:extLst>
+        </p:spPr>
+      </p:pic>
+    </p:spTree>
+    <p:extLst>
+      <p:ext uri="{BB962C8B-B14F-4D97-AF65-F5344CB8AC3E}">
+        <p14:creationId xmlns:p14="http://schemas.microsoft.com/office/powerpoint/2010/main" val="4001769595"/>
+      </p:ext>
+    </p:extLst>
+  </p:cSld>
+  <p:clrMapOvr>
+    <a:masterClrMapping/>
+  </p:clrMapOvr>
+</p:sld>
+</file>
+
+<file path=ppt/slides/slide19.xml><?xml version="1.0" encoding="utf-8"?>
+<p:sld xmlns:a="http://schemas.openxmlformats.org/drawingml/2006/main" xmlns:r="http://schemas.openxmlformats.org/officeDocument/2006/relationships" xmlns:p="http://schemas.openxmlformats.org/presentationml/2006/main">
+  <p:cSld>
+    <p:spTree>
+      <p:nvGrpSpPr>
+        <p:cNvPr id="1" name=""/>
+        <p:cNvGrpSpPr/>
+        <p:nvPr/>
+      </p:nvGrpSpPr>
+      <p:grpSpPr>
+        <a:xfrm>
+          <a:off x="0" y="0"/>
+          <a:ext cx="0" cy="0"/>
+          <a:chOff x="0" y="0"/>
+          <a:chExt cx="0" cy="0"/>
+        </a:xfrm>
+      </p:grpSpPr>
+      <p:sp>
+        <p:nvSpPr>
+          <p:cNvPr id="2" name="Título 1">
+            <a:extLst>
+              <a:ext uri="{FF2B5EF4-FFF2-40B4-BE49-F238E27FC236}">
+                <a16:creationId xmlns:a16="http://schemas.microsoft.com/office/drawing/2014/main" id="{BC9E4E43-4A57-22C7-6271-D200D7DDB45A}"/>
+              </a:ext>
+            </a:extLst>
+          </p:cNvPr>
+          <p:cNvSpPr>
+            <a:spLocks noGrp="1"/>
+          </p:cNvSpPr>
+          <p:nvPr>
+            <p:ph type="title"/>
+          </p:nvPr>
+        </p:nvSpPr>
+        <p:spPr>
+          <a:xfrm>
+            <a:off x="1143001" y="2689715"/>
+            <a:ext cx="9905998" cy="1478570"/>
+          </a:xfrm>
+        </p:spPr>
+        <p:txBody>
+          <a:bodyPr>
+            <a:normAutofit/>
+          </a:bodyPr>
+          <a:lstStyle/>
+          <a:p>
+            <a:pPr algn="ctr"/>
+            <a:r>
+              <a:rPr lang="es-419" sz="4800" dirty="0"/>
+              <a:t>MUCHAS GRACIAS</a:t>
+            </a:r>
+            <a:endParaRPr lang="es-AR" sz="4800" dirty="0"/>
+          </a:p>
+        </p:txBody>
+      </p:sp>
+    </p:spTree>
+    <p:extLst>
+      <p:ext uri="{BB962C8B-B14F-4D97-AF65-F5344CB8AC3E}">
+        <p14:creationId xmlns:p14="http://schemas.microsoft.com/office/powerpoint/2010/main" val="4133583008"/>
+      </p:ext>
+    </p:extLst>
+  </p:cSld>
+  <p:clrMapOvr>
+    <a:masterClrMapping/>
+  </p:clrMapOvr>
+</p:sld>
+</file>
+
 <file path=ppt/slides/slide2.xml><?xml version="1.0" encoding="utf-8"?>
 <p:sld xmlns:a="http://schemas.openxmlformats.org/drawingml/2006/main" xmlns:r="http://schemas.openxmlformats.org/officeDocument/2006/relationships" xmlns:p="http://schemas.openxmlformats.org/presentationml/2006/main">
   <p:cSld>
@@ -12721,7 +14972,7 @@
           <p:cNvPr id="2" name="Título 1">
             <a:extLst>
               <a:ext uri="{FF2B5EF4-FFF2-40B4-BE49-F238E27FC236}">
-                <a16:creationId xmlns:a16="http://schemas.microsoft.com/office/drawing/2014/main" id="{871557A2-C05F-B77B-92A3-B823D5BA490F}"/>
+                <a16:creationId xmlns:a16="http://schemas.microsoft.com/office/drawing/2014/main" id="{7FDC6CB0-9DBF-2C1A-A135-B7013B1B208F}"/>
               </a:ext>
             </a:extLst>
           </p:cNvPr>
@@ -12732,13 +14983,18 @@
             <p:ph type="title"/>
           </p:nvPr>
         </p:nvSpPr>
-        <p:spPr/>
+        <p:spPr>
+          <a:xfrm>
+            <a:off x="1141413" y="179573"/>
+            <a:ext cx="9905998" cy="1478570"/>
+          </a:xfrm>
+        </p:spPr>
         <p:txBody>
           <a:bodyPr/>
           <a:lstStyle/>
           <a:p>
             <a:r>
-              <a:rPr lang="es-AR" dirty="0" err="1"/>
+              <a:rPr lang="en-GB" dirty="0" err="1"/>
               <a:t>Indice</a:t>
             </a:r>
             <a:endParaRPr lang="en-GB" dirty="0"/>
@@ -12750,7 +15006,7 @@
           <p:cNvPr id="3" name="Marcador de contenido 2">
             <a:extLst>
               <a:ext uri="{FF2B5EF4-FFF2-40B4-BE49-F238E27FC236}">
-                <a16:creationId xmlns:a16="http://schemas.microsoft.com/office/drawing/2014/main" id="{8B5C20DB-BCA2-5DEA-DFBA-36D37DAE46F1}"/>
+                <a16:creationId xmlns:a16="http://schemas.microsoft.com/office/drawing/2014/main" id="{541FD593-9F83-4442-7B90-1CF7D4371B71}"/>
               </a:ext>
             </a:extLst>
           </p:cNvPr>
@@ -12758,47 +15014,251 @@
             <a:spLocks noGrp="1"/>
           </p:cNvSpPr>
           <p:nvPr>
-            <p:ph sz="half" idx="1"/>
+            <p:ph idx="1"/>
           </p:nvPr>
         </p:nvSpPr>
-        <p:spPr/>
+        <p:spPr>
+          <a:xfrm>
+            <a:off x="1141412" y="1658142"/>
+            <a:ext cx="9905999" cy="4780757"/>
+          </a:xfrm>
+        </p:spPr>
         <p:txBody>
-          <a:bodyPr/>
+          <a:bodyPr>
+            <a:noAutofit/>
+          </a:bodyPr>
           <a:lstStyle/>
           <a:p>
-            <a:endParaRPr lang="en-GB"/>
-          </a:p>
-        </p:txBody>
-      </p:sp>
-      <p:sp>
-        <p:nvSpPr>
-          <p:cNvPr id="4" name="Marcador de contenido 3">
-            <a:extLst>
-              <a:ext uri="{FF2B5EF4-FFF2-40B4-BE49-F238E27FC236}">
-                <a16:creationId xmlns:a16="http://schemas.microsoft.com/office/drawing/2014/main" id="{0F6DCB84-3DDA-4FBB-FDC9-799871457DE5}"/>
-              </a:ext>
-            </a:extLst>
-          </p:cNvPr>
-          <p:cNvSpPr>
-            <a:spLocks noGrp="1"/>
-          </p:cNvSpPr>
-          <p:nvPr>
-            <p:ph sz="half" idx="2"/>
-          </p:nvPr>
-        </p:nvSpPr>
-        <p:spPr/>
-        <p:txBody>
-          <a:bodyPr/>
-          <a:lstStyle/>
-          <a:p>
-            <a:endParaRPr lang="en-GB"/>
+            <a:r>
+              <a:rPr lang="en-GB" sz="2000" dirty="0">
+                <a:hlinkClick r:id="rId2" action="ppaction://hlinksldjump"/>
+              </a:rPr>
+              <a:t>Objetivos</a:t>
+            </a:r>
+            <a:r>
+              <a:rPr lang="en-GB" sz="2000" u="sng" dirty="0">
+                <a:hlinkClick r:id="rId2" action="ppaction://hlinksldjump"/>
+              </a:rPr>
+              <a:t>                                                                                                                     </a:t>
+            </a:r>
+            <a:r>
+              <a:rPr lang="en-GB" sz="2000" dirty="0">
+                <a:hlinkClick r:id="rId2" action="ppaction://hlinksldjump"/>
+              </a:rPr>
+              <a:t>3</a:t>
+            </a:r>
+            <a:endParaRPr lang="en-GB" sz="2000" dirty="0"/>
+          </a:p>
+          <a:p>
+            <a:r>
+              <a:rPr lang="es-AR" sz="2000" dirty="0">
+                <a:hlinkClick r:id="rId3" action="ppaction://hlinksldjump"/>
+              </a:rPr>
+              <a:t>Diagrama de Tablas</a:t>
+            </a:r>
+            <a:r>
+              <a:rPr lang="en-GB" sz="2000" u="sng" dirty="0">
+                <a:hlinkClick r:id="rId3" action="ppaction://hlinksldjump"/>
+              </a:rPr>
+              <a:t>                                                                                                     </a:t>
+            </a:r>
+            <a:r>
+              <a:rPr lang="es-AR" sz="2000" dirty="0">
+                <a:hlinkClick r:id="rId3" action="ppaction://hlinksldjump"/>
+              </a:rPr>
+              <a:t>4</a:t>
+            </a:r>
+            <a:endParaRPr lang="es-AR" sz="2000" dirty="0"/>
+          </a:p>
+          <a:p>
+            <a:r>
+              <a:rPr lang="es-AR" sz="2000" dirty="0">
+                <a:hlinkClick r:id="rId4" action="ppaction://hlinksldjump"/>
+              </a:rPr>
+              <a:t>Diagrama de Entidad-</a:t>
+            </a:r>
+            <a:r>
+              <a:rPr lang="es-AR" sz="2000" dirty="0" err="1">
+                <a:hlinkClick r:id="rId4" action="ppaction://hlinksldjump"/>
+              </a:rPr>
+              <a:t>Relacion</a:t>
+            </a:r>
+            <a:r>
+              <a:rPr lang="en-GB" sz="2000" u="sng" dirty="0">
+                <a:hlinkClick r:id="rId4" action="ppaction://hlinksldjump"/>
+              </a:rPr>
+              <a:t>                                                                                      </a:t>
+            </a:r>
+            <a:r>
+              <a:rPr lang="es-AR" sz="2000" dirty="0">
+                <a:hlinkClick r:id="rId4" action="ppaction://hlinksldjump"/>
+              </a:rPr>
+              <a:t>5</a:t>
+            </a:r>
+            <a:endParaRPr lang="es-AR" sz="2000" dirty="0"/>
+          </a:p>
+          <a:p>
+            <a:r>
+              <a:rPr lang="es-AR" sz="2000" dirty="0">
+                <a:hlinkClick r:id="rId5" action="ppaction://hlinksldjump"/>
+              </a:rPr>
+              <a:t>Descripción de Tablas</a:t>
+            </a:r>
+            <a:r>
+              <a:rPr lang="en-GB" sz="2000" u="sng" dirty="0">
+                <a:hlinkClick r:id="rId5" action="ppaction://hlinksldjump"/>
+              </a:rPr>
+              <a:t>                                                                                           </a:t>
+            </a:r>
+            <a:r>
+              <a:rPr lang="es-AR" sz="2000" dirty="0">
+                <a:hlinkClick r:id="rId5" action="ppaction://hlinksldjump"/>
+              </a:rPr>
+              <a:t>6 a 13</a:t>
+            </a:r>
+            <a:endParaRPr lang="es-AR" sz="2000" dirty="0"/>
+          </a:p>
+          <a:p>
+            <a:r>
+              <a:rPr lang="es-AR" sz="2000" dirty="0">
+                <a:hlinkClick r:id="rId6" action="ppaction://hlinksldjump"/>
+              </a:rPr>
+              <a:t>Creación de Vistas</a:t>
+            </a:r>
+            <a:r>
+              <a:rPr lang="en-GB" sz="2000" u="sng" dirty="0">
+                <a:hlinkClick r:id="rId6" action="ppaction://hlinksldjump"/>
+              </a:rPr>
+              <a:t>                                                                                                     </a:t>
+            </a:r>
+            <a:r>
+              <a:rPr lang="es-AR" sz="2000" dirty="0">
+                <a:hlinkClick r:id="rId6" action="ppaction://hlinksldjump"/>
+              </a:rPr>
+              <a:t>14</a:t>
+            </a:r>
+            <a:endParaRPr lang="es-AR" sz="2000" dirty="0"/>
+          </a:p>
+          <a:p>
+            <a:r>
+              <a:rPr lang="es-AR" sz="2000" dirty="0">
+                <a:hlinkClick r:id="rId7" action="ppaction://hlinksldjump"/>
+              </a:rPr>
+              <a:t>Creación de Funciones</a:t>
+            </a:r>
+            <a:r>
+              <a:rPr lang="en-GB" sz="2000" u="sng" dirty="0">
+                <a:hlinkClick r:id="rId7" action="ppaction://hlinksldjump"/>
+              </a:rPr>
+              <a:t>                                                                                                </a:t>
+            </a:r>
+            <a:r>
+              <a:rPr lang="es-AR" sz="2000" dirty="0">
+                <a:hlinkClick r:id="rId7" action="ppaction://hlinksldjump"/>
+              </a:rPr>
+              <a:t>15</a:t>
+            </a:r>
+            <a:endParaRPr lang="es-AR" sz="2000" dirty="0"/>
+          </a:p>
+          <a:p>
+            <a:r>
+              <a:rPr lang="es-AR" sz="2000" dirty="0">
+                <a:hlinkClick r:id="rId8" action="ppaction://hlinksldjump"/>
+              </a:rPr>
+              <a:t>Creación de </a:t>
+            </a:r>
+            <a:r>
+              <a:rPr lang="es-AR" sz="2000" dirty="0" err="1">
+                <a:hlinkClick r:id="rId8" action="ppaction://hlinksldjump"/>
+              </a:rPr>
+              <a:t>Stored</a:t>
+            </a:r>
+            <a:r>
+              <a:rPr lang="es-AR" sz="2000" dirty="0">
+                <a:hlinkClick r:id="rId8" action="ppaction://hlinksldjump"/>
+              </a:rPr>
+              <a:t> </a:t>
+            </a:r>
+            <a:r>
+              <a:rPr lang="es-AR" sz="2000" dirty="0" err="1">
+                <a:hlinkClick r:id="rId8" action="ppaction://hlinksldjump"/>
+              </a:rPr>
+              <a:t>Procedures</a:t>
+            </a:r>
+            <a:r>
+              <a:rPr lang="en-GB" sz="2000" u="sng" dirty="0">
+                <a:hlinkClick r:id="rId8" action="ppaction://hlinksldjump"/>
+              </a:rPr>
+              <a:t>                                                                                   </a:t>
+            </a:r>
+            <a:r>
+              <a:rPr lang="es-AR" sz="2000" dirty="0">
+                <a:hlinkClick r:id="rId8" action="ppaction://hlinksldjump"/>
+              </a:rPr>
+              <a:t>16</a:t>
+            </a:r>
+            <a:endParaRPr lang="es-AR" sz="2000" dirty="0"/>
+          </a:p>
+          <a:p>
+            <a:r>
+              <a:rPr lang="es-AR" sz="2000" dirty="0">
+                <a:hlinkClick r:id="rId9" action="ppaction://hlinksldjump"/>
+              </a:rPr>
+              <a:t>Creación de </a:t>
+            </a:r>
+            <a:r>
+              <a:rPr lang="es-AR" sz="2000" dirty="0" err="1">
+                <a:hlinkClick r:id="rId9" action="ppaction://hlinksldjump"/>
+              </a:rPr>
+              <a:t>Triggers</a:t>
+            </a:r>
+            <a:r>
+              <a:rPr lang="en-GB" sz="2000" u="sng" dirty="0">
+                <a:hlinkClick r:id="rId9" action="ppaction://hlinksldjump"/>
+              </a:rPr>
+              <a:t>                                                                                                  </a:t>
+            </a:r>
+            <a:r>
+              <a:rPr lang="es-AR" sz="2000" dirty="0">
+                <a:hlinkClick r:id="rId9" action="ppaction://hlinksldjump"/>
+              </a:rPr>
+              <a:t>17</a:t>
+            </a:r>
+            <a:endParaRPr lang="es-ES" sz="2000" dirty="0"/>
+          </a:p>
+          <a:p>
+            <a:r>
+              <a:rPr lang="es-419" sz="2000" dirty="0">
+                <a:hlinkClick r:id="rId10" action="ppaction://hlinksldjump"/>
+              </a:rPr>
+              <a:t>H</a:t>
+            </a:r>
+            <a:r>
+              <a:rPr lang="es-AR" sz="2000" dirty="0" err="1">
+                <a:hlinkClick r:id="rId10" action="ppaction://hlinksldjump"/>
+              </a:rPr>
+              <a:t>erramientas</a:t>
+            </a:r>
+            <a:r>
+              <a:rPr lang="en-GB" sz="2000" u="sng" dirty="0">
+                <a:hlinkClick r:id="rId10" action="ppaction://hlinksldjump"/>
+              </a:rPr>
+              <a:t>                                                                                                             </a:t>
+            </a:r>
+            <a:r>
+              <a:rPr lang="es-AR" sz="2000" dirty="0">
+                <a:hlinkClick r:id="rId10" action="ppaction://hlinksldjump"/>
+              </a:rPr>
+              <a:t>18</a:t>
+            </a:r>
+            <a:endParaRPr lang="es-AR" sz="3200" dirty="0"/>
           </a:p>
         </p:txBody>
       </p:sp>
     </p:spTree>
     <p:extLst>
       <p:ext uri="{BB962C8B-B14F-4D97-AF65-F5344CB8AC3E}">
-        <p14:creationId xmlns:p14="http://schemas.microsoft.com/office/powerpoint/2010/main" val="3073869199"/>
+        <p14:creationId xmlns:p14="http://schemas.microsoft.com/office/powerpoint/2010/main" val="2315400943"/>
       </p:ext>
     </p:extLst>
   </p:cSld>
@@ -12847,10 +15307,9 @@
           <a:lstStyle/>
           <a:p>
             <a:r>
-              <a:rPr lang="en-GB" dirty="0" err="1"/>
+              <a:rPr lang="en-GB" dirty="0"/>
               <a:t>Objetivos</a:t>
             </a:r>
-            <a:endParaRPr lang="en-GB" dirty="0"/>
           </a:p>
         </p:txBody>
       </p:sp>
@@ -12903,7 +15362,7 @@
     </p:spTree>
     <p:extLst>
       <p:ext uri="{BB962C8B-B14F-4D97-AF65-F5344CB8AC3E}">
-        <p14:creationId xmlns:p14="http://schemas.microsoft.com/office/powerpoint/2010/main" val="2315400943"/>
+        <p14:creationId xmlns:p14="http://schemas.microsoft.com/office/powerpoint/2010/main" val="3447718502"/>
       </p:ext>
     </p:extLst>
   </p:cSld>
@@ -12960,13 +15419,8 @@
           <a:p>
             <a:r>
               <a:rPr lang="es-AR" dirty="0"/>
-              <a:t>Diagrama Entidad </a:t>
-            </a:r>
-            <a:r>
-              <a:rPr lang="es-AR" dirty="0" err="1"/>
-              <a:t>Relacion</a:t>
-            </a:r>
-            <a:endParaRPr lang="es-AR" dirty="0"/>
+              <a:t>Diagrama de Tablas</a:t>
+            </a:r>
           </a:p>
         </p:txBody>
       </p:sp>
@@ -13060,7 +15514,7 @@
           <p:cNvPr id="2" name="Título 1">
             <a:extLst>
               <a:ext uri="{FF2B5EF4-FFF2-40B4-BE49-F238E27FC236}">
-                <a16:creationId xmlns:a16="http://schemas.microsoft.com/office/drawing/2014/main" id="{84CEFFB9-E2D8-9B57-5CC8-72CCBFFB8A0D}"/>
+                <a16:creationId xmlns:a16="http://schemas.microsoft.com/office/drawing/2014/main" id="{1D6B2FE9-BB1F-370D-CDEC-3BC1CC3E63D2}"/>
               </a:ext>
             </a:extLst>
           </p:cNvPr>
@@ -13071,59 +15525,36 @@
             <p:ph type="title"/>
           </p:nvPr>
         </p:nvSpPr>
-        <p:spPr/>
+        <p:spPr>
+          <a:xfrm>
+            <a:off x="1141413" y="0"/>
+            <a:ext cx="9905998" cy="1066798"/>
+          </a:xfrm>
+        </p:spPr>
         <p:txBody>
-          <a:bodyPr/>
+          <a:bodyPr>
+            <a:normAutofit/>
+          </a:bodyPr>
           <a:lstStyle/>
           <a:p>
             <a:r>
               <a:rPr lang="es-AR" dirty="0"/>
-              <a:t>Creación de Vistas.</a:t>
-            </a:r>
+              <a:t>Diagrama de Entidad-</a:t>
+            </a:r>
+            <a:r>
+              <a:rPr lang="es-AR" dirty="0" err="1"/>
+              <a:t>Relacion</a:t>
+            </a:r>
+            <a:endParaRPr lang="es-AR" dirty="0"/>
           </a:p>
         </p:txBody>
       </p:sp>
-      <p:pic>
-        <p:nvPicPr>
-          <p:cNvPr id="8" name="Marcador de contenido 7" descr="Interfaz de usuario gráfica, Texto, Aplicación">
+      <p:sp>
+        <p:nvSpPr>
+          <p:cNvPr id="7" name="Marcador de contenido 6">
             <a:extLst>
               <a:ext uri="{FF2B5EF4-FFF2-40B4-BE49-F238E27FC236}">
-                <a16:creationId xmlns:a16="http://schemas.microsoft.com/office/drawing/2014/main" id="{A454E994-6072-BE6E-CFEA-328868C8B42B}"/>
-              </a:ext>
-            </a:extLst>
-          </p:cNvPr>
-          <p:cNvPicPr>
-            <a:picLocks noGrp="1" noChangeAspect="1"/>
-          </p:cNvPicPr>
-          <p:nvPr>
-            <p:ph idx="1"/>
-          </p:nvPr>
-        </p:nvPicPr>
-        <p:blipFill>
-          <a:blip r:embed="rId2">
-            <a:extLst>
-              <a:ext uri="{28A0092B-C50C-407E-A947-70E740481C1C}">
-                <a14:useLocalDpi xmlns:a14="http://schemas.microsoft.com/office/drawing/2010/main" val="0"/>
-              </a:ext>
-            </a:extLst>
-          </a:blip>
-          <a:stretch>
-            <a:fillRect/>
-          </a:stretch>
-        </p:blipFill>
-        <p:spPr>
-          <a:xfrm>
-            <a:off x="5612273" y="2324854"/>
-            <a:ext cx="5759845" cy="3637796"/>
-          </a:xfrm>
-        </p:spPr>
-      </p:pic>
-      <p:sp>
-        <p:nvSpPr>
-          <p:cNvPr id="4" name="Marcador de texto 3">
-            <a:extLst>
-              <a:ext uri="{FF2B5EF4-FFF2-40B4-BE49-F238E27FC236}">
-                <a16:creationId xmlns:a16="http://schemas.microsoft.com/office/drawing/2014/main" id="{B7522CA2-B26C-18A0-1BA6-055728C661C1}"/>
+                <a16:creationId xmlns:a16="http://schemas.microsoft.com/office/drawing/2014/main" id="{9EF53AEB-CBD6-AFD9-CB48-07EDEE50AFF0}"/>
               </a:ext>
             </a:extLst>
           </p:cNvPr>
@@ -13131,82 +15562,52 @@
             <a:spLocks noGrp="1"/>
           </p:cNvSpPr>
           <p:nvPr>
-            <p:ph type="body" sz="half" idx="2"/>
+            <p:ph idx="1"/>
           </p:nvPr>
         </p:nvSpPr>
         <p:spPr/>
         <p:txBody>
-          <a:bodyPr>
-            <a:normAutofit/>
-          </a:bodyPr>
+          <a:bodyPr/>
           <a:lstStyle/>
           <a:p>
-            <a:r>
-              <a:rPr lang="es-ES" dirty="0"/>
-              <a:t>Se crearon cinco vistas con el objetivo de unir algunos campos de tablas específicas para mostrar resultados que brinden una información más detallada.</a:t>
-            </a:r>
-          </a:p>
-          <a:p>
-            <a:pPr marL="285750" indent="-285750">
-              <a:buFont typeface="Arial" panose="020B0604020202020204" pitchFamily="34" charset="0"/>
-              <a:buChar char="•"/>
-            </a:pPr>
-            <a:r>
-              <a:rPr lang="es-AR" dirty="0" err="1"/>
-              <a:t>localidades_de_provincia</a:t>
-            </a:r>
-            <a:endParaRPr lang="es-AR" dirty="0"/>
-          </a:p>
-          <a:p>
-            <a:pPr marL="285750" indent="-285750">
-              <a:buFont typeface="Arial" panose="020B0604020202020204" pitchFamily="34" charset="0"/>
-              <a:buChar char="•"/>
-            </a:pPr>
-            <a:r>
-              <a:rPr lang="es-AR" dirty="0" err="1"/>
-              <a:t>lista_de_empleados</a:t>
-            </a:r>
-            <a:endParaRPr lang="es-AR" dirty="0"/>
-          </a:p>
-          <a:p>
-            <a:pPr marL="285750" indent="-285750">
-              <a:buFont typeface="Arial" panose="020B0604020202020204" pitchFamily="34" charset="0"/>
-              <a:buChar char="•"/>
-            </a:pPr>
-            <a:r>
-              <a:rPr lang="es-AR" dirty="0" err="1"/>
-              <a:t>productos_por_rubro</a:t>
-            </a:r>
-            <a:endParaRPr lang="es-AR" dirty="0"/>
-          </a:p>
-          <a:p>
-            <a:pPr marL="285750" indent="-285750">
-              <a:buFont typeface="Arial" panose="020B0604020202020204" pitchFamily="34" charset="0"/>
-              <a:buChar char="•"/>
-            </a:pPr>
-            <a:r>
-              <a:rPr lang="es-AR" dirty="0" err="1"/>
-              <a:t>lista_de_locales</a:t>
-            </a:r>
-            <a:endParaRPr lang="es-AR" dirty="0"/>
-          </a:p>
-          <a:p>
-            <a:pPr marL="285750" indent="-285750">
-              <a:buFont typeface="Arial" panose="020B0604020202020204" pitchFamily="34" charset="0"/>
-              <a:buChar char="•"/>
-            </a:pPr>
-            <a:r>
-              <a:rPr lang="es-AR" dirty="0" err="1"/>
-              <a:t>lista_de_clientes</a:t>
-            </a:r>
-            <a:endParaRPr lang="es-AR" dirty="0"/>
+            <a:endParaRPr lang="es-AR"/>
           </a:p>
         </p:txBody>
       </p:sp>
+      <p:pic>
+        <p:nvPicPr>
+          <p:cNvPr id="4" name="Imagen 3">
+            <a:extLst>
+              <a:ext uri="{FF2B5EF4-FFF2-40B4-BE49-F238E27FC236}">
+                <a16:creationId xmlns:a16="http://schemas.microsoft.com/office/drawing/2014/main" id="{70CCEF77-3383-8FBF-20F3-9BC09EB3D8BC}"/>
+              </a:ext>
+            </a:extLst>
+          </p:cNvPr>
+          <p:cNvPicPr>
+            <a:picLocks noChangeAspect="1"/>
+          </p:cNvPicPr>
+          <p:nvPr/>
+        </p:nvPicPr>
+        <p:blipFill>
+          <a:blip r:embed="rId2"/>
+          <a:stretch>
+            <a:fillRect/>
+          </a:stretch>
+        </p:blipFill>
+        <p:spPr>
+          <a:xfrm>
+            <a:off x="0" y="728999"/>
+            <a:ext cx="12192000" cy="6141087"/>
+          </a:xfrm>
+          <a:prstGeom prst="rect">
+            <a:avLst/>
+          </a:prstGeom>
+        </p:spPr>
+      </p:pic>
     </p:spTree>
     <p:extLst>
       <p:ext uri="{BB962C8B-B14F-4D97-AF65-F5344CB8AC3E}">
-        <p14:creationId xmlns:p14="http://schemas.microsoft.com/office/powerpoint/2010/main" val="1628810498"/>
+        <p14:creationId xmlns:p14="http://schemas.microsoft.com/office/powerpoint/2010/main" val="177445332"/>
       </p:ext>
     </p:extLst>
   </p:cSld>
@@ -13238,7 +15639,7 @@
           <p:cNvPr id="2" name="Título 1">
             <a:extLst>
               <a:ext uri="{FF2B5EF4-FFF2-40B4-BE49-F238E27FC236}">
-                <a16:creationId xmlns:a16="http://schemas.microsoft.com/office/drawing/2014/main" id="{84CEFFB9-E2D8-9B57-5CC8-72CCBFFB8A0D}"/>
+                <a16:creationId xmlns:a16="http://schemas.microsoft.com/office/drawing/2014/main" id="{1D6B2FE9-BB1F-370D-CDEC-3BC1CC3E63D2}"/>
               </a:ext>
             </a:extLst>
           </p:cNvPr>
@@ -13249,38 +15650,10 @@
             <p:ph type="title"/>
           </p:nvPr>
         </p:nvSpPr>
-        <p:spPr/>
-        <p:txBody>
-          <a:bodyPr/>
-          <a:lstStyle/>
-          <a:p>
-            <a:r>
-              <a:rPr lang="es-AR" dirty="0"/>
-              <a:t>Creación de Funciones.</a:t>
-            </a:r>
-          </a:p>
-        </p:txBody>
-      </p:sp>
-      <p:sp>
-        <p:nvSpPr>
-          <p:cNvPr id="4" name="Marcador de texto 3">
-            <a:extLst>
-              <a:ext uri="{FF2B5EF4-FFF2-40B4-BE49-F238E27FC236}">
-                <a16:creationId xmlns:a16="http://schemas.microsoft.com/office/drawing/2014/main" id="{B7522CA2-B26C-18A0-1BA6-055728C661C1}"/>
-              </a:ext>
-            </a:extLst>
-          </p:cNvPr>
-          <p:cNvSpPr>
-            <a:spLocks noGrp="1"/>
-          </p:cNvSpPr>
-          <p:nvPr>
-            <p:ph type="body" sz="half" idx="2"/>
-          </p:nvPr>
-        </p:nvSpPr>
         <p:spPr>
           <a:xfrm>
-            <a:off x="1146705" y="2249486"/>
-            <a:ext cx="5400145" cy="3541714"/>
+            <a:off x="1141413" y="0"/>
+            <a:ext cx="9905998" cy="1066798"/>
           </a:xfrm>
         </p:spPr>
         <p:txBody>
@@ -13290,87 +15663,18 @@
           <a:lstStyle/>
           <a:p>
             <a:r>
-              <a:rPr lang="es-ES" dirty="0"/>
-              <a:t>Se crearon 4 funciones con el objetivo de generar información para la inserción y obtener información de los locales.</a:t>
-            </a:r>
-          </a:p>
-          <a:p>
-            <a:pPr marL="285750" indent="-285750">
-              <a:buFont typeface="Arial" panose="020B0604020202020204" pitchFamily="34" charset="0"/>
-              <a:buChar char="•"/>
-            </a:pPr>
-            <a:r>
-              <a:rPr lang="es-AR" dirty="0" err="1"/>
-              <a:t>locales_con_mas_ventas</a:t>
-            </a:r>
-            <a:r>
               <a:rPr lang="es-AR" dirty="0"/>
-              <a:t>: Obtiene cuantos locales vendieron mas de x en un día determinado.</a:t>
-            </a:r>
-          </a:p>
-          <a:p>
-            <a:pPr marL="285750" indent="-285750">
-              <a:buFont typeface="Arial" panose="020B0604020202020204" pitchFamily="34" charset="0"/>
-              <a:buChar char="•"/>
-            </a:pPr>
-            <a:r>
-              <a:rPr lang="es-AR" dirty="0" err="1"/>
-              <a:t>random_date</a:t>
-            </a:r>
-            <a:r>
-              <a:rPr lang="es-AR" dirty="0"/>
-              <a:t>: Genera una fecha aleatoria acotada entre dos días.</a:t>
-            </a:r>
-          </a:p>
-          <a:p>
-            <a:pPr marL="285750" indent="-285750">
-              <a:buFont typeface="Arial" panose="020B0604020202020204" pitchFamily="34" charset="0"/>
-              <a:buChar char="•"/>
-            </a:pPr>
-            <a:r>
-              <a:rPr lang="es-AR" dirty="0" err="1"/>
-              <a:t>random_decimal</a:t>
-            </a:r>
-            <a:r>
-              <a:rPr lang="es-AR" dirty="0"/>
-              <a:t>: Genera un </a:t>
-            </a:r>
-            <a:r>
-              <a:rPr lang="es-AR" dirty="0" err="1"/>
-              <a:t>numerodecimal</a:t>
-            </a:r>
-            <a:r>
-              <a:rPr lang="es-AR" dirty="0"/>
-              <a:t> entre 2 números de 2 decimales.</a:t>
-            </a:r>
-          </a:p>
-          <a:p>
-            <a:pPr marL="285750" indent="-285750">
-              <a:buFont typeface="Arial" panose="020B0604020202020204" pitchFamily="34" charset="0"/>
-              <a:buChar char="•"/>
-            </a:pPr>
-            <a:r>
-              <a:rPr lang="es-AR" dirty="0" err="1"/>
-              <a:t>ventas_por_día</a:t>
-            </a:r>
-            <a:r>
-              <a:rPr lang="es-AR" dirty="0"/>
-              <a:t>: Obtiene cuantas ventas realizo un local en un </a:t>
-            </a:r>
-            <a:r>
-              <a:rPr lang="es-AR"/>
-              <a:t>día determinado.</a:t>
-            </a:r>
-            <a:endParaRPr lang="es-AR" dirty="0"/>
+              <a:t>descripción de tablas</a:t>
+            </a:r>
           </a:p>
         </p:txBody>
       </p:sp>
       <p:pic>
         <p:nvPicPr>
-          <p:cNvPr id="5" name="Imagen 4">
+          <p:cNvPr id="14" name="Imagen 13">
             <a:extLst>
               <a:ext uri="{FF2B5EF4-FFF2-40B4-BE49-F238E27FC236}">
-                <a16:creationId xmlns:a16="http://schemas.microsoft.com/office/drawing/2014/main" id="{B3510A4A-0E4B-8BA0-ABF6-0846A24384EA}"/>
+                <a16:creationId xmlns:a16="http://schemas.microsoft.com/office/drawing/2014/main" id="{89EA579D-BEE2-FA99-3133-610BBE06EC2D}"/>
               </a:ext>
             </a:extLst>
           </p:cNvPr>
@@ -13387,8 +15691,68 @@
         </p:blipFill>
         <p:spPr>
           <a:xfrm>
-            <a:off x="6546850" y="2299492"/>
-            <a:ext cx="4598754" cy="2570958"/>
+            <a:off x="1141412" y="1066797"/>
+            <a:ext cx="10282489" cy="1149869"/>
+          </a:xfrm>
+          <a:prstGeom prst="rect">
+            <a:avLst/>
+          </a:prstGeom>
+        </p:spPr>
+      </p:pic>
+      <p:pic>
+        <p:nvPicPr>
+          <p:cNvPr id="16" name="Imagen 15">
+            <a:extLst>
+              <a:ext uri="{FF2B5EF4-FFF2-40B4-BE49-F238E27FC236}">
+                <a16:creationId xmlns:a16="http://schemas.microsoft.com/office/drawing/2014/main" id="{F187B169-4677-6651-1AD5-89888A565CBB}"/>
+              </a:ext>
+            </a:extLst>
+          </p:cNvPr>
+          <p:cNvPicPr>
+            <a:picLocks noChangeAspect="1"/>
+          </p:cNvPicPr>
+          <p:nvPr/>
+        </p:nvPicPr>
+        <p:blipFill>
+          <a:blip r:embed="rId3"/>
+          <a:stretch>
+            <a:fillRect/>
+          </a:stretch>
+        </p:blipFill>
+        <p:spPr>
+          <a:xfrm>
+            <a:off x="1141411" y="2543829"/>
+            <a:ext cx="10265813" cy="1381299"/>
+          </a:xfrm>
+          <a:prstGeom prst="rect">
+            <a:avLst/>
+          </a:prstGeom>
+        </p:spPr>
+      </p:pic>
+      <p:pic>
+        <p:nvPicPr>
+          <p:cNvPr id="18" name="Imagen 17">
+            <a:extLst>
+              <a:ext uri="{FF2B5EF4-FFF2-40B4-BE49-F238E27FC236}">
+                <a16:creationId xmlns:a16="http://schemas.microsoft.com/office/drawing/2014/main" id="{1C38ACEC-ABC8-3295-B776-4CBD9FD592DB}"/>
+              </a:ext>
+            </a:extLst>
+          </p:cNvPr>
+          <p:cNvPicPr>
+            <a:picLocks noChangeAspect="1"/>
+          </p:cNvPicPr>
+          <p:nvPr/>
+        </p:nvPicPr>
+        <p:blipFill>
+          <a:blip r:embed="rId4"/>
+          <a:stretch>
+            <a:fillRect/>
+          </a:stretch>
+        </p:blipFill>
+        <p:spPr>
+          <a:xfrm>
+            <a:off x="1141410" y="4420955"/>
+            <a:ext cx="10265813" cy="1370248"/>
           </a:xfrm>
           <a:prstGeom prst="rect">
             <a:avLst/>
@@ -13398,7 +15762,412 @@
     </p:spTree>
     <p:extLst>
       <p:ext uri="{BB962C8B-B14F-4D97-AF65-F5344CB8AC3E}">
-        <p14:creationId xmlns:p14="http://schemas.microsoft.com/office/powerpoint/2010/main" val="3241170454"/>
+        <p14:creationId xmlns:p14="http://schemas.microsoft.com/office/powerpoint/2010/main" val="872404061"/>
+      </p:ext>
+    </p:extLst>
+  </p:cSld>
+  <p:clrMapOvr>
+    <a:masterClrMapping/>
+  </p:clrMapOvr>
+</p:sld>
+</file>
+
+<file path=ppt/slides/slide7.xml><?xml version="1.0" encoding="utf-8"?>
+<p:sld xmlns:a="http://schemas.openxmlformats.org/drawingml/2006/main" xmlns:r="http://schemas.openxmlformats.org/officeDocument/2006/relationships" xmlns:p="http://schemas.openxmlformats.org/presentationml/2006/main">
+  <p:cSld>
+    <p:spTree>
+      <p:nvGrpSpPr>
+        <p:cNvPr id="1" name=""/>
+        <p:cNvGrpSpPr/>
+        <p:nvPr/>
+      </p:nvGrpSpPr>
+      <p:grpSpPr>
+        <a:xfrm>
+          <a:off x="0" y="0"/>
+          <a:ext cx="0" cy="0"/>
+          <a:chOff x="0" y="0"/>
+          <a:chExt cx="0" cy="0"/>
+        </a:xfrm>
+      </p:grpSpPr>
+      <p:sp>
+        <p:nvSpPr>
+          <p:cNvPr id="2" name="Título 1">
+            <a:extLst>
+              <a:ext uri="{FF2B5EF4-FFF2-40B4-BE49-F238E27FC236}">
+                <a16:creationId xmlns:a16="http://schemas.microsoft.com/office/drawing/2014/main" id="{1D6B2FE9-BB1F-370D-CDEC-3BC1CC3E63D2}"/>
+              </a:ext>
+            </a:extLst>
+          </p:cNvPr>
+          <p:cNvSpPr>
+            <a:spLocks noGrp="1"/>
+          </p:cNvSpPr>
+          <p:nvPr>
+            <p:ph type="title"/>
+          </p:nvPr>
+        </p:nvSpPr>
+        <p:spPr>
+          <a:xfrm>
+            <a:off x="1141413" y="0"/>
+            <a:ext cx="9905998" cy="1066798"/>
+          </a:xfrm>
+        </p:spPr>
+        <p:txBody>
+          <a:bodyPr>
+            <a:normAutofit/>
+          </a:bodyPr>
+          <a:lstStyle/>
+          <a:p>
+            <a:r>
+              <a:rPr lang="es-AR" dirty="0"/>
+              <a:t>descripción de tablas</a:t>
+            </a:r>
+          </a:p>
+        </p:txBody>
+      </p:sp>
+      <p:pic>
+        <p:nvPicPr>
+          <p:cNvPr id="4" name="Imagen 3">
+            <a:extLst>
+              <a:ext uri="{FF2B5EF4-FFF2-40B4-BE49-F238E27FC236}">
+                <a16:creationId xmlns:a16="http://schemas.microsoft.com/office/drawing/2014/main" id="{1F784DAF-2BA4-A9CC-CEDC-ADD2570861AD}"/>
+              </a:ext>
+            </a:extLst>
+          </p:cNvPr>
+          <p:cNvPicPr>
+            <a:picLocks noChangeAspect="1"/>
+          </p:cNvPicPr>
+          <p:nvPr/>
+        </p:nvPicPr>
+        <p:blipFill>
+          <a:blip r:embed="rId2"/>
+          <a:stretch>
+            <a:fillRect/>
+          </a:stretch>
+        </p:blipFill>
+        <p:spPr>
+          <a:xfrm>
+            <a:off x="1141413" y="1066797"/>
+            <a:ext cx="10380174" cy="1865973"/>
+          </a:xfrm>
+          <a:prstGeom prst="rect">
+            <a:avLst/>
+          </a:prstGeom>
+        </p:spPr>
+      </p:pic>
+      <p:pic>
+        <p:nvPicPr>
+          <p:cNvPr id="6" name="Imagen 5">
+            <a:extLst>
+              <a:ext uri="{FF2B5EF4-FFF2-40B4-BE49-F238E27FC236}">
+                <a16:creationId xmlns:a16="http://schemas.microsoft.com/office/drawing/2014/main" id="{D5F9E49A-A21B-D7DD-7CF0-75D90119C139}"/>
+              </a:ext>
+            </a:extLst>
+          </p:cNvPr>
+          <p:cNvPicPr>
+            <a:picLocks noChangeAspect="1"/>
+          </p:cNvPicPr>
+          <p:nvPr/>
+        </p:nvPicPr>
+        <p:blipFill>
+          <a:blip r:embed="rId3"/>
+          <a:stretch>
+            <a:fillRect/>
+          </a:stretch>
+        </p:blipFill>
+        <p:spPr>
+          <a:xfrm>
+            <a:off x="1141413" y="3168298"/>
+            <a:ext cx="10380174" cy="1396686"/>
+          </a:xfrm>
+          <a:prstGeom prst="rect">
+            <a:avLst/>
+          </a:prstGeom>
+        </p:spPr>
+      </p:pic>
+      <p:pic>
+        <p:nvPicPr>
+          <p:cNvPr id="8" name="Imagen 7">
+            <a:extLst>
+              <a:ext uri="{FF2B5EF4-FFF2-40B4-BE49-F238E27FC236}">
+                <a16:creationId xmlns:a16="http://schemas.microsoft.com/office/drawing/2014/main" id="{13083BFE-08AF-73DD-EFF7-B0C803BCE6F9}"/>
+              </a:ext>
+            </a:extLst>
+          </p:cNvPr>
+          <p:cNvPicPr>
+            <a:picLocks noChangeAspect="1"/>
+          </p:cNvPicPr>
+          <p:nvPr/>
+        </p:nvPicPr>
+        <p:blipFill>
+          <a:blip r:embed="rId4"/>
+          <a:stretch>
+            <a:fillRect/>
+          </a:stretch>
+        </p:blipFill>
+        <p:spPr>
+          <a:xfrm>
+            <a:off x="1141413" y="4800511"/>
+            <a:ext cx="10380174" cy="1128523"/>
+          </a:xfrm>
+          <a:prstGeom prst="rect">
+            <a:avLst/>
+          </a:prstGeom>
+        </p:spPr>
+      </p:pic>
+    </p:spTree>
+    <p:extLst>
+      <p:ext uri="{BB962C8B-B14F-4D97-AF65-F5344CB8AC3E}">
+        <p14:creationId xmlns:p14="http://schemas.microsoft.com/office/powerpoint/2010/main" val="2054263842"/>
+      </p:ext>
+    </p:extLst>
+  </p:cSld>
+  <p:clrMapOvr>
+    <a:masterClrMapping/>
+  </p:clrMapOvr>
+</p:sld>
+</file>
+
+<file path=ppt/slides/slide8.xml><?xml version="1.0" encoding="utf-8"?>
+<p:sld xmlns:a="http://schemas.openxmlformats.org/drawingml/2006/main" xmlns:r="http://schemas.openxmlformats.org/officeDocument/2006/relationships" xmlns:p="http://schemas.openxmlformats.org/presentationml/2006/main">
+  <p:cSld>
+    <p:spTree>
+      <p:nvGrpSpPr>
+        <p:cNvPr id="1" name=""/>
+        <p:cNvGrpSpPr/>
+        <p:nvPr/>
+      </p:nvGrpSpPr>
+      <p:grpSpPr>
+        <a:xfrm>
+          <a:off x="0" y="0"/>
+          <a:ext cx="0" cy="0"/>
+          <a:chOff x="0" y="0"/>
+          <a:chExt cx="0" cy="0"/>
+        </a:xfrm>
+      </p:grpSpPr>
+      <p:sp>
+        <p:nvSpPr>
+          <p:cNvPr id="2" name="Título 1">
+            <a:extLst>
+              <a:ext uri="{FF2B5EF4-FFF2-40B4-BE49-F238E27FC236}">
+                <a16:creationId xmlns:a16="http://schemas.microsoft.com/office/drawing/2014/main" id="{1D6B2FE9-BB1F-370D-CDEC-3BC1CC3E63D2}"/>
+              </a:ext>
+            </a:extLst>
+          </p:cNvPr>
+          <p:cNvSpPr>
+            <a:spLocks noGrp="1"/>
+          </p:cNvSpPr>
+          <p:nvPr>
+            <p:ph type="title"/>
+          </p:nvPr>
+        </p:nvSpPr>
+        <p:spPr>
+          <a:xfrm>
+            <a:off x="1141413" y="0"/>
+            <a:ext cx="9905998" cy="1066798"/>
+          </a:xfrm>
+        </p:spPr>
+        <p:txBody>
+          <a:bodyPr>
+            <a:normAutofit/>
+          </a:bodyPr>
+          <a:lstStyle/>
+          <a:p>
+            <a:r>
+              <a:rPr lang="es-AR" dirty="0"/>
+              <a:t>descripción de tablas</a:t>
+            </a:r>
+          </a:p>
+        </p:txBody>
+      </p:sp>
+      <p:pic>
+        <p:nvPicPr>
+          <p:cNvPr id="5" name="Imagen 4">
+            <a:extLst>
+              <a:ext uri="{FF2B5EF4-FFF2-40B4-BE49-F238E27FC236}">
+                <a16:creationId xmlns:a16="http://schemas.microsoft.com/office/drawing/2014/main" id="{55668941-C364-25DC-3F11-880D443F3769}"/>
+              </a:ext>
+            </a:extLst>
+          </p:cNvPr>
+          <p:cNvPicPr>
+            <a:picLocks noChangeAspect="1"/>
+          </p:cNvPicPr>
+          <p:nvPr/>
+        </p:nvPicPr>
+        <p:blipFill>
+          <a:blip r:embed="rId2"/>
+          <a:stretch>
+            <a:fillRect/>
+          </a:stretch>
+        </p:blipFill>
+        <p:spPr>
+          <a:xfrm>
+            <a:off x="1141413" y="883742"/>
+            <a:ext cx="10201777" cy="2295125"/>
+          </a:xfrm>
+          <a:prstGeom prst="rect">
+            <a:avLst/>
+          </a:prstGeom>
+        </p:spPr>
+      </p:pic>
+      <p:pic>
+        <p:nvPicPr>
+          <p:cNvPr id="9" name="Imagen 8">
+            <a:extLst>
+              <a:ext uri="{FF2B5EF4-FFF2-40B4-BE49-F238E27FC236}">
+                <a16:creationId xmlns:a16="http://schemas.microsoft.com/office/drawing/2014/main" id="{CD2238EF-B4C3-3A4E-1458-73809EDB52EA}"/>
+              </a:ext>
+            </a:extLst>
+          </p:cNvPr>
+          <p:cNvPicPr>
+            <a:picLocks noChangeAspect="1"/>
+          </p:cNvPicPr>
+          <p:nvPr/>
+        </p:nvPicPr>
+        <p:blipFill>
+          <a:blip r:embed="rId3"/>
+          <a:stretch>
+            <a:fillRect/>
+          </a:stretch>
+        </p:blipFill>
+        <p:spPr>
+          <a:xfrm>
+            <a:off x="1141413" y="3428999"/>
+            <a:ext cx="10201777" cy="2284143"/>
+          </a:xfrm>
+          <a:prstGeom prst="rect">
+            <a:avLst/>
+          </a:prstGeom>
+        </p:spPr>
+      </p:pic>
+    </p:spTree>
+    <p:extLst>
+      <p:ext uri="{BB962C8B-B14F-4D97-AF65-F5344CB8AC3E}">
+        <p14:creationId xmlns:p14="http://schemas.microsoft.com/office/powerpoint/2010/main" val="3989248165"/>
+      </p:ext>
+    </p:extLst>
+  </p:cSld>
+  <p:clrMapOvr>
+    <a:masterClrMapping/>
+  </p:clrMapOvr>
+</p:sld>
+</file>
+
+<file path=ppt/slides/slide9.xml><?xml version="1.0" encoding="utf-8"?>
+<p:sld xmlns:a="http://schemas.openxmlformats.org/drawingml/2006/main" xmlns:r="http://schemas.openxmlformats.org/officeDocument/2006/relationships" xmlns:p="http://schemas.openxmlformats.org/presentationml/2006/main">
+  <p:cSld>
+    <p:spTree>
+      <p:nvGrpSpPr>
+        <p:cNvPr id="1" name=""/>
+        <p:cNvGrpSpPr/>
+        <p:nvPr/>
+      </p:nvGrpSpPr>
+      <p:grpSpPr>
+        <a:xfrm>
+          <a:off x="0" y="0"/>
+          <a:ext cx="0" cy="0"/>
+          <a:chOff x="0" y="0"/>
+          <a:chExt cx="0" cy="0"/>
+        </a:xfrm>
+      </p:grpSpPr>
+      <p:sp>
+        <p:nvSpPr>
+          <p:cNvPr id="2" name="Título 1">
+            <a:extLst>
+              <a:ext uri="{FF2B5EF4-FFF2-40B4-BE49-F238E27FC236}">
+                <a16:creationId xmlns:a16="http://schemas.microsoft.com/office/drawing/2014/main" id="{1D6B2FE9-BB1F-370D-CDEC-3BC1CC3E63D2}"/>
+              </a:ext>
+            </a:extLst>
+          </p:cNvPr>
+          <p:cNvSpPr>
+            <a:spLocks noGrp="1"/>
+          </p:cNvSpPr>
+          <p:nvPr>
+            <p:ph type="title"/>
+          </p:nvPr>
+        </p:nvSpPr>
+        <p:spPr>
+          <a:xfrm>
+            <a:off x="1141413" y="0"/>
+            <a:ext cx="9905998" cy="1066798"/>
+          </a:xfrm>
+        </p:spPr>
+        <p:txBody>
+          <a:bodyPr>
+            <a:normAutofit/>
+          </a:bodyPr>
+          <a:lstStyle/>
+          <a:p>
+            <a:r>
+              <a:rPr lang="es-AR" dirty="0"/>
+              <a:t>descripción de tablas</a:t>
+            </a:r>
+          </a:p>
+        </p:txBody>
+      </p:sp>
+      <p:pic>
+        <p:nvPicPr>
+          <p:cNvPr id="4" name="Imagen 3">
+            <a:extLst>
+              <a:ext uri="{FF2B5EF4-FFF2-40B4-BE49-F238E27FC236}">
+                <a16:creationId xmlns:a16="http://schemas.microsoft.com/office/drawing/2014/main" id="{E9DCCDA4-EE06-4F78-65B2-CDE21A19DCCD}"/>
+              </a:ext>
+            </a:extLst>
+          </p:cNvPr>
+          <p:cNvPicPr>
+            <a:picLocks noChangeAspect="1"/>
+          </p:cNvPicPr>
+          <p:nvPr/>
+        </p:nvPicPr>
+        <p:blipFill>
+          <a:blip r:embed="rId2"/>
+          <a:stretch>
+            <a:fillRect/>
+          </a:stretch>
+        </p:blipFill>
+        <p:spPr>
+          <a:xfrm>
+            <a:off x="1141413" y="1066798"/>
+            <a:ext cx="9905998" cy="2004658"/>
+          </a:xfrm>
+          <a:prstGeom prst="rect">
+            <a:avLst/>
+          </a:prstGeom>
+        </p:spPr>
+      </p:pic>
+      <p:pic>
+        <p:nvPicPr>
+          <p:cNvPr id="7" name="Imagen 6">
+            <a:extLst>
+              <a:ext uri="{FF2B5EF4-FFF2-40B4-BE49-F238E27FC236}">
+                <a16:creationId xmlns:a16="http://schemas.microsoft.com/office/drawing/2014/main" id="{C948B80C-1C7B-893D-323C-8BD4CE817191}"/>
+              </a:ext>
+            </a:extLst>
+          </p:cNvPr>
+          <p:cNvPicPr>
+            <a:picLocks noChangeAspect="1"/>
+          </p:cNvPicPr>
+          <p:nvPr/>
+        </p:nvPicPr>
+        <p:blipFill>
+          <a:blip r:embed="rId3"/>
+          <a:stretch>
+            <a:fillRect/>
+          </a:stretch>
+        </p:blipFill>
+        <p:spPr>
+          <a:xfrm>
+            <a:off x="1141413" y="3322787"/>
+            <a:ext cx="9905998" cy="1311559"/>
+          </a:xfrm>
+          <a:prstGeom prst="rect">
+            <a:avLst/>
+          </a:prstGeom>
+        </p:spPr>
+      </p:pic>
+    </p:spTree>
+    <p:extLst>
+      <p:ext uri="{BB962C8B-B14F-4D97-AF65-F5344CB8AC3E}">
+        <p14:creationId xmlns:p14="http://schemas.microsoft.com/office/powerpoint/2010/main" val="2067103210"/>
       </p:ext>
     </p:extLst>
   </p:cSld>
@@ -13657,4 +16426,299 @@
     </a:ext>
   </a:extLst>
 </a:theme>
+</file>
+
+<file path=ppt/theme/theme2.xml><?xml version="1.0" encoding="utf-8"?>
+<a:theme xmlns:a="http://schemas.openxmlformats.org/drawingml/2006/main" name="Tema de Office">
+  <a:themeElements>
+    <a:clrScheme name="Office">
+      <a:dk1>
+        <a:sysClr val="windowText" lastClr="000000"/>
+      </a:dk1>
+      <a:lt1>
+        <a:sysClr val="window" lastClr="FFFFFF"/>
+      </a:lt1>
+      <a:dk2>
+        <a:srgbClr val="44546A"/>
+      </a:dk2>
+      <a:lt2>
+        <a:srgbClr val="E7E6E6"/>
+      </a:lt2>
+      <a:accent1>
+        <a:srgbClr val="4472C4"/>
+      </a:accent1>
+      <a:accent2>
+        <a:srgbClr val="ED7D31"/>
+      </a:accent2>
+      <a:accent3>
+        <a:srgbClr val="A5A5A5"/>
+      </a:accent3>
+      <a:accent4>
+        <a:srgbClr val="FFC000"/>
+      </a:accent4>
+      <a:accent5>
+        <a:srgbClr val="5B9BD5"/>
+      </a:accent5>
+      <a:accent6>
+        <a:srgbClr val="70AD47"/>
+      </a:accent6>
+      <a:hlink>
+        <a:srgbClr val="0563C1"/>
+      </a:hlink>
+      <a:folHlink>
+        <a:srgbClr val="954F72"/>
+      </a:folHlink>
+    </a:clrScheme>
+    <a:fontScheme name="Office">
+      <a:majorFont>
+        <a:latin typeface="Calibri Light" panose="020F0302020204030204"/>
+        <a:ea typeface=""/>
+        <a:cs typeface=""/>
+        <a:font script="Jpan" typeface="游ゴシック Light"/>
+        <a:font script="Hang" typeface="맑은 고딕"/>
+        <a:font script="Hans" typeface="等线 Light"/>
+        <a:font script="Hant" typeface="新細明體"/>
+        <a:font script="Arab" typeface="Times New Roman"/>
+        <a:font script="Hebr" typeface="Times New Roman"/>
+        <a:font script="Thai" typeface="Angsana New"/>
+        <a:font script="Ethi" typeface="Nyala"/>
+        <a:font script="Beng" typeface="Vrinda"/>
+        <a:font script="Gujr" typeface="Shruti"/>
+        <a:font script="Khmr" typeface="MoolBoran"/>
+        <a:font script="Knda" typeface="Tunga"/>
+        <a:font script="Guru" typeface="Raavi"/>
+        <a:font script="Cans" typeface="Euphemia"/>
+        <a:font script="Cher" typeface="Plantagenet Cherokee"/>
+        <a:font script="Yiii" typeface="Microsoft Yi Baiti"/>
+        <a:font script="Tibt" typeface="Microsoft Himalaya"/>
+        <a:font script="Thaa" typeface="MV Boli"/>
+        <a:font script="Deva" typeface="Mangal"/>
+        <a:font script="Telu" typeface="Gautami"/>
+        <a:font script="Taml" typeface="Latha"/>
+        <a:font script="Syrc" typeface="Estrangelo Edessa"/>
+        <a:font script="Orya" typeface="Kalinga"/>
+        <a:font script="Mlym" typeface="Kartika"/>
+        <a:font script="Laoo" typeface="DokChampa"/>
+        <a:font script="Sinh" typeface="Iskoola Pota"/>
+        <a:font script="Mong" typeface="Mongolian Baiti"/>
+        <a:font script="Viet" typeface="Times New Roman"/>
+        <a:font script="Uigh" typeface="Microsoft Uighur"/>
+        <a:font script="Geor" typeface="Sylfaen"/>
+        <a:font script="Armn" typeface="Arial"/>
+        <a:font script="Bugi" typeface="Leelawadee UI"/>
+        <a:font script="Bopo" typeface="Microsoft JhengHei"/>
+        <a:font script="Java" typeface="Javanese Text"/>
+        <a:font script="Lisu" typeface="Segoe UI"/>
+        <a:font script="Mymr" typeface="Myanmar Text"/>
+        <a:font script="Nkoo" typeface="Ebrima"/>
+        <a:font script="Olck" typeface="Nirmala UI"/>
+        <a:font script="Osma" typeface="Ebrima"/>
+        <a:font script="Phag" typeface="Phagspa"/>
+        <a:font script="Syrn" typeface="Estrangelo Edessa"/>
+        <a:font script="Syrj" typeface="Estrangelo Edessa"/>
+        <a:font script="Syre" typeface="Estrangelo Edessa"/>
+        <a:font script="Sora" typeface="Nirmala UI"/>
+        <a:font script="Tale" typeface="Microsoft Tai Le"/>
+        <a:font script="Talu" typeface="Microsoft New Tai Lue"/>
+        <a:font script="Tfng" typeface="Ebrima"/>
+      </a:majorFont>
+      <a:minorFont>
+        <a:latin typeface="Calibri" panose="020F0502020204030204"/>
+        <a:ea typeface=""/>
+        <a:cs typeface=""/>
+        <a:font script="Jpan" typeface="游ゴシック"/>
+        <a:font script="Hang" typeface="맑은 고딕"/>
+        <a:font script="Hans" typeface="等线"/>
+        <a:font script="Hant" typeface="新細明體"/>
+        <a:font script="Arab" typeface="Arial"/>
+        <a:font script="Hebr" typeface="Arial"/>
+        <a:font script="Thai" typeface="Cordia New"/>
+        <a:font script="Ethi" typeface="Nyala"/>
+        <a:font script="Beng" typeface="Vrinda"/>
+        <a:font script="Gujr" typeface="Shruti"/>
+        <a:font script="Khmr" typeface="DaunPenh"/>
+        <a:font script="Knda" typeface="Tunga"/>
+        <a:font script="Guru" typeface="Raavi"/>
+        <a:font script="Cans" typeface="Euphemia"/>
+        <a:font script="Cher" typeface="Plantagenet Cherokee"/>
+        <a:font script="Yiii" typeface="Microsoft Yi Baiti"/>
+        <a:font script="Tibt" typeface="Microsoft Himalaya"/>
+        <a:font script="Thaa" typeface="MV Boli"/>
+        <a:font script="Deva" typeface="Mangal"/>
+        <a:font script="Telu" typeface="Gautami"/>
+        <a:font script="Taml" typeface="Latha"/>
+        <a:font script="Syrc" typeface="Estrangelo Edessa"/>
+        <a:font script="Orya" typeface="Kalinga"/>
+        <a:font script="Mlym" typeface="Kartika"/>
+        <a:font script="Laoo" typeface="DokChampa"/>
+        <a:font script="Sinh" typeface="Iskoola Pota"/>
+        <a:font script="Mong" typeface="Mongolian Baiti"/>
+        <a:font script="Viet" typeface="Arial"/>
+        <a:font script="Uigh" typeface="Microsoft Uighur"/>
+        <a:font script="Geor" typeface="Sylfaen"/>
+        <a:font script="Armn" typeface="Arial"/>
+        <a:font script="Bugi" typeface="Leelawadee UI"/>
+        <a:font script="Bopo" typeface="Microsoft JhengHei"/>
+        <a:font script="Java" typeface="Javanese Text"/>
+        <a:font script="Lisu" typeface="Segoe UI"/>
+        <a:font script="Mymr" typeface="Myanmar Text"/>
+        <a:font script="Nkoo" typeface="Ebrima"/>
+        <a:font script="Olck" typeface="Nirmala UI"/>
+        <a:font script="Osma" typeface="Ebrima"/>
+        <a:font script="Phag" typeface="Phagspa"/>
+        <a:font script="Syrn" typeface="Estrangelo Edessa"/>
+        <a:font script="Syrj" typeface="Estrangelo Edessa"/>
+        <a:font script="Syre" typeface="Estrangelo Edessa"/>
+        <a:font script="Sora" typeface="Nirmala UI"/>
+        <a:font script="Tale" typeface="Microsoft Tai Le"/>
+        <a:font script="Talu" typeface="Microsoft New Tai Lue"/>
+        <a:font script="Tfng" typeface="Ebrima"/>
+      </a:minorFont>
+    </a:fontScheme>
+    <a:fmtScheme name="Office">
+      <a:fillStyleLst>
+        <a:solidFill>
+          <a:schemeClr val="phClr"/>
+        </a:solidFill>
+        <a:gradFill rotWithShape="1">
+          <a:gsLst>
+            <a:gs pos="0">
+              <a:schemeClr val="phClr">
+                <a:lumMod val="110000"/>
+                <a:satMod val="105000"/>
+                <a:tint val="67000"/>
+              </a:schemeClr>
+            </a:gs>
+            <a:gs pos="50000">
+              <a:schemeClr val="phClr">
+                <a:lumMod val="105000"/>
+                <a:satMod val="103000"/>
+                <a:tint val="73000"/>
+              </a:schemeClr>
+            </a:gs>
+            <a:gs pos="100000">
+              <a:schemeClr val="phClr">
+                <a:lumMod val="105000"/>
+                <a:satMod val="109000"/>
+                <a:tint val="81000"/>
+              </a:schemeClr>
+            </a:gs>
+          </a:gsLst>
+          <a:lin ang="5400000" scaled="0"/>
+        </a:gradFill>
+        <a:gradFill rotWithShape="1">
+          <a:gsLst>
+            <a:gs pos="0">
+              <a:schemeClr val="phClr">
+                <a:satMod val="103000"/>
+                <a:lumMod val="102000"/>
+                <a:tint val="94000"/>
+              </a:schemeClr>
+            </a:gs>
+            <a:gs pos="50000">
+              <a:schemeClr val="phClr">
+                <a:satMod val="110000"/>
+                <a:lumMod val="100000"/>
+                <a:shade val="100000"/>
+              </a:schemeClr>
+            </a:gs>
+            <a:gs pos="100000">
+              <a:schemeClr val="phClr">
+                <a:lumMod val="99000"/>
+                <a:satMod val="120000"/>
+                <a:shade val="78000"/>
+              </a:schemeClr>
+            </a:gs>
+          </a:gsLst>
+          <a:lin ang="5400000" scaled="0"/>
+        </a:gradFill>
+      </a:fillStyleLst>
+      <a:lnStyleLst>
+        <a:ln w="6350" cap="flat" cmpd="sng" algn="ctr">
+          <a:solidFill>
+            <a:schemeClr val="phClr"/>
+          </a:solidFill>
+          <a:prstDash val="solid"/>
+          <a:miter lim="800000"/>
+        </a:ln>
+        <a:ln w="12700" cap="flat" cmpd="sng" algn="ctr">
+          <a:solidFill>
+            <a:schemeClr val="phClr"/>
+          </a:solidFill>
+          <a:prstDash val="solid"/>
+          <a:miter lim="800000"/>
+        </a:ln>
+        <a:ln w="19050" cap="flat" cmpd="sng" algn="ctr">
+          <a:solidFill>
+            <a:schemeClr val="phClr"/>
+          </a:solidFill>
+          <a:prstDash val="solid"/>
+          <a:miter lim="800000"/>
+        </a:ln>
+      </a:lnStyleLst>
+      <a:effectStyleLst>
+        <a:effectStyle>
+          <a:effectLst/>
+        </a:effectStyle>
+        <a:effectStyle>
+          <a:effectLst/>
+        </a:effectStyle>
+        <a:effectStyle>
+          <a:effectLst>
+            <a:outerShdw blurRad="57150" dist="19050" dir="5400000" algn="ctr" rotWithShape="0">
+              <a:srgbClr val="000000">
+                <a:alpha val="63000"/>
+              </a:srgbClr>
+            </a:outerShdw>
+          </a:effectLst>
+        </a:effectStyle>
+      </a:effectStyleLst>
+      <a:bgFillStyleLst>
+        <a:solidFill>
+          <a:schemeClr val="phClr"/>
+        </a:solidFill>
+        <a:solidFill>
+          <a:schemeClr val="phClr">
+            <a:tint val="95000"/>
+            <a:satMod val="170000"/>
+          </a:schemeClr>
+        </a:solidFill>
+        <a:gradFill rotWithShape="1">
+          <a:gsLst>
+            <a:gs pos="0">
+              <a:schemeClr val="phClr">
+                <a:tint val="93000"/>
+                <a:satMod val="150000"/>
+                <a:shade val="98000"/>
+                <a:lumMod val="102000"/>
+              </a:schemeClr>
+            </a:gs>
+            <a:gs pos="50000">
+              <a:schemeClr val="phClr">
+                <a:tint val="98000"/>
+                <a:satMod val="130000"/>
+                <a:shade val="90000"/>
+                <a:lumMod val="103000"/>
+              </a:schemeClr>
+            </a:gs>
+            <a:gs pos="100000">
+              <a:schemeClr val="phClr">
+                <a:shade val="63000"/>
+                <a:satMod val="120000"/>
+              </a:schemeClr>
+            </a:gs>
+          </a:gsLst>
+          <a:lin ang="5400000" scaled="0"/>
+        </a:gradFill>
+      </a:bgFillStyleLst>
+    </a:fmtScheme>
+  </a:themeElements>
+  <a:objectDefaults/>
+  <a:extraClrSchemeLst/>
+  <a:extLst>
+    <a:ext uri="{05A4C25C-085E-4340-85A3-A5531E510DB2}">
+      <thm15:themeFamily xmlns:thm15="http://schemas.microsoft.com/office/thememl/2012/main" name="Office Theme" id="{62F939B6-93AF-4DB8-9C6B-D6C7DFDC589F}" vid="{4A3C46E8-61CC-4603-A589-7422A47A8E4A}"/>
+    </a:ext>
+  </a:extLst>
+</a:theme>
 </file>